--- a/課題研究/2014/齋藤勇也/課題研究パワポ（齋藤）.pptx
+++ b/課題研究/2014/齋藤勇也/課題研究パワポ（齋藤）.pptx
@@ -208,7 +208,7 @@
           <a:p>
             <a:fld id="{EBDABDDA-217B-40F7-B562-7EFC1E18F5FB}" type="datetimeFigureOut">
               <a:rPr kumimoji="1" lang="ja-JP" altLang="en-US" smtClean="0"/>
-              <a:t>2014/12/13</a:t>
+              <a:t>2014/12/18</a:t>
             </a:fld>
             <a:endParaRPr kumimoji="1" lang="ja-JP" altLang="en-US"/>
           </a:p>
@@ -733,7 +733,7 @@
             <a:fld id="{CD18CB5A-6947-405F-A94A-52FF85729738}" type="datetimeFigureOut">
               <a:rPr kumimoji="1" lang="ja-JP" altLang="en-US" smtClean="0"/>
               <a:pPr/>
-              <a:t>2014/12/13</a:t>
+              <a:t>2014/12/18</a:t>
             </a:fld>
             <a:endParaRPr kumimoji="1" lang="ja-JP" altLang="en-US"/>
           </a:p>
@@ -937,7 +937,7 @@
             <a:fld id="{CD18CB5A-6947-405F-A94A-52FF85729738}" type="datetimeFigureOut">
               <a:rPr kumimoji="1" lang="ja-JP" altLang="en-US" smtClean="0"/>
               <a:pPr/>
-              <a:t>2014/12/13</a:t>
+              <a:t>2014/12/18</a:t>
             </a:fld>
             <a:endParaRPr kumimoji="1" lang="ja-JP" altLang="en-US"/>
           </a:p>
@@ -1151,7 +1151,7 @@
             <a:fld id="{CD18CB5A-6947-405F-A94A-52FF85729738}" type="datetimeFigureOut">
               <a:rPr kumimoji="1" lang="ja-JP" altLang="en-US" smtClean="0"/>
               <a:pPr/>
-              <a:t>2014/12/13</a:t>
+              <a:t>2014/12/18</a:t>
             </a:fld>
             <a:endParaRPr kumimoji="1" lang="ja-JP" altLang="en-US"/>
           </a:p>
@@ -1355,7 +1355,7 @@
             <a:fld id="{CD18CB5A-6947-405F-A94A-52FF85729738}" type="datetimeFigureOut">
               <a:rPr kumimoji="1" lang="ja-JP" altLang="en-US" smtClean="0"/>
               <a:pPr/>
-              <a:t>2014/12/13</a:t>
+              <a:t>2014/12/18</a:t>
             </a:fld>
             <a:endParaRPr kumimoji="1" lang="ja-JP" altLang="en-US"/>
           </a:p>
@@ -1615,7 +1615,7 @@
             <a:fld id="{CD18CB5A-6947-405F-A94A-52FF85729738}" type="datetimeFigureOut">
               <a:rPr kumimoji="1" lang="ja-JP" altLang="en-US" smtClean="0"/>
               <a:pPr/>
-              <a:t>2014/12/13</a:t>
+              <a:t>2014/12/18</a:t>
             </a:fld>
             <a:endParaRPr kumimoji="1" lang="ja-JP" altLang="en-US"/>
           </a:p>
@@ -1969,7 +1969,7 @@
             <a:fld id="{CD18CB5A-6947-405F-A94A-52FF85729738}" type="datetimeFigureOut">
               <a:rPr kumimoji="1" lang="ja-JP" altLang="en-US" smtClean="0"/>
               <a:pPr/>
-              <a:t>2014/12/13</a:t>
+              <a:t>2014/12/18</a:t>
             </a:fld>
             <a:endParaRPr kumimoji="1" lang="ja-JP" altLang="en-US"/>
           </a:p>
@@ -2477,7 +2477,7 @@
             <a:fld id="{CD18CB5A-6947-405F-A94A-52FF85729738}" type="datetimeFigureOut">
               <a:rPr kumimoji="1" lang="ja-JP" altLang="en-US" smtClean="0"/>
               <a:pPr/>
-              <a:t>2014/12/13</a:t>
+              <a:t>2014/12/18</a:t>
             </a:fld>
             <a:endParaRPr kumimoji="1" lang="ja-JP" altLang="en-US"/>
           </a:p>
@@ -2597,7 +2597,7 @@
             <a:fld id="{CD18CB5A-6947-405F-A94A-52FF85729738}" type="datetimeFigureOut">
               <a:rPr kumimoji="1" lang="ja-JP" altLang="en-US" smtClean="0"/>
               <a:pPr/>
-              <a:t>2014/12/13</a:t>
+              <a:t>2014/12/18</a:t>
             </a:fld>
             <a:endParaRPr kumimoji="1" lang="ja-JP" altLang="en-US"/>
           </a:p>
@@ -2694,7 +2694,7 @@
             <a:fld id="{CD18CB5A-6947-405F-A94A-52FF85729738}" type="datetimeFigureOut">
               <a:rPr kumimoji="1" lang="ja-JP" altLang="en-US" smtClean="0"/>
               <a:pPr/>
-              <a:t>2014/12/13</a:t>
+              <a:t>2014/12/18</a:t>
             </a:fld>
             <a:endParaRPr kumimoji="1" lang="ja-JP" altLang="en-US"/>
           </a:p>
@@ -3019,7 +3019,7 @@
             <a:fld id="{CD18CB5A-6947-405F-A94A-52FF85729738}" type="datetimeFigureOut">
               <a:rPr kumimoji="1" lang="ja-JP" altLang="en-US" smtClean="0"/>
               <a:pPr/>
-              <a:t>2014/12/13</a:t>
+              <a:t>2014/12/18</a:t>
             </a:fld>
             <a:endParaRPr kumimoji="1" lang="ja-JP" altLang="en-US"/>
           </a:p>
@@ -3297,7 +3297,7 @@
             <a:fld id="{CD18CB5A-6947-405F-A94A-52FF85729738}" type="datetimeFigureOut">
               <a:rPr kumimoji="1" lang="ja-JP" altLang="en-US" smtClean="0"/>
               <a:pPr/>
-              <a:t>2014/12/13</a:t>
+              <a:t>2014/12/18</a:t>
             </a:fld>
             <a:endParaRPr kumimoji="1" lang="ja-JP" altLang="en-US"/>
           </a:p>
@@ -3628,7 +3628,7 @@
             <a:fld id="{CD18CB5A-6947-405F-A94A-52FF85729738}" type="datetimeFigureOut">
               <a:rPr kumimoji="1" lang="ja-JP" altLang="en-US" smtClean="0"/>
               <a:pPr/>
-              <a:t>2014/12/13</a:t>
+              <a:t>2014/12/18</a:t>
             </a:fld>
             <a:endParaRPr kumimoji="1" lang="ja-JP" altLang="en-US"/>
           </a:p>
@@ -4136,9 +4136,15 @@
             <a:avLst/>
           </a:prstGeom>
           <a:solidFill>
-            <a:schemeClr val="accent6"/>
+            <a:schemeClr val="accent1">
+              <a:lumMod val="75000"/>
+            </a:schemeClr>
           </a:solidFill>
-          <a:ln w="25400"/>
+          <a:ln w="25400">
+            <a:solidFill>
+              <a:schemeClr val="bg1"/>
+            </a:solidFill>
+          </a:ln>
         </p:spPr>
         <p:style>
           <a:lnRef idx="2">
@@ -4175,8 +4181,8 @@
         </p:nvSpPr>
         <p:spPr>
           <a:xfrm>
-            <a:off x="5979228" y="11733971"/>
-            <a:ext cx="12902504" cy="1107996"/>
+            <a:off x="5979228" y="11278571"/>
+            <a:ext cx="12902504" cy="1015663"/>
           </a:xfrm>
           <a:prstGeom prst="rect">
             <a:avLst/>
@@ -4190,7 +4196,7 @@
           <a:lstStyle/>
           <a:p>
             <a:r>
-              <a:rPr lang="ja-JP" altLang="en-US" sz="6600" b="1" u="sng" dirty="0" smtClean="0">
+              <a:rPr lang="ja-JP" altLang="en-US" sz="6000" b="1" u="sng" dirty="0" smtClean="0">
                 <a:solidFill>
                   <a:schemeClr val="accent6"/>
                 </a:solidFill>
@@ -4207,7 +4213,7 @@
                 <a:latin typeface="ＭＳ ゴシック" panose="020B0609070205080204" pitchFamily="49" charset="-128"/>
                 <a:ea typeface="ＭＳ ゴシック" panose="020B0609070205080204" pitchFamily="49" charset="-128"/>
               </a:rPr>
-              <a:t>だけではわかりづらい！！</a:t>
+              <a:t>だけでは信用できない！！</a:t>
             </a:r>
             <a:endParaRPr lang="ja-JP" altLang="en-US" sz="4800" b="1" dirty="0">
               <a:solidFill>
@@ -4227,8 +4233,8 @@
         </p:nvSpPr>
         <p:spPr>
           <a:xfrm>
-            <a:off x="11816061" y="13034023"/>
-            <a:ext cx="8670428" cy="1446550"/>
+            <a:off x="11816059" y="12458510"/>
+            <a:ext cx="8616111" cy="1938992"/>
           </a:xfrm>
           <a:prstGeom prst="rect">
             <a:avLst/>
@@ -4247,14 +4253,14 @@
           <a:lstStyle/>
           <a:p>
             <a:r>
-              <a:rPr lang="ja-JP" altLang="en-US" sz="4400" dirty="0" smtClean="0">
+              <a:rPr lang="ja-JP" altLang="en-US" sz="4000" dirty="0" smtClean="0">
                 <a:solidFill>
                   <a:prstClr val="black"/>
                 </a:solidFill>
               </a:rPr>
-              <a:t>参考になった数を使うことで</a:t>
-            </a:r>
-            <a:endParaRPr lang="en-US" altLang="ja-JP" sz="4400" dirty="0">
+              <a:t>レビューを見た人達の集合値である</a:t>
+            </a:r>
+            <a:endParaRPr lang="en-US" altLang="ja-JP" sz="4000" dirty="0" smtClean="0">
               <a:solidFill>
                 <a:prstClr val="black"/>
               </a:solidFill>
@@ -4262,7 +4268,30 @@
           </a:p>
           <a:p>
             <a:r>
-              <a:rPr lang="en-US" altLang="ja-JP" sz="4400" dirty="0" smtClean="0">
+              <a:rPr lang="ja-JP" altLang="en-US" sz="4000" dirty="0" smtClean="0">
+                <a:solidFill>
+                  <a:prstClr val="black"/>
+                </a:solidFill>
+              </a:rPr>
+              <a:t>参考</a:t>
+            </a:r>
+            <a:r>
+              <a:rPr lang="ja-JP" altLang="en-US" sz="4000" dirty="0" smtClean="0">
+                <a:solidFill>
+                  <a:prstClr val="black"/>
+                </a:solidFill>
+              </a:rPr>
+              <a:t>になった数を使うことで</a:t>
+            </a:r>
+            <a:endParaRPr lang="en-US" altLang="ja-JP" sz="4000" dirty="0">
+              <a:solidFill>
+                <a:prstClr val="black"/>
+              </a:solidFill>
+            </a:endParaRPr>
+          </a:p>
+          <a:p>
+            <a:r>
+              <a:rPr lang="en-US" altLang="ja-JP" sz="4000" dirty="0" smtClean="0">
                 <a:solidFill>
                   <a:prstClr val="black"/>
                 </a:solidFill>
@@ -4270,7 +4299,7 @@
               <a:t>           </a:t>
             </a:r>
             <a:r>
-              <a:rPr lang="ja-JP" altLang="en-US" sz="4400" dirty="0" smtClean="0">
+              <a:rPr lang="ja-JP" altLang="en-US" sz="4000" dirty="0" smtClean="0">
                 <a:solidFill>
                   <a:prstClr val="black"/>
                 </a:solidFill>
@@ -4278,18 +4307,13 @@
               <a:t>分かりやすく出来るのでは</a:t>
             </a:r>
             <a:r>
-              <a:rPr lang="en-US" altLang="ja-JP" sz="4400" dirty="0" smtClean="0">
+              <a:rPr lang="en-US" altLang="ja-JP" sz="4000" dirty="0" smtClean="0">
                 <a:solidFill>
                   <a:prstClr val="black"/>
                 </a:solidFill>
               </a:rPr>
               <a:t>!?</a:t>
             </a:r>
-            <a:endParaRPr lang="ja-JP" altLang="en-US" sz="4400" dirty="0">
-              <a:solidFill>
-                <a:prstClr val="black"/>
-              </a:solidFill>
-            </a:endParaRPr>
           </a:p>
         </p:txBody>
       </p:sp>
@@ -4302,14 +4326,14 @@
           <p:nvPr>
             <p:extLst>
               <p:ext uri="{D42A27DB-BD31-4B8C-83A1-F6EECF244321}">
-                <p14:modId xmlns:p14="http://schemas.microsoft.com/office/powerpoint/2010/main" val="2111352781"/>
+                <p14:modId xmlns:p14="http://schemas.microsoft.com/office/powerpoint/2010/main" val="2994381844"/>
               </p:ext>
             </p:extLst>
           </p:nvPr>
         </p:nvGraphicFramePr>
         <p:xfrm>
-          <a:off x="396256" y="6091888"/>
-          <a:ext cx="16356331" cy="4322207"/>
+          <a:off x="396256" y="6091889"/>
+          <a:ext cx="16254561" cy="4054071"/>
         </p:xfrm>
         <a:graphic>
           <a:graphicData uri="http://schemas.openxmlformats.org/drawingml/2006/table">
@@ -4318,11 +4342,11 @@
                 <a:tableStyleId>{85BE263C-DBD7-4A20-BB59-AAB30ACAA65A}</a:tableStyleId>
               </a:tblPr>
               <a:tblGrid>
-                <a:gridCol w="4596448"/>
-                <a:gridCol w="2818448"/>
-                <a:gridCol w="8941435"/>
+                <a:gridCol w="4567849"/>
+                <a:gridCol w="2800911"/>
+                <a:gridCol w="8885801"/>
               </a:tblGrid>
-              <a:tr h="669072">
+              <a:tr h="649961">
                 <a:tc>
                   <a:txBody>
                     <a:bodyPr/>
@@ -4410,7 +4434,7 @@
                   <a:tcPr/>
                 </a:tc>
               </a:tr>
-              <a:tr h="1338143">
+              <a:tr h="1188951">
                 <a:tc>
                   <a:txBody>
                     <a:bodyPr/>
@@ -4526,7 +4550,7 @@
                   </a:tcPr>
                 </a:tc>
               </a:tr>
-              <a:tr h="669072">
+              <a:tr h="594476">
                 <a:tc>
                   <a:txBody>
                     <a:bodyPr/>
@@ -4642,7 +4666,7 @@
                   <a:tcPr marL="68580" marR="68580" marT="0" marB="0"/>
                 </a:tc>
               </a:tr>
-              <a:tr h="669072">
+              <a:tr h="594476">
                 <a:tc>
                   <a:txBody>
                     <a:bodyPr/>
@@ -4774,7 +4798,7 @@
                   <a:tcPr marL="68580" marR="68580" marT="0" marB="0"/>
                 </a:tc>
               </a:tr>
-              <a:tr h="669072">
+              <a:tr h="812452">
                 <a:tc gridSpan="3">
                   <a:txBody>
                     <a:bodyPr/>
@@ -4883,10 +4907,7 @@
           </a:solidFill>
           <a:ln>
             <a:solidFill>
-              <a:schemeClr val="tx1">
-                <a:lumMod val="95000"/>
-                <a:lumOff val="5000"/>
-              </a:schemeClr>
+              <a:schemeClr val="bg1"/>
             </a:solidFill>
           </a:ln>
         </p:spPr>
@@ -4943,7 +4964,7 @@
         </p:nvSpPr>
         <p:spPr>
           <a:xfrm>
-            <a:off x="5839396" y="10383570"/>
+            <a:off x="5839395" y="10136506"/>
             <a:ext cx="5976664" cy="1036792"/>
           </a:xfrm>
           <a:prstGeom prst="downArrow">
@@ -4990,8 +5011,8 @@
         </p:nvSpPr>
         <p:spPr>
           <a:xfrm rot="5400000">
-            <a:off x="15120072" y="8583817"/>
-            <a:ext cx="5808142" cy="2708158"/>
+            <a:off x="15315710" y="8460187"/>
+            <a:ext cx="5517019" cy="2664296"/>
           </a:xfrm>
           <a:prstGeom prst="bentArrow">
             <a:avLst>
@@ -5004,105 +5025,9 @@
           <a:solidFill>
             <a:schemeClr val="accent6"/>
           </a:solidFill>
-        </p:spPr>
-        <p:style>
-          <a:lnRef idx="2">
-            <a:schemeClr val="accent1">
-              <a:shade val="50000"/>
-            </a:schemeClr>
-          </a:lnRef>
-          <a:fillRef idx="1">
-            <a:schemeClr val="accent1"/>
-          </a:fillRef>
-          <a:effectRef idx="0">
-            <a:schemeClr val="accent1"/>
-          </a:effectRef>
-          <a:fontRef idx="minor">
-            <a:schemeClr val="lt1"/>
-          </a:fontRef>
-        </p:style>
-        <p:txBody>
-          <a:bodyPr rtlCol="0" anchor="ctr"/>
-          <a:lstStyle/>
-          <a:p>
-            <a:pPr algn="ctr"/>
-            <a:endParaRPr lang="ja-JP" altLang="en-US">
-              <a:solidFill>
-                <a:prstClr val="black"/>
-              </a:solidFill>
-            </a:endParaRPr>
-          </a:p>
-        </p:txBody>
-      </p:sp>
-      <p:sp>
-        <p:nvSpPr>
-          <p:cNvPr id="16" name="角丸四角形 15"/>
-          <p:cNvSpPr/>
-          <p:nvPr/>
-        </p:nvSpPr>
-        <p:spPr>
-          <a:xfrm>
-            <a:off x="396256" y="17375464"/>
-            <a:ext cx="6221090" cy="2169488"/>
-          </a:xfrm>
-          <a:prstGeom prst="roundRect">
-            <a:avLst/>
-          </a:prstGeom>
-          <a:solidFill>
-            <a:schemeClr val="accent6"/>
-          </a:solidFill>
-          <a:ln w="25400"/>
-        </p:spPr>
-        <p:style>
-          <a:lnRef idx="2">
-            <a:schemeClr val="accent6"/>
-          </a:lnRef>
-          <a:fillRef idx="1">
-            <a:schemeClr val="lt1"/>
-          </a:fillRef>
-          <a:effectRef idx="0">
-            <a:schemeClr val="accent6"/>
-          </a:effectRef>
-          <a:fontRef idx="minor">
-            <a:schemeClr val="dk1"/>
-          </a:fontRef>
-        </p:style>
-        <p:txBody>
-          <a:bodyPr rtlCol="0" anchor="ctr"/>
-          <a:lstStyle/>
-          <a:p>
-            <a:pPr algn="ctr"/>
-            <a:endParaRPr lang="ja-JP" altLang="en-US">
-              <a:solidFill>
-                <a:prstClr val="black"/>
-              </a:solidFill>
-            </a:endParaRPr>
-          </a:p>
-        </p:txBody>
-      </p:sp>
-      <p:sp>
-        <p:nvSpPr>
-          <p:cNvPr id="17" name="正方形/長方形 16"/>
-          <p:cNvSpPr/>
-          <p:nvPr/>
-        </p:nvSpPr>
-        <p:spPr>
-          <a:xfrm>
-            <a:off x="756296" y="17651530"/>
-            <a:ext cx="5130796" cy="1484720"/>
-          </a:xfrm>
-          <a:prstGeom prst="rect">
-            <a:avLst/>
-          </a:prstGeom>
-          <a:solidFill>
-            <a:schemeClr val="accent4"/>
-          </a:solidFill>
           <a:ln>
             <a:solidFill>
-              <a:schemeClr val="tx1">
-                <a:lumMod val="95000"/>
-                <a:lumOff val="5000"/>
-              </a:schemeClr>
+              <a:schemeClr val="bg1"/>
             </a:solidFill>
           </a:ln>
         </p:spPr>
@@ -5127,17 +5052,9 @@
           <a:lstStyle/>
           <a:p>
             <a:pPr algn="ctr"/>
-            <a:r>
-              <a:rPr lang="ja-JP" altLang="en-US" b="1" dirty="0" smtClean="0">
-                <a:solidFill>
-                  <a:schemeClr val="bg1"/>
-                </a:solidFill>
-              </a:rPr>
-              <a:t>研究方法</a:t>
-            </a:r>
-            <a:endParaRPr lang="ja-JP" altLang="en-US" b="1" dirty="0">
+            <a:endParaRPr lang="ja-JP" altLang="en-US">
               <a:solidFill>
-                <a:schemeClr val="bg1"/>
+                <a:prstClr val="black"/>
               </a:solidFill>
             </a:endParaRPr>
           </a:p>
@@ -5145,22 +5062,28 @@
       </p:sp>
       <p:sp>
         <p:nvSpPr>
-          <p:cNvPr id="18" name="角丸四角形 17"/>
+          <p:cNvPr id="16" name="角丸四角形 15"/>
           <p:cNvSpPr/>
           <p:nvPr/>
         </p:nvSpPr>
         <p:spPr>
           <a:xfrm>
-            <a:off x="1909264" y="14903171"/>
-            <a:ext cx="4069964" cy="1495833"/>
+            <a:off x="396256" y="17375464"/>
+            <a:ext cx="6221090" cy="2169488"/>
           </a:xfrm>
           <a:prstGeom prst="roundRect">
             <a:avLst/>
           </a:prstGeom>
           <a:solidFill>
-            <a:schemeClr val="accent6"/>
+            <a:schemeClr val="accent1">
+              <a:lumMod val="75000"/>
+            </a:schemeClr>
           </a:solidFill>
-          <a:ln w="25400"/>
+          <a:ln w="25400">
+            <a:solidFill>
+              <a:schemeClr val="bg1"/>
+            </a:solidFill>
+          </a:ln>
         </p:spPr>
         <p:style>
           <a:lnRef idx="2">
@@ -5191,14 +5114,14 @@
       </p:sp>
       <p:sp>
         <p:nvSpPr>
-          <p:cNvPr id="19" name="正方形/長方形 18"/>
+          <p:cNvPr id="17" name="正方形/長方形 16"/>
           <p:cNvSpPr/>
           <p:nvPr/>
         </p:nvSpPr>
         <p:spPr>
           <a:xfrm>
-            <a:off x="2269304" y="15179237"/>
-            <a:ext cx="3356671" cy="1023695"/>
+            <a:off x="756296" y="17651530"/>
+            <a:ext cx="5130796" cy="1484720"/>
           </a:xfrm>
           <a:prstGeom prst="rect">
             <a:avLst/>
@@ -5207,7 +5130,9 @@
             <a:schemeClr val="accent4"/>
           </a:solidFill>
           <a:ln>
-            <a:noFill/>
+            <a:solidFill>
+              <a:schemeClr val="bg1"/>
+            </a:solidFill>
           </a:ln>
         </p:spPr>
         <p:style>
@@ -5237,7 +5162,7 @@
                   <a:schemeClr val="bg1"/>
                 </a:solidFill>
               </a:rPr>
-              <a:t>目的</a:t>
+              <a:t>研究方法</a:t>
             </a:r>
             <a:endParaRPr lang="ja-JP" altLang="en-US" b="1" dirty="0">
               <a:solidFill>
@@ -5249,6 +5174,118 @@
       </p:sp>
       <p:sp>
         <p:nvSpPr>
+          <p:cNvPr id="18" name="角丸四角形 17"/>
+          <p:cNvSpPr/>
+          <p:nvPr/>
+        </p:nvSpPr>
+        <p:spPr>
+          <a:xfrm>
+            <a:off x="1890870" y="14735448"/>
+            <a:ext cx="4069964" cy="1495833"/>
+          </a:xfrm>
+          <a:prstGeom prst="roundRect">
+            <a:avLst/>
+          </a:prstGeom>
+          <a:solidFill>
+            <a:schemeClr val="accent1">
+              <a:lumMod val="75000"/>
+            </a:schemeClr>
+          </a:solidFill>
+          <a:ln w="25400">
+            <a:solidFill>
+              <a:schemeClr val="bg1"/>
+            </a:solidFill>
+          </a:ln>
+        </p:spPr>
+        <p:style>
+          <a:lnRef idx="2">
+            <a:schemeClr val="accent6"/>
+          </a:lnRef>
+          <a:fillRef idx="1">
+            <a:schemeClr val="lt1"/>
+          </a:fillRef>
+          <a:effectRef idx="0">
+            <a:schemeClr val="accent6"/>
+          </a:effectRef>
+          <a:fontRef idx="minor">
+            <a:schemeClr val="dk1"/>
+          </a:fontRef>
+        </p:style>
+        <p:txBody>
+          <a:bodyPr rtlCol="0" anchor="ctr"/>
+          <a:lstStyle/>
+          <a:p>
+            <a:pPr algn="ctr"/>
+            <a:endParaRPr lang="ja-JP" altLang="en-US">
+              <a:solidFill>
+                <a:prstClr val="black"/>
+              </a:solidFill>
+            </a:endParaRPr>
+          </a:p>
+        </p:txBody>
+      </p:sp>
+      <p:sp>
+        <p:nvSpPr>
+          <p:cNvPr id="19" name="正方形/長方形 18"/>
+          <p:cNvSpPr/>
+          <p:nvPr/>
+        </p:nvSpPr>
+        <p:spPr>
+          <a:xfrm>
+            <a:off x="2250910" y="15011514"/>
+            <a:ext cx="3356671" cy="1023695"/>
+          </a:xfrm>
+          <a:prstGeom prst="rect">
+            <a:avLst/>
+          </a:prstGeom>
+          <a:solidFill>
+            <a:schemeClr val="accent4"/>
+          </a:solidFill>
+          <a:ln>
+            <a:solidFill>
+              <a:schemeClr val="bg1"/>
+            </a:solidFill>
+          </a:ln>
+        </p:spPr>
+        <p:style>
+          <a:lnRef idx="2">
+            <a:schemeClr val="accent1">
+              <a:shade val="50000"/>
+            </a:schemeClr>
+          </a:lnRef>
+          <a:fillRef idx="1">
+            <a:schemeClr val="accent1"/>
+          </a:fillRef>
+          <a:effectRef idx="0">
+            <a:schemeClr val="accent1"/>
+          </a:effectRef>
+          <a:fontRef idx="minor">
+            <a:schemeClr val="lt1"/>
+          </a:fontRef>
+        </p:style>
+        <p:txBody>
+          <a:bodyPr rtlCol="0" anchor="ctr"/>
+          <a:lstStyle/>
+          <a:p>
+            <a:pPr algn="ctr"/>
+            <a:r>
+              <a:rPr lang="ja-JP" altLang="en-US" b="1" dirty="0" smtClean="0">
+                <a:solidFill>
+                  <a:schemeClr val="bg1"/>
+                </a:solidFill>
+              </a:rPr>
+              <a:t>目的</a:t>
+            </a:r>
+            <a:endParaRPr lang="ja-JP" altLang="en-US" b="1" dirty="0">
+              <a:solidFill>
+                <a:schemeClr val="bg1"/>
+              </a:solidFill>
+            </a:endParaRPr>
+          </a:p>
+        </p:txBody>
+      </p:sp>
+      <p:sp>
+        <p:nvSpPr>
           <p:cNvPr id="7" name="テキスト ボックス 6"/>
           <p:cNvSpPr txBox="1"/>
           <p:nvPr/>
@@ -5256,7 +5293,7 @@
         <p:spPr>
           <a:xfrm>
             <a:off x="6339268" y="14903171"/>
-            <a:ext cx="12097344" cy="1754326"/>
+            <a:ext cx="12678914" cy="1754326"/>
           </a:xfrm>
           <a:prstGeom prst="rect">
             <a:avLst/>
@@ -5275,19 +5312,30 @@
             </a:pPr>
             <a:r>
               <a:rPr lang="ja-JP" altLang="en-US" sz="5400" dirty="0"/>
-              <a:t>レビュ</a:t>
+              <a:t>信頼性が</a:t>
             </a:r>
             <a:r>
               <a:rPr lang="ja-JP" altLang="en-US" sz="5400" dirty="0" smtClean="0"/>
-              <a:t>ーに対して重みを付け</a:t>
+              <a:t>ある</a:t>
             </a:r>
             <a:endParaRPr lang="en-US" altLang="ja-JP" sz="5400" dirty="0" smtClean="0"/>
           </a:p>
           <a:p>
-            <a:pPr lvl="1"/>
+            <a:r>
+              <a:rPr lang="en-US" altLang="ja-JP" sz="5400"/>
+              <a:t> </a:t>
+            </a:r>
+            <a:r>
+              <a:rPr lang="en-US" altLang="ja-JP" sz="5400" smtClean="0"/>
+              <a:t>           </a:t>
+            </a:r>
+            <a:r>
+              <a:rPr lang="ja-JP" altLang="en-US" sz="5400" smtClean="0"/>
+              <a:t>新た</a:t>
+            </a:r>
             <a:r>
               <a:rPr lang="ja-JP" altLang="en-US" sz="5400" dirty="0" smtClean="0"/>
-              <a:t>信頼性があることを立証する</a:t>
+              <a:t>なレビューの方法を作り出す</a:t>
             </a:r>
             <a:endParaRPr lang="en-US" altLang="ja-JP" sz="5400" dirty="0" smtClean="0"/>
           </a:p>
@@ -5331,8 +5379,8 @@
         </p:nvSpPr>
         <p:spPr>
           <a:xfrm>
-            <a:off x="7381032" y="17442327"/>
-            <a:ext cx="13986023" cy="1938992"/>
+            <a:off x="7381033" y="17442327"/>
+            <a:ext cx="13021337" cy="1754326"/>
           </a:xfrm>
           <a:prstGeom prst="rect">
             <a:avLst/>
@@ -5349,41 +5397,47 @@
               <a:buChar char="•"/>
             </a:pPr>
             <a:r>
-              <a:rPr lang="en-US" altLang="ja-JP" sz="6000" b="1" dirty="0" smtClean="0">
+              <a:rPr lang="ja-JP" altLang="en-US" sz="5400" b="1" dirty="0" smtClean="0">
                 <a:latin typeface="NimbusRomNo9L-ReguItal"/>
               </a:rPr>
-              <a:t>amazonAPI</a:t>
-            </a:r>
-            <a:r>
-              <a:rPr lang="ja-JP" altLang="en-US" sz="6000" b="1" dirty="0" smtClean="0">
+              <a:t>大手サイト</a:t>
+            </a:r>
+            <a:r>
+              <a:rPr lang="en-US" altLang="ja-JP" sz="5400" b="1" dirty="0" smtClean="0">
+                <a:latin typeface="NimbusRomNo9L-ReguItal"/>
+              </a:rPr>
+              <a:t>Amazon</a:t>
+            </a:r>
+            <a:r>
+              <a:rPr lang="ja-JP" altLang="en-US" sz="5400" b="1" dirty="0" smtClean="0">
                 <a:latin typeface="NimbusRomNo9L-ReguItal"/>
               </a:rPr>
               <a:t>を利用して</a:t>
             </a:r>
-            <a:endParaRPr lang="en-US" altLang="ja-JP" sz="6000" b="1" dirty="0" smtClean="0">
+            <a:endParaRPr lang="en-US" altLang="ja-JP" sz="5400" b="1" dirty="0" smtClean="0">
               <a:latin typeface="NimbusRomNo9L-ReguItal"/>
             </a:endParaRPr>
           </a:p>
           <a:p>
             <a:r>
-              <a:rPr lang="en-US" altLang="ja-JP" sz="6000" b="1" dirty="0">
+              <a:rPr lang="en-US" altLang="ja-JP" sz="5400" b="1" dirty="0">
                 <a:latin typeface="NimbusRomNo9L-ReguItal"/>
               </a:rPr>
               <a:t> </a:t>
             </a:r>
             <a:r>
-              <a:rPr lang="en-US" altLang="ja-JP" sz="6000" b="1" dirty="0" smtClean="0">
+              <a:rPr lang="en-US" altLang="ja-JP" sz="5400" b="1" dirty="0" smtClean="0">
                 <a:latin typeface="NimbusRomNo9L-ReguItal"/>
               </a:rPr>
               <a:t>      </a:t>
             </a:r>
             <a:r>
-              <a:rPr lang="ja-JP" altLang="en-US" sz="6000" b="1" dirty="0" smtClean="0">
+              <a:rPr lang="ja-JP" altLang="en-US" sz="5400" b="1" dirty="0" smtClean="0">
                 <a:latin typeface="NimbusRomNo9L-ReguItal"/>
               </a:rPr>
               <a:t>レビューデータの検証をする</a:t>
             </a:r>
-            <a:endParaRPr lang="ja-JP" altLang="en-US" sz="6000" b="1" dirty="0"/>
+            <a:endParaRPr lang="ja-JP" altLang="en-US" sz="5400" b="1" dirty="0"/>
           </a:p>
         </p:txBody>
       </p:sp>
@@ -5395,16 +5449,15 @@
         </p:nvSpPr>
         <p:spPr>
           <a:xfrm>
-            <a:off x="3693229" y="494464"/>
-            <a:ext cx="16245662" cy="2856622"/>
+            <a:off x="3708622" y="494464"/>
+            <a:ext cx="17681945" cy="3204743"/>
           </a:xfrm>
           <a:prstGeom prst="snipRoundRect">
             <a:avLst/>
           </a:prstGeom>
           <a:solidFill>
             <a:schemeClr val="accent1">
-              <a:lumMod val="60000"/>
-              <a:lumOff val="40000"/>
+              <a:lumMod val="75000"/>
             </a:schemeClr>
           </a:solidFill>
           <a:ln>
@@ -5433,46 +5486,43 @@
           <a:p>
             <a:pPr lvl="0"/>
             <a:r>
-              <a:rPr lang="en-US" altLang="ja-JP" sz="9600" dirty="0">
-                <a:solidFill>
-                  <a:prstClr val="black"/>
-                </a:solidFill>
-              </a:rPr>
-              <a:t>AmazonAPI</a:t>
-            </a:r>
-            <a:r>
-              <a:rPr lang="ja-JP" altLang="en-US" sz="9600" dirty="0">
-                <a:solidFill>
-                  <a:prstClr val="black"/>
-                </a:solidFill>
-              </a:rPr>
-              <a:t>を用いた</a:t>
-            </a:r>
-            <a:endParaRPr lang="en-US" altLang="ja-JP" sz="9600" dirty="0">
+              <a:rPr lang="ja-JP" altLang="en-US" sz="6600" b="1" dirty="0"/>
+              <a:t>オンラインショッピングサイト利用者</a:t>
+            </a:r>
+            <a:r>
+              <a:rPr lang="ja-JP" altLang="en-US" sz="4800" b="1" dirty="0" smtClean="0"/>
+              <a:t>によ</a:t>
+            </a:r>
+            <a:r>
+              <a:rPr lang="ja-JP" altLang="en-US" sz="4800" b="1" dirty="0"/>
+              <a:t>る</a:t>
+            </a:r>
+            <a:endParaRPr lang="en-US" altLang="ja-JP" sz="4800" b="1" dirty="0"/>
+          </a:p>
+          <a:p>
+            <a:pPr lvl="0"/>
+            <a:r>
+              <a:rPr lang="en-US" altLang="ja-JP" sz="6000" b="1" dirty="0"/>
+              <a:t> </a:t>
+            </a:r>
+            <a:r>
+              <a:rPr lang="en-US" altLang="ja-JP" sz="6000" b="1" dirty="0" smtClean="0"/>
+              <a:t>                 </a:t>
+            </a:r>
+            <a:r>
+              <a:rPr lang="ja-JP" altLang="en-US" sz="7200" b="1" dirty="0" smtClean="0"/>
+              <a:t>商品</a:t>
+            </a:r>
+            <a:r>
+              <a:rPr lang="ja-JP" altLang="en-US" sz="7200" b="1" dirty="0"/>
+              <a:t>に対するレビューの動向調査</a:t>
+            </a:r>
+            <a:endParaRPr lang="ja-JP" altLang="en-US" sz="7200" b="1" dirty="0">
               <a:solidFill>
                 <a:prstClr val="black"/>
               </a:solidFill>
             </a:endParaRPr>
           </a:p>
-          <a:p>
-            <a:pPr lvl="0"/>
-            <a:r>
-              <a:rPr lang="en-US" altLang="ja-JP" sz="9600" dirty="0">
-                <a:solidFill>
-                  <a:prstClr val="black"/>
-                </a:solidFill>
-              </a:rPr>
-              <a:t>	</a:t>
-            </a:r>
-            <a:r>
-              <a:rPr lang="ja-JP" altLang="en-US" sz="9600" dirty="0">
-                <a:solidFill>
-                  <a:prstClr val="black"/>
-                </a:solidFill>
-              </a:rPr>
-              <a:t>レビューの信頼度向上</a:t>
-            </a:r>
-          </a:p>
         </p:txBody>
       </p:sp>
       <p:sp>
@@ -5483,8 +5533,8 @@
         </p:nvSpPr>
         <p:spPr>
           <a:xfrm>
-            <a:off x="10144481" y="3764634"/>
-            <a:ext cx="10773054" cy="984885"/>
+            <a:off x="11816060" y="3693126"/>
+            <a:ext cx="10773054" cy="830997"/>
           </a:xfrm>
           <a:prstGeom prst="rect">
             <a:avLst/>
@@ -5498,24 +5548,24 @@
           <a:lstStyle/>
           <a:p>
             <a:r>
-              <a:rPr kumimoji="1" lang="ja-JP" altLang="en-US" dirty="0" smtClean="0">
+              <a:rPr kumimoji="1" lang="ja-JP" altLang="en-US" sz="4800" dirty="0" smtClean="0">
                 <a:latin typeface="+mn-ea"/>
               </a:rPr>
               <a:t>矢吹研究室　</a:t>
             </a:r>
             <a:r>
-              <a:rPr kumimoji="1" lang="en-US" altLang="ja-JP" dirty="0" smtClean="0">
+              <a:rPr kumimoji="1" lang="en-US" altLang="ja-JP" sz="4800" dirty="0" smtClean="0">
                 <a:latin typeface="+mn-ea"/>
               </a:rPr>
               <a:t>1242042 </a:t>
             </a:r>
             <a:r>
-              <a:rPr kumimoji="1" lang="ja-JP" altLang="en-US" dirty="0" smtClean="0">
+              <a:rPr kumimoji="1" lang="ja-JP" altLang="en-US" sz="4800" dirty="0" smtClean="0">
                 <a:latin typeface="+mn-ea"/>
               </a:rPr>
               <a:t>齋藤勇也</a:t>
             </a:r>
-            <a:endParaRPr kumimoji="1" lang="ja-JP" altLang="en-US" dirty="0">
+            <a:endParaRPr kumimoji="1" lang="ja-JP" altLang="en-US" sz="4800" dirty="0">
               <a:latin typeface="+mn-ea"/>
             </a:endParaRPr>
           </a:p>
@@ -5573,8 +5623,8 @@
         </p:blipFill>
         <p:spPr>
           <a:xfrm>
-            <a:off x="7822500" y="19541449"/>
-            <a:ext cx="10191484" cy="3952567"/>
+            <a:off x="7832659" y="19378701"/>
+            <a:ext cx="9341461" cy="3622902"/>
           </a:xfrm>
           <a:prstGeom prst="rect">
             <a:avLst/>
@@ -5589,16 +5639,22 @@
         </p:nvSpPr>
         <p:spPr>
           <a:xfrm>
-            <a:off x="0" y="23408941"/>
+            <a:off x="396256" y="22865178"/>
             <a:ext cx="4933884" cy="1495833"/>
           </a:xfrm>
           <a:prstGeom prst="roundRect">
             <a:avLst/>
           </a:prstGeom>
           <a:solidFill>
-            <a:schemeClr val="accent6"/>
+            <a:schemeClr val="accent1">
+              <a:lumMod val="75000"/>
+            </a:schemeClr>
           </a:solidFill>
-          <a:ln w="25400"/>
+          <a:ln w="25400">
+            <a:solidFill>
+              <a:schemeClr val="bg1"/>
+            </a:solidFill>
+          </a:ln>
         </p:spPr>
         <p:style>
           <a:lnRef idx="2">
@@ -5635,7 +5691,7 @@
         </p:nvSpPr>
         <p:spPr>
           <a:xfrm>
-            <a:off x="360040" y="23685007"/>
+            <a:off x="756296" y="23141244"/>
             <a:ext cx="4069182" cy="1023695"/>
           </a:xfrm>
           <a:prstGeom prst="rect">
@@ -5645,7 +5701,9 @@
             <a:schemeClr val="accent4"/>
           </a:solidFill>
           <a:ln>
-            <a:noFill/>
+            <a:solidFill>
+              <a:schemeClr val="bg1"/>
+            </a:solidFill>
           </a:ln>
         </p:spPr>
         <p:style>
@@ -5670,20 +5728,12 @@
           <a:p>
             <a:pPr algn="ctr"/>
             <a:r>
-              <a:rPr lang="ja-JP" altLang="en-US" b="1" dirty="0">
-                <a:solidFill>
-                  <a:schemeClr val="bg1"/>
-                </a:solidFill>
-              </a:rPr>
-              <a:t>現在</a:t>
-            </a:r>
-            <a:r>
               <a:rPr lang="ja-JP" altLang="en-US" b="1" dirty="0" smtClean="0">
                 <a:solidFill>
                   <a:schemeClr val="bg1"/>
                 </a:solidFill>
               </a:rPr>
-              <a:t>の状況</a:t>
+              <a:t>研究結果</a:t>
             </a:r>
             <a:endParaRPr lang="ja-JP" altLang="en-US" b="1" dirty="0">
               <a:solidFill>
@@ -5695,126 +5745,14 @@
       </p:sp>
       <p:sp>
         <p:nvSpPr>
-          <p:cNvPr id="40" name="角丸四角形 39"/>
-          <p:cNvSpPr/>
-          <p:nvPr/>
-        </p:nvSpPr>
-        <p:spPr>
-          <a:xfrm>
-            <a:off x="10540737" y="23408941"/>
-            <a:ext cx="4933884" cy="1495833"/>
-          </a:xfrm>
-          <a:prstGeom prst="roundRect">
-            <a:avLst/>
-          </a:prstGeom>
-          <a:solidFill>
-            <a:schemeClr val="accent6"/>
-          </a:solidFill>
-          <a:ln w="25400"/>
-        </p:spPr>
-        <p:style>
-          <a:lnRef idx="2">
-            <a:schemeClr val="accent6"/>
-          </a:lnRef>
-          <a:fillRef idx="1">
-            <a:schemeClr val="lt1"/>
-          </a:fillRef>
-          <a:effectRef idx="0">
-            <a:schemeClr val="accent6"/>
-          </a:effectRef>
-          <a:fontRef idx="minor">
-            <a:schemeClr val="dk1"/>
-          </a:fontRef>
-        </p:style>
-        <p:txBody>
-          <a:bodyPr rtlCol="0" anchor="ctr"/>
-          <a:lstStyle/>
-          <a:p>
-            <a:pPr algn="ctr"/>
-            <a:endParaRPr lang="ja-JP" altLang="en-US">
-              <a:solidFill>
-                <a:prstClr val="black"/>
-              </a:solidFill>
-            </a:endParaRPr>
-          </a:p>
-        </p:txBody>
-      </p:sp>
-      <p:sp>
-        <p:nvSpPr>
-          <p:cNvPr id="41" name="正方形/長方形 40"/>
-          <p:cNvSpPr/>
-          <p:nvPr/>
-        </p:nvSpPr>
-        <p:spPr>
-          <a:xfrm>
-            <a:off x="10900777" y="23685007"/>
-            <a:ext cx="4069182" cy="1023695"/>
-          </a:xfrm>
-          <a:prstGeom prst="rect">
-            <a:avLst/>
-          </a:prstGeom>
-          <a:solidFill>
-            <a:schemeClr val="accent4"/>
-          </a:solidFill>
-          <a:ln>
-            <a:noFill/>
-          </a:ln>
-        </p:spPr>
-        <p:style>
-          <a:lnRef idx="2">
-            <a:schemeClr val="accent1">
-              <a:shade val="50000"/>
-            </a:schemeClr>
-          </a:lnRef>
-          <a:fillRef idx="1">
-            <a:schemeClr val="accent1"/>
-          </a:fillRef>
-          <a:effectRef idx="0">
-            <a:schemeClr val="accent1"/>
-          </a:effectRef>
-          <a:fontRef idx="minor">
-            <a:schemeClr val="lt1"/>
-          </a:fontRef>
-        </p:style>
-        <p:txBody>
-          <a:bodyPr rtlCol="0" anchor="ctr"/>
-          <a:lstStyle/>
-          <a:p>
-            <a:pPr algn="ctr"/>
-            <a:r>
-              <a:rPr lang="ja-JP" altLang="en-US" b="1" dirty="0">
-                <a:solidFill>
-                  <a:schemeClr val="bg1"/>
-                </a:solidFill>
-              </a:rPr>
-              <a:t>今後</a:t>
-            </a:r>
-            <a:r>
-              <a:rPr lang="ja-JP" altLang="en-US" b="1" dirty="0" smtClean="0">
-                <a:solidFill>
-                  <a:schemeClr val="bg1"/>
-                </a:solidFill>
-              </a:rPr>
-              <a:t>の計画</a:t>
-            </a:r>
-            <a:endParaRPr lang="ja-JP" altLang="en-US" b="1" dirty="0">
-              <a:solidFill>
-                <a:schemeClr val="bg1"/>
-              </a:solidFill>
-            </a:endParaRPr>
-          </a:p>
-        </p:txBody>
-      </p:sp>
-      <p:sp>
-        <p:nvSpPr>
           <p:cNvPr id="20" name="1 つの角を丸めた四角形 19"/>
           <p:cNvSpPr/>
           <p:nvPr/>
         </p:nvSpPr>
         <p:spPr>
           <a:xfrm>
-            <a:off x="360040" y="24894572"/>
-            <a:ext cx="9748225" cy="5373057"/>
+            <a:off x="355468" y="24441363"/>
+            <a:ext cx="20325177" cy="5282861"/>
           </a:xfrm>
           <a:prstGeom prst="snipRoundRect">
             <a:avLst/>
@@ -5841,32 +5779,26 @@
           <a:lstStyle/>
           <a:p>
             <a:pPr algn="ctr"/>
-            <a:r>
-              <a:rPr kumimoji="1" lang="ja-JP" altLang="en-US" dirty="0" err="1" smtClean="0"/>
-              <a:t>けん</a:t>
-            </a:r>
-            <a:r>
-              <a:rPr kumimoji="1" lang="ja-JP" altLang="en-US" dirty="0" smtClean="0"/>
-              <a:t>きゅうとちゅう</a:t>
-            </a:r>
-            <a:endParaRPr kumimoji="1" lang="ja-JP" altLang="en-US" dirty="0"/>
-          </a:p>
-        </p:txBody>
-      </p:sp>
-      <p:sp>
-        <p:nvSpPr>
-          <p:cNvPr id="43" name="1 つの角を丸めた四角形 42"/>
+            <a:endParaRPr kumimoji="1" lang="ja-JP" altLang="en-US" sz="3600" dirty="0"/>
+          </a:p>
+        </p:txBody>
+      </p:sp>
+      <p:sp>
+        <p:nvSpPr>
+          <p:cNvPr id="5" name="対角する 2 つの角を切り取った四角形 4"/>
           <p:cNvSpPr/>
           <p:nvPr/>
         </p:nvSpPr>
         <p:spPr>
           <a:xfrm>
-            <a:off x="10900777" y="24862250"/>
-            <a:ext cx="9748225" cy="5373057"/>
+            <a:off x="305001" y="6057756"/>
+            <a:ext cx="20288963" cy="8483757"/>
           </a:xfrm>
-          <a:prstGeom prst="snipRoundRect">
+          <a:prstGeom prst="snip2DiagRect">
             <a:avLst/>
           </a:prstGeom>
+          <a:noFill/>
+          <a:ln w="63500"/>
         </p:spPr>
         <p:style>
           <a:lnRef idx="2">
@@ -5893,6 +5825,203 @@
           </a:p>
         </p:txBody>
       </p:sp>
+      <p:sp>
+        <p:nvSpPr>
+          <p:cNvPr id="28" name="対角する 2 つの角を切り取った四角形 27"/>
+          <p:cNvSpPr/>
+          <p:nvPr/>
+        </p:nvSpPr>
+        <p:spPr>
+          <a:xfrm>
+            <a:off x="396254" y="17176673"/>
+            <a:ext cx="20288963" cy="5608869"/>
+          </a:xfrm>
+          <a:prstGeom prst="snip2DiagRect">
+            <a:avLst/>
+          </a:prstGeom>
+          <a:noFill/>
+          <a:ln w="63500"/>
+        </p:spPr>
+        <p:style>
+          <a:lnRef idx="2">
+            <a:schemeClr val="accent1">
+              <a:shade val="50000"/>
+            </a:schemeClr>
+          </a:lnRef>
+          <a:fillRef idx="1">
+            <a:schemeClr val="accent1"/>
+          </a:fillRef>
+          <a:effectRef idx="0">
+            <a:schemeClr val="accent1"/>
+          </a:effectRef>
+          <a:fontRef idx="minor">
+            <a:schemeClr val="lt1"/>
+          </a:fontRef>
+        </p:style>
+        <p:txBody>
+          <a:bodyPr rtlCol="0" anchor="ctr"/>
+          <a:lstStyle/>
+          <a:p>
+            <a:pPr algn="ctr"/>
+            <a:endParaRPr kumimoji="1" lang="ja-JP" altLang="en-US"/>
+          </a:p>
+        </p:txBody>
+      </p:sp>
+      <p:sp>
+        <p:nvSpPr>
+          <p:cNvPr id="30" name="対角する 2 つの角を切り取った四角形 29"/>
+          <p:cNvSpPr/>
+          <p:nvPr/>
+        </p:nvSpPr>
+        <p:spPr>
+          <a:xfrm>
+            <a:off x="396255" y="14541513"/>
+            <a:ext cx="20288963" cy="2611566"/>
+          </a:xfrm>
+          <a:prstGeom prst="snip2DiagRect">
+            <a:avLst/>
+          </a:prstGeom>
+          <a:noFill/>
+          <a:ln w="63500"/>
+        </p:spPr>
+        <p:style>
+          <a:lnRef idx="2">
+            <a:schemeClr val="accent1">
+              <a:shade val="50000"/>
+            </a:schemeClr>
+          </a:lnRef>
+          <a:fillRef idx="1">
+            <a:schemeClr val="accent1"/>
+          </a:fillRef>
+          <a:effectRef idx="0">
+            <a:schemeClr val="accent1"/>
+          </a:effectRef>
+          <a:fontRef idx="minor">
+            <a:schemeClr val="lt1"/>
+          </a:fontRef>
+        </p:style>
+        <p:txBody>
+          <a:bodyPr rtlCol="0" anchor="ctr"/>
+          <a:lstStyle/>
+          <a:p>
+            <a:pPr algn="ctr"/>
+            <a:endParaRPr kumimoji="1" lang="ja-JP" altLang="en-US"/>
+          </a:p>
+        </p:txBody>
+      </p:sp>
+      <p:sp>
+        <p:nvSpPr>
+          <p:cNvPr id="9" name="テキスト ボックス 8"/>
+          <p:cNvSpPr txBox="1"/>
+          <p:nvPr/>
+        </p:nvSpPr>
+        <p:spPr>
+          <a:xfrm>
+            <a:off x="10673523" y="24752964"/>
+            <a:ext cx="9728847" cy="5047536"/>
+          </a:xfrm>
+          <a:prstGeom prst="rect">
+            <a:avLst/>
+          </a:prstGeom>
+          <a:noFill/>
+        </p:spPr>
+        <p:txBody>
+          <a:bodyPr wrap="square" rtlCol="0">
+            <a:spAutoFit/>
+          </a:bodyPr>
+          <a:lstStyle/>
+          <a:p>
+            <a:pPr marL="571500" indent="-571500">
+              <a:buFont typeface="Arial" panose="020B0604020202020204" pitchFamily="34" charset="0"/>
+              <a:buChar char="•"/>
+            </a:pPr>
+            <a:r>
+              <a:rPr lang="ja-JP" altLang="en-US" sz="4400" dirty="0" smtClean="0"/>
+              <a:t>レビューデータ</a:t>
+            </a:r>
+            <a:r>
+              <a:rPr lang="en-US" altLang="ja-JP" sz="4400" dirty="0"/>
+              <a:t>86</a:t>
+            </a:r>
+            <a:r>
+              <a:rPr lang="ja-JP" altLang="en-US" sz="4400" dirty="0"/>
+              <a:t>件を抽出</a:t>
+            </a:r>
+            <a:r>
+              <a:rPr lang="ja-JP" altLang="en-US" sz="4400" dirty="0" smtClean="0"/>
+              <a:t>した．</a:t>
+            </a:r>
+            <a:endParaRPr lang="en-US" altLang="ja-JP" sz="4400" dirty="0" smtClean="0"/>
+          </a:p>
+          <a:p>
+            <a:r>
+              <a:rPr lang="ja-JP" altLang="en-US" sz="4400" dirty="0"/>
+              <a:t>　</a:t>
+            </a:r>
+            <a:r>
+              <a:rPr lang="ja-JP" altLang="en-US" sz="4400" dirty="0" smtClean="0"/>
+              <a:t>その結果，平均値と大きな差がなく</a:t>
+            </a:r>
+            <a:endParaRPr lang="en-US" altLang="ja-JP" sz="4400" dirty="0" smtClean="0"/>
+          </a:p>
+          <a:p>
+            <a:r>
+              <a:rPr kumimoji="1" lang="ja-JP" altLang="en-US" sz="4400" dirty="0" smtClean="0"/>
+              <a:t>　有用性がない方法であった．</a:t>
+            </a:r>
+            <a:endParaRPr kumimoji="1" lang="en-US" altLang="ja-JP" sz="4400" dirty="0" smtClean="0"/>
+          </a:p>
+          <a:p>
+            <a:pPr marL="571500" indent="-571500">
+              <a:buFont typeface="Arial" panose="020B0604020202020204" pitchFamily="34" charset="0"/>
+              <a:buChar char="•"/>
+            </a:pPr>
+            <a:endParaRPr lang="en-US" altLang="ja-JP" sz="4400" dirty="0"/>
+          </a:p>
+          <a:p>
+            <a:pPr marL="571500" indent="-571500">
+              <a:buFont typeface="Arial" panose="020B0604020202020204" pitchFamily="34" charset="0"/>
+              <a:buChar char="•"/>
+            </a:pPr>
+            <a:r>
+              <a:rPr lang="ja-JP" altLang="en-US" sz="4400" dirty="0"/>
+              <a:t>今後はクラスター分析や標準偏差を求めさらに分析を</a:t>
+            </a:r>
+            <a:r>
+              <a:rPr lang="ja-JP" altLang="en-US" sz="4400" dirty="0" smtClean="0"/>
+              <a:t>進めていく．</a:t>
+            </a:r>
+            <a:endParaRPr kumimoji="1" lang="en-US" altLang="ja-JP" sz="4400" dirty="0" smtClean="0"/>
+          </a:p>
+          <a:p>
+            <a:endParaRPr kumimoji="1" lang="ja-JP" altLang="en-US" dirty="0"/>
+          </a:p>
+        </p:txBody>
+      </p:sp>
+      <p:pic>
+        <p:nvPicPr>
+          <p:cNvPr id="14" name="図 13"/>
+          <p:cNvPicPr>
+            <a:picLocks noChangeAspect="1"/>
+          </p:cNvPicPr>
+          <p:nvPr/>
+        </p:nvPicPr>
+        <p:blipFill>
+          <a:blip r:embed="rId4"/>
+          <a:stretch>
+            <a:fillRect/>
+          </a:stretch>
+        </p:blipFill>
+        <p:spPr>
+          <a:xfrm>
+            <a:off x="937813" y="24660707"/>
+            <a:ext cx="9457435" cy="4867171"/>
+          </a:xfrm>
+          <a:prstGeom prst="rect">
+            <a:avLst/>
+          </a:prstGeom>
+        </p:spPr>
+      </p:pic>
     </p:spTree>
     <p:extLst>
       <p:ext uri="{BB962C8B-B14F-4D97-AF65-F5344CB8AC3E}">

--- a/課題研究/2014/齋藤勇也/課題研究パワポ（齋藤）.pptx
+++ b/課題研究/2014/齋藤勇也/課題研究パワポ（齋藤）.pptx
@@ -109,7 +109,7 @@
   </p:defaultTextStyle>
   <p:extLst>
     <p:ext uri="{EFAFB233-063F-42B5-8137-9DF3F51BA10A}">
-      <p15:sldGuideLst xmlns:p15="http://schemas.microsoft.com/office/powerpoint/2012/main">
+      <p15:sldGuideLst xmlns:p15="http://schemas.microsoft.com/office/powerpoint/2012/main" xmlns="">
         <p15:guide id="1" orient="horz" pos="9537">
           <p15:clr>
             <a:srgbClr val="A4A3A4"/>
@@ -4123,6 +4123,52 @@
       </p:grpSpPr>
       <p:sp>
         <p:nvSpPr>
+          <p:cNvPr id="20" name="1 つの角を切り取った四角形 19"/>
+          <p:cNvSpPr/>
+          <p:nvPr/>
+        </p:nvSpPr>
+        <p:spPr>
+          <a:xfrm>
+            <a:off x="355468" y="23001603"/>
+            <a:ext cx="20325177" cy="6722621"/>
+          </a:xfrm>
+          <a:prstGeom prst="snip1Rect">
+            <a:avLst/>
+          </a:prstGeom>
+          <a:solidFill>
+            <a:schemeClr val="bg1"/>
+          </a:solidFill>
+          <a:ln>
+            <a:solidFill>
+              <a:srgbClr val="0070C0"/>
+            </a:solidFill>
+          </a:ln>
+        </p:spPr>
+        <p:style>
+          <a:lnRef idx="2">
+            <a:schemeClr val="accent6"/>
+          </a:lnRef>
+          <a:fillRef idx="1">
+            <a:schemeClr val="lt1"/>
+          </a:fillRef>
+          <a:effectRef idx="0">
+            <a:schemeClr val="accent6"/>
+          </a:effectRef>
+          <a:fontRef idx="minor">
+            <a:schemeClr val="dk1"/>
+          </a:fontRef>
+        </p:style>
+        <p:txBody>
+          <a:bodyPr rtlCol="0" anchor="ctr"/>
+          <a:lstStyle/>
+          <a:p>
+            <a:pPr algn="ctr"/>
+            <a:endParaRPr kumimoji="1" lang="ja-JP" altLang="en-US" sz="3600" dirty="0"/>
+          </a:p>
+        </p:txBody>
+      </p:sp>
+      <p:sp>
+        <p:nvSpPr>
           <p:cNvPr id="32" name="角丸四角形 31"/>
           <p:cNvSpPr/>
           <p:nvPr/>
@@ -4273,7 +4319,7 @@
                   <a:prstClr val="black"/>
                 </a:solidFill>
               </a:rPr>
-              <a:t>参考</a:t>
+              <a:t>参考になった数を使うこと</a:t>
             </a:r>
             <a:r>
               <a:rPr lang="ja-JP" altLang="en-US" sz="4000" dirty="0" smtClean="0">
@@ -4281,7 +4327,7 @@
                   <a:prstClr val="black"/>
                 </a:solidFill>
               </a:rPr>
-              <a:t>になった数を使うことで</a:t>
+              <a:t>で</a:t>
             </a:r>
             <a:endParaRPr lang="en-US" altLang="ja-JP" sz="4000" dirty="0">
               <a:solidFill>
@@ -4291,20 +4337,20 @@
           </a:p>
           <a:p>
             <a:r>
-              <a:rPr lang="en-US" altLang="ja-JP" sz="4000" dirty="0" smtClean="0">
-                <a:solidFill>
-                  <a:prstClr val="black"/>
-                </a:solidFill>
-              </a:rPr>
-              <a:t>           </a:t>
-            </a:r>
-            <a:r>
               <a:rPr lang="ja-JP" altLang="en-US" sz="4000" dirty="0" smtClean="0">
                 <a:solidFill>
                   <a:prstClr val="black"/>
                 </a:solidFill>
               </a:rPr>
-              <a:t>分かりやすく出来るのでは</a:t>
+              <a:t>分かりやすく</a:t>
+            </a:r>
+            <a:r>
+              <a:rPr lang="ja-JP" altLang="en-US" sz="4000" dirty="0" smtClean="0">
+                <a:solidFill>
+                  <a:prstClr val="black"/>
+                </a:solidFill>
+              </a:rPr>
+              <a:t>出来るのでは</a:t>
             </a:r>
             <a:r>
               <a:rPr lang="en-US" altLang="ja-JP" sz="4000" dirty="0" smtClean="0">
@@ -5639,7 +5685,7 @@
         </p:nvSpPr>
         <p:spPr>
           <a:xfrm>
-            <a:off x="396256" y="22865178"/>
+            <a:off x="396256" y="23141602"/>
             <a:ext cx="4933884" cy="1495833"/>
           </a:xfrm>
           <a:prstGeom prst="roundRect">
@@ -5691,7 +5737,7 @@
         </p:nvSpPr>
         <p:spPr>
           <a:xfrm>
-            <a:off x="756296" y="23141244"/>
+            <a:off x="756296" y="23417668"/>
             <a:ext cx="4069182" cy="1023695"/>
           </a:xfrm>
           <a:prstGeom prst="rect">
@@ -5745,46 +5791,6 @@
       </p:sp>
       <p:sp>
         <p:nvSpPr>
-          <p:cNvPr id="20" name="1 つの角を丸めた四角形 19"/>
-          <p:cNvSpPr/>
-          <p:nvPr/>
-        </p:nvSpPr>
-        <p:spPr>
-          <a:xfrm>
-            <a:off x="355468" y="24441363"/>
-            <a:ext cx="20325177" cy="5282861"/>
-          </a:xfrm>
-          <a:prstGeom prst="snipRoundRect">
-            <a:avLst/>
-          </a:prstGeom>
-        </p:spPr>
-        <p:style>
-          <a:lnRef idx="2">
-            <a:schemeClr val="accent1">
-              <a:shade val="50000"/>
-            </a:schemeClr>
-          </a:lnRef>
-          <a:fillRef idx="1">
-            <a:schemeClr val="accent1"/>
-          </a:fillRef>
-          <a:effectRef idx="0">
-            <a:schemeClr val="accent1"/>
-          </a:effectRef>
-          <a:fontRef idx="minor">
-            <a:schemeClr val="lt1"/>
-          </a:fontRef>
-        </p:style>
-        <p:txBody>
-          <a:bodyPr rtlCol="0" anchor="ctr"/>
-          <a:lstStyle/>
-          <a:p>
-            <a:pPr algn="ctr"/>
-            <a:endParaRPr kumimoji="1" lang="ja-JP" altLang="en-US" sz="3600" dirty="0"/>
-          </a:p>
-        </p:txBody>
-      </p:sp>
-      <p:sp>
-        <p:nvSpPr>
           <p:cNvPr id="5" name="対角する 2 つの角を切り取った四角形 4"/>
           <p:cNvSpPr/>
           <p:nvPr/>
@@ -5917,8 +5923,8 @@
         </p:nvSpPr>
         <p:spPr>
           <a:xfrm>
-            <a:off x="10673523" y="24752964"/>
-            <a:ext cx="9728847" cy="5047536"/>
+            <a:off x="6617346" y="27263765"/>
+            <a:ext cx="11113035" cy="3016210"/>
           </a:xfrm>
           <a:prstGeom prst="rect">
             <a:avLst/>
@@ -5931,51 +5937,6 @@
           </a:bodyPr>
           <a:lstStyle/>
           <a:p>
-            <a:pPr marL="571500" indent="-571500">
-              <a:buFont typeface="Arial" panose="020B0604020202020204" pitchFamily="34" charset="0"/>
-              <a:buChar char="•"/>
-            </a:pPr>
-            <a:r>
-              <a:rPr lang="ja-JP" altLang="en-US" sz="4400" dirty="0" smtClean="0"/>
-              <a:t>レビューデータ</a:t>
-            </a:r>
-            <a:r>
-              <a:rPr lang="en-US" altLang="ja-JP" sz="4400" dirty="0"/>
-              <a:t>86</a:t>
-            </a:r>
-            <a:r>
-              <a:rPr lang="ja-JP" altLang="en-US" sz="4400" dirty="0"/>
-              <a:t>件を抽出</a:t>
-            </a:r>
-            <a:r>
-              <a:rPr lang="ja-JP" altLang="en-US" sz="4400" dirty="0" smtClean="0"/>
-              <a:t>した．</a:t>
-            </a:r>
-            <a:endParaRPr lang="en-US" altLang="ja-JP" sz="4400" dirty="0" smtClean="0"/>
-          </a:p>
-          <a:p>
-            <a:r>
-              <a:rPr lang="ja-JP" altLang="en-US" sz="4400" dirty="0"/>
-              <a:t>　</a:t>
-            </a:r>
-            <a:r>
-              <a:rPr lang="ja-JP" altLang="en-US" sz="4400" dirty="0" smtClean="0"/>
-              <a:t>その結果，平均値と大きな差がなく</a:t>
-            </a:r>
-            <a:endParaRPr lang="en-US" altLang="ja-JP" sz="4400" dirty="0" smtClean="0"/>
-          </a:p>
-          <a:p>
-            <a:r>
-              <a:rPr kumimoji="1" lang="ja-JP" altLang="en-US" sz="4400" dirty="0" smtClean="0"/>
-              <a:t>　有用性がない方法であった．</a:t>
-            </a:r>
-            <a:endParaRPr kumimoji="1" lang="en-US" altLang="ja-JP" sz="4400" dirty="0" smtClean="0"/>
-          </a:p>
-          <a:p>
-            <a:pPr marL="571500" indent="-571500">
-              <a:buFont typeface="Arial" panose="020B0604020202020204" pitchFamily="34" charset="0"/>
-              <a:buChar char="•"/>
-            </a:pPr>
             <a:endParaRPr lang="en-US" altLang="ja-JP" sz="4400" dirty="0"/>
           </a:p>
           <a:p>
@@ -6014,14 +5975,202 @@
         </p:blipFill>
         <p:spPr>
           <a:xfrm>
-            <a:off x="937813" y="24660707"/>
-            <a:ext cx="9457435" cy="4867171"/>
+            <a:off x="11291469" y="23417669"/>
+            <a:ext cx="8302442" cy="4272766"/>
           </a:xfrm>
           <a:prstGeom prst="rect">
             <a:avLst/>
           </a:prstGeom>
         </p:spPr>
       </p:pic>
+      <p:sp>
+        <p:nvSpPr>
+          <p:cNvPr id="38" name="角丸四角形 37"/>
+          <p:cNvSpPr/>
+          <p:nvPr/>
+        </p:nvSpPr>
+        <p:spPr>
+          <a:xfrm>
+            <a:off x="396256" y="27639070"/>
+            <a:ext cx="4933884" cy="1495833"/>
+          </a:xfrm>
+          <a:prstGeom prst="roundRect">
+            <a:avLst/>
+          </a:prstGeom>
+          <a:solidFill>
+            <a:schemeClr val="accent1">
+              <a:lumMod val="75000"/>
+            </a:schemeClr>
+          </a:solidFill>
+          <a:ln w="25400">
+            <a:solidFill>
+              <a:schemeClr val="bg1"/>
+            </a:solidFill>
+          </a:ln>
+        </p:spPr>
+        <p:style>
+          <a:lnRef idx="2">
+            <a:schemeClr val="accent6"/>
+          </a:lnRef>
+          <a:fillRef idx="1">
+            <a:schemeClr val="lt1"/>
+          </a:fillRef>
+          <a:effectRef idx="0">
+            <a:schemeClr val="accent6"/>
+          </a:effectRef>
+          <a:fontRef idx="minor">
+            <a:schemeClr val="dk1"/>
+          </a:fontRef>
+        </p:style>
+        <p:txBody>
+          <a:bodyPr rtlCol="0" anchor="ctr"/>
+          <a:lstStyle/>
+          <a:p>
+            <a:pPr algn="ctr"/>
+            <a:endParaRPr lang="ja-JP" altLang="en-US">
+              <a:solidFill>
+                <a:prstClr val="black"/>
+              </a:solidFill>
+            </a:endParaRPr>
+          </a:p>
+        </p:txBody>
+      </p:sp>
+      <p:sp>
+        <p:nvSpPr>
+          <p:cNvPr id="39" name="正方形/長方形 38"/>
+          <p:cNvSpPr/>
+          <p:nvPr/>
+        </p:nvSpPr>
+        <p:spPr>
+          <a:xfrm>
+            <a:off x="756296" y="27915136"/>
+            <a:ext cx="4069182" cy="1023695"/>
+          </a:xfrm>
+          <a:prstGeom prst="rect">
+            <a:avLst/>
+          </a:prstGeom>
+          <a:solidFill>
+            <a:schemeClr val="accent4"/>
+          </a:solidFill>
+          <a:ln>
+            <a:solidFill>
+              <a:schemeClr val="bg1"/>
+            </a:solidFill>
+          </a:ln>
+        </p:spPr>
+        <p:style>
+          <a:lnRef idx="2">
+            <a:schemeClr val="accent1">
+              <a:shade val="50000"/>
+            </a:schemeClr>
+          </a:lnRef>
+          <a:fillRef idx="1">
+            <a:schemeClr val="accent1"/>
+          </a:fillRef>
+          <a:effectRef idx="0">
+            <a:schemeClr val="accent1"/>
+          </a:effectRef>
+          <a:fontRef idx="minor">
+            <a:schemeClr val="lt1"/>
+          </a:fontRef>
+        </p:style>
+        <p:txBody>
+          <a:bodyPr rtlCol="0" anchor="ctr"/>
+          <a:lstStyle/>
+          <a:p>
+            <a:pPr algn="ctr"/>
+            <a:r>
+              <a:rPr lang="ja-JP" altLang="en-US" b="1" dirty="0">
+                <a:solidFill>
+                  <a:schemeClr val="bg1"/>
+                </a:solidFill>
+              </a:rPr>
+              <a:t>今後</a:t>
+            </a:r>
+            <a:r>
+              <a:rPr lang="ja-JP" altLang="en-US" b="1" dirty="0" smtClean="0">
+                <a:solidFill>
+                  <a:schemeClr val="bg1"/>
+                </a:solidFill>
+              </a:rPr>
+              <a:t>の予定</a:t>
+            </a:r>
+            <a:endParaRPr lang="ja-JP" altLang="en-US" b="1" dirty="0">
+              <a:solidFill>
+                <a:schemeClr val="bg1"/>
+              </a:solidFill>
+            </a:endParaRPr>
+          </a:p>
+        </p:txBody>
+      </p:sp>
+      <p:sp>
+        <p:nvSpPr>
+          <p:cNvPr id="40" name="テキスト ボックス 39"/>
+          <p:cNvSpPr txBox="1"/>
+          <p:nvPr/>
+        </p:nvSpPr>
+        <p:spPr>
+          <a:xfrm>
+            <a:off x="422710" y="24948126"/>
+            <a:ext cx="11113035" cy="2123658"/>
+          </a:xfrm>
+          <a:prstGeom prst="rect">
+            <a:avLst/>
+          </a:prstGeom>
+          <a:noFill/>
+        </p:spPr>
+        <p:txBody>
+          <a:bodyPr wrap="square" rtlCol="0">
+            <a:spAutoFit/>
+          </a:bodyPr>
+          <a:lstStyle/>
+          <a:p>
+            <a:pPr marL="571500" indent="-571500">
+              <a:buFont typeface="Arial" panose="020B0604020202020204" pitchFamily="34" charset="0"/>
+              <a:buChar char="•"/>
+            </a:pPr>
+            <a:r>
+              <a:rPr lang="ja-JP" altLang="en-US" sz="4400" dirty="0" smtClean="0"/>
+              <a:t>レビューデータ</a:t>
+            </a:r>
+            <a:r>
+              <a:rPr lang="en-US" altLang="ja-JP" sz="4400" dirty="0"/>
+              <a:t>86</a:t>
+            </a:r>
+            <a:r>
+              <a:rPr lang="ja-JP" altLang="en-US" sz="4400" dirty="0"/>
+              <a:t>件を抽出</a:t>
+            </a:r>
+            <a:r>
+              <a:rPr lang="ja-JP" altLang="en-US" sz="4400" dirty="0" smtClean="0"/>
+              <a:t>した．</a:t>
+            </a:r>
+            <a:endParaRPr lang="en-US" altLang="ja-JP" sz="4400" dirty="0" smtClean="0"/>
+          </a:p>
+          <a:p>
+            <a:r>
+              <a:rPr lang="ja-JP" altLang="en-US" sz="4400" dirty="0"/>
+              <a:t>　</a:t>
+            </a:r>
+            <a:r>
+              <a:rPr lang="ja-JP" altLang="en-US" sz="4400" dirty="0" smtClean="0"/>
+              <a:t>その結果，平均値と大きな差がなく</a:t>
+            </a:r>
+            <a:endParaRPr lang="en-US" altLang="ja-JP" sz="4400" dirty="0" smtClean="0"/>
+          </a:p>
+          <a:p>
+            <a:r>
+              <a:rPr kumimoji="1" lang="ja-JP" altLang="en-US" sz="4400" dirty="0" smtClean="0"/>
+              <a:t>　</a:t>
+            </a:r>
+            <a:r>
+              <a:rPr kumimoji="1" lang="ja-JP" altLang="en-US" sz="4400" dirty="0" smtClean="0"/>
+              <a:t>相関性がある結果が出力された</a:t>
+            </a:r>
+            <a:endParaRPr kumimoji="1" lang="en-US" altLang="ja-JP" sz="4400" dirty="0" smtClean="0"/>
+          </a:p>
+        </p:txBody>
+      </p:sp>
     </p:spTree>
     <p:extLst>
       <p:ext uri="{BB962C8B-B14F-4D97-AF65-F5344CB8AC3E}">
@@ -6267,7 +6416,7 @@
   <a:extraClrSchemeLst/>
   <a:extLst>
     <a:ext uri="{05A4C25C-085E-4340-85A3-A5531E510DB2}">
-      <thm15:themeFamily xmlns:thm15="http://schemas.microsoft.com/office/thememl/2012/main" name="Frame" id="{F226E7A2-7162-461C-9490-D27D9DC04E43}" vid="{629A0216-3BBD-45C0-B63F-2683BEA18F60}"/>
+      <thm15:themeFamily xmlns:thm15="http://schemas.microsoft.com/office/thememl/2012/main" xmlns="" name="Frame" id="{F226E7A2-7162-461C-9490-D27D9DC04E43}" vid="{629A0216-3BBD-45C0-B63F-2683BEA18F60}"/>
     </a:ext>
   </a:extLst>
 </a:theme>

--- a/課題研究/2014/齋藤勇也/課題研究パワポ（齋藤）.pptx
+++ b/課題研究/2014/齋藤勇也/課題研究パワポ（齋藤）.pptx
@@ -109,7 +109,7 @@
   </p:defaultTextStyle>
   <p:extLst>
     <p:ext uri="{EFAFB233-063F-42B5-8137-9DF3F51BA10A}">
-      <p15:sldGuideLst xmlns:p15="http://schemas.microsoft.com/office/powerpoint/2012/main" xmlns="">
+      <p15:sldGuideLst xmlns="" xmlns:p15="http://schemas.microsoft.com/office/powerpoint/2012/main">
         <p15:guide id="1" orient="horz" pos="9537">
           <p15:clr>
             <a:srgbClr val="A4A3A4"/>
@@ -4319,38 +4319,22 @@
                   <a:prstClr val="black"/>
                 </a:solidFill>
               </a:rPr>
-              <a:t>参考になった数を使うこと</a:t>
-            </a:r>
+              <a:t>参考になった数を使うことで</a:t>
+            </a:r>
+            <a:endParaRPr lang="en-US" altLang="ja-JP" sz="4000" dirty="0">
+              <a:solidFill>
+                <a:prstClr val="black"/>
+              </a:solidFill>
+            </a:endParaRPr>
+          </a:p>
+          <a:p>
             <a:r>
               <a:rPr lang="ja-JP" altLang="en-US" sz="4000" dirty="0" smtClean="0">
                 <a:solidFill>
                   <a:prstClr val="black"/>
                 </a:solidFill>
               </a:rPr>
-              <a:t>で</a:t>
-            </a:r>
-            <a:endParaRPr lang="en-US" altLang="ja-JP" sz="4000" dirty="0">
-              <a:solidFill>
-                <a:prstClr val="black"/>
-              </a:solidFill>
-            </a:endParaRPr>
-          </a:p>
-          <a:p>
-            <a:r>
-              <a:rPr lang="ja-JP" altLang="en-US" sz="4000" dirty="0" smtClean="0">
-                <a:solidFill>
-                  <a:prstClr val="black"/>
-                </a:solidFill>
-              </a:rPr>
-              <a:t>分かりやすく</a:t>
-            </a:r>
-            <a:r>
-              <a:rPr lang="ja-JP" altLang="en-US" sz="4000" dirty="0" smtClean="0">
-                <a:solidFill>
-                  <a:prstClr val="black"/>
-                </a:solidFill>
-              </a:rPr>
-              <a:t>出来るのでは</a:t>
+              <a:t>分かりやすく出来るのでは</a:t>
             </a:r>
             <a:r>
               <a:rPr lang="en-US" altLang="ja-JP" sz="4000" dirty="0" smtClean="0">
@@ -6143,29 +6127,34 @@
             </a:r>
             <a:r>
               <a:rPr lang="ja-JP" altLang="en-US" sz="4400" dirty="0" smtClean="0"/>
-              <a:t>した．</a:t>
-            </a:r>
-            <a:endParaRPr lang="en-US" altLang="ja-JP" sz="4400" dirty="0" smtClean="0"/>
-          </a:p>
-          <a:p>
-            <a:r>
-              <a:rPr lang="ja-JP" altLang="en-US" sz="4400" dirty="0"/>
-              <a:t>　</a:t>
+              <a:t>した</a:t>
             </a:r>
             <a:r>
               <a:rPr lang="ja-JP" altLang="en-US" sz="4400" dirty="0" smtClean="0"/>
-              <a:t>その結果，平均値と大きな差がなく</a:t>
-            </a:r>
-            <a:endParaRPr lang="en-US" altLang="ja-JP" sz="4400" dirty="0" smtClean="0"/>
-          </a:p>
-          <a:p>
+              <a:t>．</a:t>
+            </a:r>
+            <a:endParaRPr lang="en-US" altLang="ja-JP" sz="4400" dirty="0"/>
+          </a:p>
+          <a:p>
+            <a:pPr marL="571500" indent="-571500">
+              <a:buFont typeface="Arial" panose="020B0604020202020204" pitchFamily="34" charset="0"/>
+              <a:buChar char="•"/>
+            </a:pPr>
             <a:r>
               <a:rPr kumimoji="1" lang="ja-JP" altLang="en-US" sz="4400" dirty="0" smtClean="0"/>
-              <a:t>　</a:t>
+              <a:t>相関性</a:t>
             </a:r>
             <a:r>
               <a:rPr kumimoji="1" lang="ja-JP" altLang="en-US" sz="4400" dirty="0" smtClean="0"/>
-              <a:t>相関性がある結果が出力された</a:t>
+              <a:t>がある</a:t>
+            </a:r>
+            <a:r>
+              <a:rPr kumimoji="1" lang="ja-JP" altLang="en-US" sz="4400" dirty="0" smtClean="0"/>
+              <a:t>結果</a:t>
+            </a:r>
+            <a:r>
+              <a:rPr lang="ja-JP" altLang="en-US" sz="4400" dirty="0" smtClean="0"/>
+              <a:t>となり，単純平均より，重み着き平均が約１小さい結果となった．</a:t>
             </a:r>
             <a:endParaRPr kumimoji="1" lang="en-US" altLang="ja-JP" sz="4400" dirty="0" smtClean="0"/>
           </a:p>
@@ -6416,7 +6405,7 @@
   <a:extraClrSchemeLst/>
   <a:extLst>
     <a:ext uri="{05A4C25C-085E-4340-85A3-A5531E510DB2}">
-      <thm15:themeFamily xmlns:thm15="http://schemas.microsoft.com/office/thememl/2012/main" xmlns="" name="Frame" id="{F226E7A2-7162-461C-9490-D27D9DC04E43}" vid="{629A0216-3BBD-45C0-B63F-2683BEA18F60}"/>
+      <thm15:themeFamily xmlns="" xmlns:thm15="http://schemas.microsoft.com/office/thememl/2012/main" name="Frame" id="{F226E7A2-7162-461C-9490-D27D9DC04E43}" vid="{629A0216-3BBD-45C0-B63F-2683BEA18F60}"/>
     </a:ext>
   </a:extLst>
 </a:theme>

--- a/課題研究/2014/齋藤勇也/課題研究パワポ（齋藤）.pptx
+++ b/課題研究/2014/齋藤勇也/課題研究パワポ（齋藤）.pptx
@@ -2,7 +2,7 @@
 <file path=ppt/presentation.xml><?xml version="1.0" encoding="utf-8"?>
 <p:presentation xmlns:a="http://schemas.openxmlformats.org/drawingml/2006/main" xmlns:r="http://schemas.openxmlformats.org/officeDocument/2006/relationships" xmlns:p="http://schemas.openxmlformats.org/presentationml/2006/main" saveSubsetFonts="1">
   <p:sldMasterIdLst>
-    <p:sldMasterId id="2147484304" r:id="rId1"/>
+    <p:sldMasterId id="2147484340" r:id="rId1"/>
   </p:sldMasterIdLst>
   <p:notesMasterIdLst>
     <p:notesMasterId r:id="rId3"/>
@@ -509,7 +509,7 @@
 </file>
 
 <file path=ppt/slideLayouts/slideLayout1.xml><?xml version="1.0" encoding="utf-8"?>
-<p:sldLayout xmlns:a="http://schemas.openxmlformats.org/drawingml/2006/main" xmlns:r="http://schemas.openxmlformats.org/officeDocument/2006/relationships" xmlns:p="http://schemas.openxmlformats.org/presentationml/2006/main" showMasterSp="0" type="title" preserve="1">
+<p:sldLayout xmlns:a="http://schemas.openxmlformats.org/drawingml/2006/main" xmlns:r="http://schemas.openxmlformats.org/officeDocument/2006/relationships" xmlns:p="http://schemas.openxmlformats.org/presentationml/2006/main" type="title" preserve="1">
   <p:cSld name="タイトル スライド">
     <p:spTree>
       <p:nvGrpSpPr>
@@ -527,197 +527,154 @@
       </p:grpSpPr>
       <p:sp>
         <p:nvSpPr>
-          <p:cNvPr id="7" name="Rectangle 6"/>
-          <p:cNvSpPr/>
-          <p:nvPr/>
+          <p:cNvPr id="2" name="タイトル 1"/>
+          <p:cNvSpPr>
+            <a:spLocks noGrp="1"/>
+          </p:cNvSpPr>
+          <p:nvPr>
+            <p:ph type="ctrTitle"/>
+          </p:nvPr>
         </p:nvSpPr>
         <p:spPr>
           <a:xfrm>
-            <a:off x="2" y="3364444"/>
-            <a:ext cx="16035923" cy="23551096"/>
+            <a:off x="1604010" y="9406429"/>
+            <a:ext cx="18178780" cy="6490569"/>
           </a:xfrm>
-          <a:prstGeom prst="rect">
-            <a:avLst/>
-          </a:prstGeom>
-          <a:solidFill>
-            <a:schemeClr val="accent1"/>
-          </a:solidFill>
-          <a:ln>
-            <a:noFill/>
-          </a:ln>
         </p:spPr>
-        <p:style>
-          <a:lnRef idx="2">
-            <a:schemeClr val="accent1">
-              <a:shade val="50000"/>
-            </a:schemeClr>
-          </a:lnRef>
-          <a:fillRef idx="1">
-            <a:schemeClr val="accent1"/>
-          </a:fillRef>
-          <a:effectRef idx="0">
-            <a:schemeClr val="accent1"/>
-          </a:effectRef>
-          <a:fontRef idx="minor">
-            <a:schemeClr val="lt1"/>
-          </a:fontRef>
-        </p:style>
-      </p:sp>
-      <p:sp>
-        <p:nvSpPr>
-          <p:cNvPr id="8" name="Rectangle 7"/>
-          <p:cNvSpPr/>
-          <p:nvPr/>
+        <p:txBody>
+          <a:bodyPr/>
+          <a:lstStyle/>
+          <a:p>
+            <a:r>
+              <a:rPr kumimoji="1" lang="ja-JP" altLang="en-US" smtClean="0"/>
+              <a:t>マスター タイトルの書式設定</a:t>
+            </a:r>
+            <a:endParaRPr kumimoji="1" lang="ja-JP" altLang="en-US"/>
+          </a:p>
+        </p:txBody>
+      </p:sp>
+      <p:sp>
+        <p:nvSpPr>
+          <p:cNvPr id="3" name="サブタイトル 2"/>
+          <p:cNvSpPr>
+            <a:spLocks noGrp="1"/>
+          </p:cNvSpPr>
+          <p:nvPr>
+            <p:ph type="subTitle" idx="1"/>
+          </p:nvPr>
         </p:nvSpPr>
         <p:spPr>
           <a:xfrm>
-            <a:off x="16261587" y="3364444"/>
-            <a:ext cx="5131496" cy="23551096"/>
-          </a:xfrm>
-          <a:prstGeom prst="rect">
-            <a:avLst/>
-          </a:prstGeom>
-          <a:solidFill>
-            <a:srgbClr val="C3C3C3">
-              <a:alpha val="49804"/>
-            </a:srgbClr>
-          </a:solidFill>
-          <a:ln>
-            <a:noFill/>
-          </a:ln>
-        </p:spPr>
-        <p:style>
-          <a:lnRef idx="2">
-            <a:schemeClr val="accent1">
-              <a:shade val="50000"/>
-            </a:schemeClr>
-          </a:lnRef>
-          <a:fillRef idx="1">
-            <a:schemeClr val="accent1"/>
-          </a:fillRef>
-          <a:effectRef idx="0">
-            <a:schemeClr val="accent1"/>
-          </a:effectRef>
-          <a:fontRef idx="minor">
-            <a:schemeClr val="lt1"/>
-          </a:fontRef>
-        </p:style>
-      </p:sp>
-      <p:sp>
-        <p:nvSpPr>
-          <p:cNvPr id="2" name="Title 1"/>
-          <p:cNvSpPr>
-            <a:spLocks noGrp="1"/>
-          </p:cNvSpPr>
-          <p:nvPr>
-            <p:ph type="ctrTitle"/>
-          </p:nvPr>
-        </p:nvSpPr>
-        <p:spPr>
-          <a:xfrm>
-            <a:off x="1876692" y="5733009"/>
-            <a:ext cx="12832080" cy="14372895"/>
+            <a:off x="3208020" y="17158652"/>
+            <a:ext cx="14970760" cy="7738216"/>
           </a:xfrm>
         </p:spPr>
         <p:txBody>
-          <a:bodyPr anchor="b">
-            <a:normAutofit/>
-          </a:bodyPr>
+          <a:bodyPr/>
           <a:lstStyle>
-            <a:lvl1pPr algn="l">
-              <a:defRPr sz="12630" spc="-234" baseline="0">
+            <a:lvl1pPr marL="0" indent="0" algn="ctr">
+              <a:buNone/>
+              <a:defRPr>
                 <a:solidFill>
-                  <a:srgbClr val="FFFFFF"/>
-                </a:solidFill>
-              </a:defRPr>
-            </a:lvl1pPr>
-          </a:lstStyle>
-          <a:p>
-            <a:r>
-              <a:rPr lang="ja-JP" altLang="en-US" smtClean="0"/>
-              <a:t>マスター タイトルの書式設定</a:t>
-            </a:r>
-            <a:endParaRPr lang="en-US" dirty="0"/>
-          </a:p>
-        </p:txBody>
-      </p:sp>
-      <p:sp>
-        <p:nvSpPr>
-          <p:cNvPr id="3" name="Subtitle 2"/>
-          <p:cNvSpPr>
-            <a:spLocks noGrp="1"/>
-          </p:cNvSpPr>
-          <p:nvPr>
-            <p:ph type="subTitle" idx="1"/>
-          </p:nvPr>
-        </p:nvSpPr>
-        <p:spPr>
-          <a:xfrm>
-            <a:off x="1929609" y="20620433"/>
-            <a:ext cx="12832080" cy="4037330"/>
-          </a:xfrm>
-        </p:spPr>
-        <p:txBody>
-          <a:bodyPr anchor="t">
-            <a:normAutofit/>
-          </a:bodyPr>
-          <a:lstStyle>
-            <a:lvl1pPr marL="0" indent="0" algn="l">
-              <a:buNone/>
-              <a:defRPr sz="4678" cap="none" spc="0" baseline="0">
-                <a:solidFill>
-                  <a:schemeClr val="accent1">
-                    <a:lumMod val="20000"/>
-                    <a:lumOff val="80000"/>
+                  <a:schemeClr val="tx1">
+                    <a:tint val="75000"/>
                   </a:schemeClr>
                 </a:solidFill>
               </a:defRPr>
             </a:lvl1pPr>
-            <a:lvl2pPr marL="1069345" indent="0" algn="ctr">
-              <a:buNone/>
-              <a:defRPr sz="4678"/>
+            <a:lvl2pPr marL="1475949" indent="0" algn="ctr">
+              <a:buNone/>
+              <a:defRPr>
+                <a:solidFill>
+                  <a:schemeClr val="tx1">
+                    <a:tint val="75000"/>
+                  </a:schemeClr>
+                </a:solidFill>
+              </a:defRPr>
             </a:lvl2pPr>
-            <a:lvl3pPr marL="2138690" indent="0" algn="ctr">
-              <a:buNone/>
-              <a:defRPr sz="4678"/>
+            <a:lvl3pPr marL="2951897" indent="0" algn="ctr">
+              <a:buNone/>
+              <a:defRPr>
+                <a:solidFill>
+                  <a:schemeClr val="tx1">
+                    <a:tint val="75000"/>
+                  </a:schemeClr>
+                </a:solidFill>
+              </a:defRPr>
             </a:lvl3pPr>
-            <a:lvl4pPr marL="3208035" indent="0" algn="ctr">
-              <a:buNone/>
-              <a:defRPr sz="4678"/>
+            <a:lvl4pPr marL="4427852" indent="0" algn="ctr">
+              <a:buNone/>
+              <a:defRPr>
+                <a:solidFill>
+                  <a:schemeClr val="tx1">
+                    <a:tint val="75000"/>
+                  </a:schemeClr>
+                </a:solidFill>
+              </a:defRPr>
             </a:lvl4pPr>
-            <a:lvl5pPr marL="4277380" indent="0" algn="ctr">
-              <a:buNone/>
-              <a:defRPr sz="4678"/>
+            <a:lvl5pPr marL="5903801" indent="0" algn="ctr">
+              <a:buNone/>
+              <a:defRPr>
+                <a:solidFill>
+                  <a:schemeClr val="tx1">
+                    <a:tint val="75000"/>
+                  </a:schemeClr>
+                </a:solidFill>
+              </a:defRPr>
             </a:lvl5pPr>
-            <a:lvl6pPr marL="5346725" indent="0" algn="ctr">
-              <a:buNone/>
-              <a:defRPr sz="4678"/>
+            <a:lvl6pPr marL="7379749" indent="0" algn="ctr">
+              <a:buNone/>
+              <a:defRPr>
+                <a:solidFill>
+                  <a:schemeClr val="tx1">
+                    <a:tint val="75000"/>
+                  </a:schemeClr>
+                </a:solidFill>
+              </a:defRPr>
             </a:lvl6pPr>
-            <a:lvl7pPr marL="6416070" indent="0" algn="ctr">
-              <a:buNone/>
-              <a:defRPr sz="4678"/>
+            <a:lvl7pPr marL="8855704" indent="0" algn="ctr">
+              <a:buNone/>
+              <a:defRPr>
+                <a:solidFill>
+                  <a:schemeClr val="tx1">
+                    <a:tint val="75000"/>
+                  </a:schemeClr>
+                </a:solidFill>
+              </a:defRPr>
             </a:lvl7pPr>
-            <a:lvl8pPr marL="7485416" indent="0" algn="ctr">
-              <a:buNone/>
-              <a:defRPr sz="4678"/>
+            <a:lvl8pPr marL="10331653" indent="0" algn="ctr">
+              <a:buNone/>
+              <a:defRPr>
+                <a:solidFill>
+                  <a:schemeClr val="tx1">
+                    <a:tint val="75000"/>
+                  </a:schemeClr>
+                </a:solidFill>
+              </a:defRPr>
             </a:lvl8pPr>
-            <a:lvl9pPr marL="8554761" indent="0" algn="ctr">
-              <a:buNone/>
-              <a:defRPr sz="4678"/>
+            <a:lvl9pPr marL="11807601" indent="0" algn="ctr">
+              <a:buNone/>
+              <a:defRPr>
+                <a:solidFill>
+                  <a:schemeClr val="tx1">
+                    <a:tint val="75000"/>
+                  </a:schemeClr>
+                </a:solidFill>
+              </a:defRPr>
             </a:lvl9pPr>
           </a:lstStyle>
           <a:p>
             <a:r>
-              <a:rPr lang="ja-JP" altLang="en-US" smtClean="0"/>
+              <a:rPr kumimoji="1" lang="ja-JP" altLang="en-US" smtClean="0"/>
               <a:t>マスター サブタイトルの書式設定</a:t>
             </a:r>
-            <a:endParaRPr lang="en-US" dirty="0"/>
-          </a:p>
-        </p:txBody>
-      </p:sp>
-      <p:sp>
-        <p:nvSpPr>
-          <p:cNvPr id="4" name="Date Placeholder 3"/>
+            <a:endParaRPr kumimoji="1" lang="ja-JP" altLang="en-US"/>
+          </a:p>
+        </p:txBody>
+      </p:sp>
+      <p:sp>
+        <p:nvSpPr>
+          <p:cNvPr id="4" name="日付プレースホルダー 3"/>
           <p:cNvSpPr>
             <a:spLocks noGrp="1"/>
           </p:cNvSpPr>
@@ -741,7 +698,7 @@
       </p:sp>
       <p:sp>
         <p:nvSpPr>
-          <p:cNvPr id="5" name="Footer Placeholder 4"/>
+          <p:cNvPr id="5" name="フッター プレースホルダー 4"/>
           <p:cNvSpPr>
             <a:spLocks noGrp="1"/>
           </p:cNvSpPr>
@@ -760,7 +717,7 @@
       </p:sp>
       <p:sp>
         <p:nvSpPr>
-          <p:cNvPr id="6" name="Slide Number Placeholder 5"/>
+          <p:cNvPr id="6" name="スライド番号プレースホルダー 5"/>
           <p:cNvSpPr>
             <a:spLocks noGrp="1"/>
           </p:cNvSpPr>
@@ -785,7 +742,7 @@
     </p:spTree>
     <p:extLst>
       <p:ext uri="{BB962C8B-B14F-4D97-AF65-F5344CB8AC3E}">
-        <p14:creationId xmlns:p14="http://schemas.microsoft.com/office/powerpoint/2010/main" val="2107005058"/>
+        <p14:creationId xmlns:p14="http://schemas.microsoft.com/office/powerpoint/2010/main" val="903042397"/>
       </p:ext>
     </p:extLst>
   </p:cSld>
@@ -814,7 +771,7 @@
       </p:grpSpPr>
       <p:sp>
         <p:nvSpPr>
-          <p:cNvPr id="2" name="Title 1"/>
+          <p:cNvPr id="2" name="タイトル 1"/>
           <p:cNvSpPr>
             <a:spLocks noGrp="1"/>
           </p:cNvSpPr>
@@ -828,16 +785,16 @@
           <a:lstStyle/>
           <a:p>
             <a:r>
-              <a:rPr lang="ja-JP" altLang="en-US" smtClean="0"/>
+              <a:rPr kumimoji="1" lang="ja-JP" altLang="en-US" smtClean="0"/>
               <a:t>マスター タイトルの書式設定</a:t>
             </a:r>
-            <a:endParaRPr lang="en-US" dirty="0"/>
-          </a:p>
-        </p:txBody>
-      </p:sp>
-      <p:sp>
-        <p:nvSpPr>
-          <p:cNvPr id="3" name="Vertical Text Placeholder 2"/>
+            <a:endParaRPr kumimoji="1" lang="ja-JP" altLang="en-US"/>
+          </a:p>
+        </p:txBody>
+      </p:sp>
+      <p:sp>
+        <p:nvSpPr>
+          <p:cNvPr id="3" name="縦書きテキスト プレースホルダー 2"/>
           <p:cNvSpPr>
             <a:spLocks noGrp="1"/>
           </p:cNvSpPr>
@@ -847,81 +804,81 @@
         </p:nvSpPr>
         <p:spPr/>
         <p:txBody>
-          <a:bodyPr vert="eaVert" anchor="t"/>
+          <a:bodyPr vert="eaVert"/>
           <a:lstStyle/>
           <a:p>
             <a:pPr lvl="0"/>
             <a:r>
-              <a:rPr lang="ja-JP" altLang="en-US" smtClean="0"/>
+              <a:rPr kumimoji="1" lang="ja-JP" altLang="en-US" smtClean="0"/>
               <a:t>マスター テキストの書式設定</a:t>
             </a:r>
           </a:p>
           <a:p>
             <a:pPr lvl="1"/>
             <a:r>
-              <a:rPr lang="ja-JP" altLang="en-US" smtClean="0"/>
+              <a:rPr kumimoji="1" lang="ja-JP" altLang="en-US" smtClean="0"/>
               <a:t>第 </a:t>
             </a:r>
             <a:r>
-              <a:rPr lang="en-US" altLang="ja-JP" smtClean="0"/>
+              <a:rPr kumimoji="1" lang="en-US" altLang="ja-JP" smtClean="0"/>
               <a:t>2 </a:t>
             </a:r>
             <a:r>
-              <a:rPr lang="ja-JP" altLang="en-US" smtClean="0"/>
+              <a:rPr kumimoji="1" lang="ja-JP" altLang="en-US" smtClean="0"/>
               <a:t>レベル</a:t>
             </a:r>
           </a:p>
           <a:p>
             <a:pPr lvl="2"/>
             <a:r>
-              <a:rPr lang="ja-JP" altLang="en-US" smtClean="0"/>
+              <a:rPr kumimoji="1" lang="ja-JP" altLang="en-US" smtClean="0"/>
               <a:t>第 </a:t>
             </a:r>
             <a:r>
-              <a:rPr lang="en-US" altLang="ja-JP" smtClean="0"/>
+              <a:rPr kumimoji="1" lang="en-US" altLang="ja-JP" smtClean="0"/>
               <a:t>3 </a:t>
             </a:r>
             <a:r>
-              <a:rPr lang="ja-JP" altLang="en-US" smtClean="0"/>
+              <a:rPr kumimoji="1" lang="ja-JP" altLang="en-US" smtClean="0"/>
               <a:t>レベル</a:t>
             </a:r>
           </a:p>
           <a:p>
             <a:pPr lvl="3"/>
             <a:r>
-              <a:rPr lang="ja-JP" altLang="en-US" smtClean="0"/>
+              <a:rPr kumimoji="1" lang="ja-JP" altLang="en-US" smtClean="0"/>
               <a:t>第 </a:t>
             </a:r>
             <a:r>
-              <a:rPr lang="en-US" altLang="ja-JP" smtClean="0"/>
+              <a:rPr kumimoji="1" lang="en-US" altLang="ja-JP" smtClean="0"/>
               <a:t>4 </a:t>
             </a:r>
             <a:r>
-              <a:rPr lang="ja-JP" altLang="en-US" smtClean="0"/>
+              <a:rPr kumimoji="1" lang="ja-JP" altLang="en-US" smtClean="0"/>
               <a:t>レベル</a:t>
             </a:r>
           </a:p>
           <a:p>
             <a:pPr lvl="4"/>
             <a:r>
-              <a:rPr lang="ja-JP" altLang="en-US" smtClean="0"/>
+              <a:rPr kumimoji="1" lang="ja-JP" altLang="en-US" smtClean="0"/>
               <a:t>第 </a:t>
             </a:r>
             <a:r>
-              <a:rPr lang="en-US" altLang="ja-JP" smtClean="0"/>
+              <a:rPr kumimoji="1" lang="en-US" altLang="ja-JP" smtClean="0"/>
               <a:t>5 </a:t>
             </a:r>
             <a:r>
-              <a:rPr lang="ja-JP" altLang="en-US" smtClean="0"/>
+              <a:rPr kumimoji="1" lang="ja-JP" altLang="en-US" smtClean="0"/>
               <a:t>レベル</a:t>
             </a:r>
-            <a:endParaRPr lang="en-US" dirty="0"/>
-          </a:p>
-        </p:txBody>
-      </p:sp>
-      <p:sp>
-        <p:nvSpPr>
-          <p:cNvPr id="7" name="Date Placeholder 6"/>
+            <a:endParaRPr kumimoji="1" lang="ja-JP" altLang="en-US"/>
+          </a:p>
+        </p:txBody>
+      </p:sp>
+      <p:sp>
+        <p:nvSpPr>
+          <p:cNvPr id="4" name="日付プレースホルダー 3"/>
           <p:cNvSpPr>
             <a:spLocks noGrp="1"/>
           </p:cNvSpPr>
@@ -945,7 +902,7 @@
       </p:sp>
       <p:sp>
         <p:nvSpPr>
-          <p:cNvPr id="8" name="Footer Placeholder 7"/>
+          <p:cNvPr id="5" name="フッター プレースホルダー 4"/>
           <p:cNvSpPr>
             <a:spLocks noGrp="1"/>
           </p:cNvSpPr>
@@ -964,7 +921,7 @@
       </p:sp>
       <p:sp>
         <p:nvSpPr>
-          <p:cNvPr id="9" name="Slide Number Placeholder 8"/>
+          <p:cNvPr id="6" name="スライド番号プレースホルダー 5"/>
           <p:cNvSpPr>
             <a:spLocks noGrp="1"/>
           </p:cNvSpPr>
@@ -989,7 +946,7 @@
     </p:spTree>
     <p:extLst>
       <p:ext uri="{BB962C8B-B14F-4D97-AF65-F5344CB8AC3E}">
-        <p14:creationId xmlns:p14="http://schemas.microsoft.com/office/powerpoint/2010/main" val="1322397514"/>
+        <p14:creationId xmlns:p14="http://schemas.microsoft.com/office/powerpoint/2010/main" val="1805965518"/>
       </p:ext>
     </p:extLst>
   </p:cSld>
@@ -1018,7 +975,7 @@
       </p:grpSpPr>
       <p:sp>
         <p:nvSpPr>
-          <p:cNvPr id="2" name="Vertical Title 1"/>
+          <p:cNvPr id="2" name="縦書きタイトル 1"/>
           <p:cNvSpPr>
             <a:spLocks noGrp="1"/>
           </p:cNvSpPr>
@@ -1028,8 +985,8 @@
         </p:nvSpPr>
         <p:spPr>
           <a:xfrm>
-            <a:off x="668337" y="4373774"/>
-            <a:ext cx="4945698" cy="21868871"/>
+            <a:off x="15505430" y="1212605"/>
+            <a:ext cx="4812030" cy="25836108"/>
           </a:xfrm>
         </p:spPr>
         <p:txBody>
@@ -1037,16 +994,16 @@
           <a:lstStyle/>
           <a:p>
             <a:r>
-              <a:rPr lang="ja-JP" altLang="en-US" smtClean="0"/>
+              <a:rPr kumimoji="1" lang="ja-JP" altLang="en-US" smtClean="0"/>
               <a:t>マスター タイトルの書式設定</a:t>
             </a:r>
-            <a:endParaRPr lang="en-US" dirty="0"/>
-          </a:p>
-        </p:txBody>
-      </p:sp>
-      <p:sp>
-        <p:nvSpPr>
-          <p:cNvPr id="3" name="Vertical Text Placeholder 2"/>
+            <a:endParaRPr kumimoji="1" lang="ja-JP" altLang="en-US"/>
+          </a:p>
+        </p:txBody>
+      </p:sp>
+      <p:sp>
+        <p:nvSpPr>
+          <p:cNvPr id="3" name="縦書きテキスト プレースホルダー 2"/>
           <p:cNvSpPr>
             <a:spLocks noGrp="1"/>
           </p:cNvSpPr>
@@ -1056,86 +1013,86 @@
         </p:nvSpPr>
         <p:spPr>
           <a:xfrm>
-            <a:off x="6784962" y="3835464"/>
-            <a:ext cx="12832080" cy="22609048"/>
+            <a:off x="1069340" y="1212605"/>
+            <a:ext cx="14079643" cy="25836108"/>
           </a:xfrm>
         </p:spPr>
         <p:txBody>
-          <a:bodyPr vert="eaVert" anchor="t"/>
+          <a:bodyPr vert="eaVert"/>
           <a:lstStyle/>
           <a:p>
             <a:pPr lvl="0"/>
             <a:r>
-              <a:rPr lang="ja-JP" altLang="en-US" smtClean="0"/>
+              <a:rPr kumimoji="1" lang="ja-JP" altLang="en-US" smtClean="0"/>
               <a:t>マスター テキストの書式設定</a:t>
             </a:r>
           </a:p>
           <a:p>
             <a:pPr lvl="1"/>
             <a:r>
-              <a:rPr lang="ja-JP" altLang="en-US" smtClean="0"/>
+              <a:rPr kumimoji="1" lang="ja-JP" altLang="en-US" smtClean="0"/>
               <a:t>第 </a:t>
             </a:r>
             <a:r>
-              <a:rPr lang="en-US" altLang="ja-JP" smtClean="0"/>
+              <a:rPr kumimoji="1" lang="en-US" altLang="ja-JP" smtClean="0"/>
               <a:t>2 </a:t>
             </a:r>
             <a:r>
-              <a:rPr lang="ja-JP" altLang="en-US" smtClean="0"/>
+              <a:rPr kumimoji="1" lang="ja-JP" altLang="en-US" smtClean="0"/>
               <a:t>レベル</a:t>
             </a:r>
           </a:p>
           <a:p>
             <a:pPr lvl="2"/>
             <a:r>
-              <a:rPr lang="ja-JP" altLang="en-US" smtClean="0"/>
+              <a:rPr kumimoji="1" lang="ja-JP" altLang="en-US" smtClean="0"/>
               <a:t>第 </a:t>
             </a:r>
             <a:r>
-              <a:rPr lang="en-US" altLang="ja-JP" smtClean="0"/>
+              <a:rPr kumimoji="1" lang="en-US" altLang="ja-JP" smtClean="0"/>
               <a:t>3 </a:t>
             </a:r>
             <a:r>
-              <a:rPr lang="ja-JP" altLang="en-US" smtClean="0"/>
+              <a:rPr kumimoji="1" lang="ja-JP" altLang="en-US" smtClean="0"/>
               <a:t>レベル</a:t>
             </a:r>
           </a:p>
           <a:p>
             <a:pPr lvl="3"/>
             <a:r>
-              <a:rPr lang="ja-JP" altLang="en-US" smtClean="0"/>
+              <a:rPr kumimoji="1" lang="ja-JP" altLang="en-US" smtClean="0"/>
               <a:t>第 </a:t>
             </a:r>
             <a:r>
-              <a:rPr lang="en-US" altLang="ja-JP" smtClean="0"/>
+              <a:rPr kumimoji="1" lang="en-US" altLang="ja-JP" smtClean="0"/>
               <a:t>4 </a:t>
             </a:r>
             <a:r>
-              <a:rPr lang="ja-JP" altLang="en-US" smtClean="0"/>
+              <a:rPr kumimoji="1" lang="ja-JP" altLang="en-US" smtClean="0"/>
               <a:t>レベル</a:t>
             </a:r>
           </a:p>
           <a:p>
             <a:pPr lvl="4"/>
             <a:r>
-              <a:rPr lang="ja-JP" altLang="en-US" smtClean="0"/>
+              <a:rPr kumimoji="1" lang="ja-JP" altLang="en-US" smtClean="0"/>
               <a:t>第 </a:t>
             </a:r>
             <a:r>
-              <a:rPr lang="en-US" altLang="ja-JP" smtClean="0"/>
+              <a:rPr kumimoji="1" lang="en-US" altLang="ja-JP" smtClean="0"/>
               <a:t>5 </a:t>
             </a:r>
             <a:r>
-              <a:rPr lang="ja-JP" altLang="en-US" smtClean="0"/>
+              <a:rPr kumimoji="1" lang="ja-JP" altLang="en-US" smtClean="0"/>
               <a:t>レベル</a:t>
             </a:r>
-            <a:endParaRPr lang="en-US" dirty="0"/>
-          </a:p>
-        </p:txBody>
-      </p:sp>
-      <p:sp>
-        <p:nvSpPr>
-          <p:cNvPr id="7" name="Date Placeholder 6"/>
+            <a:endParaRPr kumimoji="1" lang="ja-JP" altLang="en-US"/>
+          </a:p>
+        </p:txBody>
+      </p:sp>
+      <p:sp>
+        <p:nvSpPr>
+          <p:cNvPr id="4" name="日付プレースホルダー 3"/>
           <p:cNvSpPr>
             <a:spLocks noGrp="1"/>
           </p:cNvSpPr>
@@ -1159,7 +1116,7 @@
       </p:sp>
       <p:sp>
         <p:nvSpPr>
-          <p:cNvPr id="8" name="Footer Placeholder 7"/>
+          <p:cNvPr id="5" name="フッター プレースホルダー 4"/>
           <p:cNvSpPr>
             <a:spLocks noGrp="1"/>
           </p:cNvSpPr>
@@ -1178,7 +1135,7 @@
       </p:sp>
       <p:sp>
         <p:nvSpPr>
-          <p:cNvPr id="9" name="Slide Number Placeholder 8"/>
+          <p:cNvPr id="6" name="スライド番号プレースホルダー 5"/>
           <p:cNvSpPr>
             <a:spLocks noGrp="1"/>
           </p:cNvSpPr>
@@ -1203,7 +1160,7 @@
     </p:spTree>
     <p:extLst>
       <p:ext uri="{BB962C8B-B14F-4D97-AF65-F5344CB8AC3E}">
-        <p14:creationId xmlns:p14="http://schemas.microsoft.com/office/powerpoint/2010/main" val="249239348"/>
+        <p14:creationId xmlns:p14="http://schemas.microsoft.com/office/powerpoint/2010/main" val="3158712417"/>
       </p:ext>
     </p:extLst>
   </p:cSld>
@@ -1232,7 +1189,7 @@
       </p:grpSpPr>
       <p:sp>
         <p:nvSpPr>
-          <p:cNvPr id="2" name="Title 1"/>
+          <p:cNvPr id="2" name="タイトル 1"/>
           <p:cNvSpPr>
             <a:spLocks noGrp="1"/>
           </p:cNvSpPr>
@@ -1246,16 +1203,16 @@
           <a:lstStyle/>
           <a:p>
             <a:r>
-              <a:rPr lang="ja-JP" altLang="en-US" smtClean="0"/>
+              <a:rPr kumimoji="1" lang="ja-JP" altLang="en-US" smtClean="0"/>
               <a:t>マスター タイトルの書式設定</a:t>
             </a:r>
-            <a:endParaRPr lang="en-US" dirty="0"/>
-          </a:p>
-        </p:txBody>
-      </p:sp>
-      <p:sp>
-        <p:nvSpPr>
-          <p:cNvPr id="3" name="Content Placeholder 2"/>
+            <a:endParaRPr kumimoji="1" lang="ja-JP" altLang="en-US"/>
+          </a:p>
+        </p:txBody>
+      </p:sp>
+      <p:sp>
+        <p:nvSpPr>
+          <p:cNvPr id="3" name="コンテンツ プレースホルダー 2"/>
           <p:cNvSpPr>
             <a:spLocks noGrp="1"/>
           </p:cNvSpPr>
@@ -1270,76 +1227,76 @@
           <a:p>
             <a:pPr lvl="0"/>
             <a:r>
-              <a:rPr lang="ja-JP" altLang="en-US" smtClean="0"/>
+              <a:rPr kumimoji="1" lang="ja-JP" altLang="en-US" smtClean="0"/>
               <a:t>マスター テキストの書式設定</a:t>
             </a:r>
           </a:p>
           <a:p>
             <a:pPr lvl="1"/>
             <a:r>
-              <a:rPr lang="ja-JP" altLang="en-US" smtClean="0"/>
+              <a:rPr kumimoji="1" lang="ja-JP" altLang="en-US" smtClean="0"/>
               <a:t>第 </a:t>
             </a:r>
             <a:r>
-              <a:rPr lang="en-US" altLang="ja-JP" smtClean="0"/>
+              <a:rPr kumimoji="1" lang="en-US" altLang="ja-JP" smtClean="0"/>
               <a:t>2 </a:t>
             </a:r>
             <a:r>
-              <a:rPr lang="ja-JP" altLang="en-US" smtClean="0"/>
+              <a:rPr kumimoji="1" lang="ja-JP" altLang="en-US" smtClean="0"/>
               <a:t>レベル</a:t>
             </a:r>
           </a:p>
           <a:p>
             <a:pPr lvl="2"/>
             <a:r>
-              <a:rPr lang="ja-JP" altLang="en-US" smtClean="0"/>
+              <a:rPr kumimoji="1" lang="ja-JP" altLang="en-US" smtClean="0"/>
               <a:t>第 </a:t>
             </a:r>
             <a:r>
-              <a:rPr lang="en-US" altLang="ja-JP" smtClean="0"/>
+              <a:rPr kumimoji="1" lang="en-US" altLang="ja-JP" smtClean="0"/>
               <a:t>3 </a:t>
             </a:r>
             <a:r>
-              <a:rPr lang="ja-JP" altLang="en-US" smtClean="0"/>
+              <a:rPr kumimoji="1" lang="ja-JP" altLang="en-US" smtClean="0"/>
               <a:t>レベル</a:t>
             </a:r>
           </a:p>
           <a:p>
             <a:pPr lvl="3"/>
             <a:r>
-              <a:rPr lang="ja-JP" altLang="en-US" smtClean="0"/>
+              <a:rPr kumimoji="1" lang="ja-JP" altLang="en-US" smtClean="0"/>
               <a:t>第 </a:t>
             </a:r>
             <a:r>
-              <a:rPr lang="en-US" altLang="ja-JP" smtClean="0"/>
+              <a:rPr kumimoji="1" lang="en-US" altLang="ja-JP" smtClean="0"/>
               <a:t>4 </a:t>
             </a:r>
             <a:r>
-              <a:rPr lang="ja-JP" altLang="en-US" smtClean="0"/>
+              <a:rPr kumimoji="1" lang="ja-JP" altLang="en-US" smtClean="0"/>
               <a:t>レベル</a:t>
             </a:r>
           </a:p>
           <a:p>
             <a:pPr lvl="4"/>
             <a:r>
-              <a:rPr lang="ja-JP" altLang="en-US" smtClean="0"/>
+              <a:rPr kumimoji="1" lang="ja-JP" altLang="en-US" smtClean="0"/>
               <a:t>第 </a:t>
             </a:r>
             <a:r>
-              <a:rPr lang="en-US" altLang="ja-JP" smtClean="0"/>
+              <a:rPr kumimoji="1" lang="en-US" altLang="ja-JP" smtClean="0"/>
               <a:t>5 </a:t>
             </a:r>
             <a:r>
-              <a:rPr lang="ja-JP" altLang="en-US" smtClean="0"/>
+              <a:rPr kumimoji="1" lang="ja-JP" altLang="en-US" smtClean="0"/>
               <a:t>レベル</a:t>
             </a:r>
-            <a:endParaRPr lang="en-US" dirty="0"/>
-          </a:p>
-        </p:txBody>
-      </p:sp>
-      <p:sp>
-        <p:nvSpPr>
-          <p:cNvPr id="4" name="Date Placeholder 3"/>
+            <a:endParaRPr kumimoji="1" lang="ja-JP" altLang="en-US"/>
+          </a:p>
+        </p:txBody>
+      </p:sp>
+      <p:sp>
+        <p:nvSpPr>
+          <p:cNvPr id="4" name="日付プレースホルダー 3"/>
           <p:cNvSpPr>
             <a:spLocks noGrp="1"/>
           </p:cNvSpPr>
@@ -1363,7 +1320,7 @@
       </p:sp>
       <p:sp>
         <p:nvSpPr>
-          <p:cNvPr id="5" name="Footer Placeholder 4"/>
+          <p:cNvPr id="5" name="フッター プレースホルダー 4"/>
           <p:cNvSpPr>
             <a:spLocks noGrp="1"/>
           </p:cNvSpPr>
@@ -1382,7 +1339,7 @@
       </p:sp>
       <p:sp>
         <p:nvSpPr>
-          <p:cNvPr id="6" name="Slide Number Placeholder 5"/>
+          <p:cNvPr id="6" name="スライド番号プレースホルダー 5"/>
           <p:cNvSpPr>
             <a:spLocks noGrp="1"/>
           </p:cNvSpPr>
@@ -1407,7 +1364,7 @@
     </p:spTree>
     <p:extLst>
       <p:ext uri="{BB962C8B-B14F-4D97-AF65-F5344CB8AC3E}">
-        <p14:creationId xmlns:p14="http://schemas.microsoft.com/office/powerpoint/2010/main" val="2451509036"/>
+        <p14:creationId xmlns:p14="http://schemas.microsoft.com/office/powerpoint/2010/main" val="752999070"/>
       </p:ext>
     </p:extLst>
   </p:cSld>
@@ -1436,7 +1393,7 @@
       </p:grpSpPr>
       <p:sp>
         <p:nvSpPr>
-          <p:cNvPr id="2" name="Title 1"/>
+          <p:cNvPr id="2" name="タイトル 1"/>
           <p:cNvSpPr>
             <a:spLocks noGrp="1"/>
           </p:cNvSpPr>
@@ -1446,70 +1403,58 @@
         </p:nvSpPr>
         <p:spPr>
           <a:xfrm>
-            <a:off x="6784962" y="5733009"/>
-            <a:ext cx="12832080" cy="14372895"/>
+            <a:off x="1689410" y="19457699"/>
+            <a:ext cx="18178780" cy="6013939"/>
           </a:xfrm>
         </p:spPr>
         <p:txBody>
-          <a:bodyPr anchor="b">
-            <a:normAutofit/>
-          </a:bodyPr>
+          <a:bodyPr anchor="t"/>
           <a:lstStyle>
-            <a:lvl1pPr>
-              <a:defRPr sz="12630" b="0" spc="-234" baseline="0">
+            <a:lvl1pPr algn="l">
+              <a:defRPr sz="12900" b="1" cap="all"/>
+            </a:lvl1pPr>
+          </a:lstStyle>
+          <a:p>
+            <a:r>
+              <a:rPr kumimoji="1" lang="ja-JP" altLang="en-US" smtClean="0"/>
+              <a:t>マスター タイトルの書式設定</a:t>
+            </a:r>
+            <a:endParaRPr kumimoji="1" lang="ja-JP" altLang="en-US"/>
+          </a:p>
+        </p:txBody>
+      </p:sp>
+      <p:sp>
+        <p:nvSpPr>
+          <p:cNvPr id="3" name="テキスト プレースホルダー 2"/>
+          <p:cNvSpPr>
+            <a:spLocks noGrp="1"/>
+          </p:cNvSpPr>
+          <p:nvPr>
+            <p:ph type="body" idx="1"/>
+          </p:nvPr>
+        </p:nvSpPr>
+        <p:spPr>
+          <a:xfrm>
+            <a:off x="1689410" y="12833952"/>
+            <a:ext cx="18178780" cy="6623742"/>
+          </a:xfrm>
+        </p:spPr>
+        <p:txBody>
+          <a:bodyPr anchor="b"/>
+          <a:lstStyle>
+            <a:lvl1pPr marL="0" indent="0">
+              <a:buNone/>
+              <a:defRPr sz="6500">
                 <a:solidFill>
                   <a:schemeClr val="tx1">
-                    <a:lumMod val="65000"/>
-                    <a:lumOff val="35000"/>
+                    <a:tint val="75000"/>
                   </a:schemeClr>
                 </a:solidFill>
               </a:defRPr>
             </a:lvl1pPr>
-          </a:lstStyle>
-          <a:p>
-            <a:r>
-              <a:rPr lang="ja-JP" altLang="en-US" smtClean="0"/>
-              <a:t>マスター タイトルの書式設定</a:t>
-            </a:r>
-            <a:endParaRPr lang="en-US" dirty="0"/>
-          </a:p>
-        </p:txBody>
-      </p:sp>
-      <p:sp>
-        <p:nvSpPr>
-          <p:cNvPr id="3" name="Text Placeholder 2"/>
-          <p:cNvSpPr>
-            <a:spLocks noGrp="1"/>
-          </p:cNvSpPr>
-          <p:nvPr>
-            <p:ph type="body" idx="1"/>
-          </p:nvPr>
-        </p:nvSpPr>
-        <p:spPr>
-          <a:xfrm>
-            <a:off x="6817043" y="20630756"/>
-            <a:ext cx="12832080" cy="4037330"/>
-          </a:xfrm>
-        </p:spPr>
-        <p:txBody>
-          <a:bodyPr anchor="t">
-            <a:normAutofit/>
-          </a:bodyPr>
-          <a:lstStyle>
-            <a:lvl1pPr marL="0" indent="0">
-              <a:buNone/>
-              <a:defRPr sz="4678" cap="none" spc="0" baseline="0">
-                <a:solidFill>
-                  <a:schemeClr val="tx1">
-                    <a:lumMod val="65000"/>
-                    <a:lumOff val="35000"/>
-                  </a:schemeClr>
-                </a:solidFill>
-              </a:defRPr>
-            </a:lvl1pPr>
-            <a:lvl2pPr marL="1069345" indent="0">
-              <a:buNone/>
-              <a:defRPr sz="4210">
+            <a:lvl2pPr marL="1475949" indent="0">
+              <a:buNone/>
+              <a:defRPr sz="5800">
                 <a:solidFill>
                   <a:schemeClr val="tx1">
                     <a:tint val="75000"/>
@@ -1517,9 +1462,9 @@
                 </a:solidFill>
               </a:defRPr>
             </a:lvl2pPr>
-            <a:lvl3pPr marL="2138690" indent="0">
-              <a:buNone/>
-              <a:defRPr sz="3742">
+            <a:lvl3pPr marL="2951897" indent="0">
+              <a:buNone/>
+              <a:defRPr sz="5200">
                 <a:solidFill>
                   <a:schemeClr val="tx1">
                     <a:tint val="75000"/>
@@ -1527,9 +1472,9 @@
                 </a:solidFill>
               </a:defRPr>
             </a:lvl3pPr>
-            <a:lvl4pPr marL="3208035" indent="0">
-              <a:buNone/>
-              <a:defRPr sz="3274">
+            <a:lvl4pPr marL="4427852" indent="0">
+              <a:buNone/>
+              <a:defRPr sz="4500">
                 <a:solidFill>
                   <a:schemeClr val="tx1">
                     <a:tint val="75000"/>
@@ -1537,9 +1482,9 @@
                 </a:solidFill>
               </a:defRPr>
             </a:lvl4pPr>
-            <a:lvl5pPr marL="4277380" indent="0">
-              <a:buNone/>
-              <a:defRPr sz="3274">
+            <a:lvl5pPr marL="5903801" indent="0">
+              <a:buNone/>
+              <a:defRPr sz="4500">
                 <a:solidFill>
                   <a:schemeClr val="tx1">
                     <a:tint val="75000"/>
@@ -1547,9 +1492,9 @@
                 </a:solidFill>
               </a:defRPr>
             </a:lvl5pPr>
-            <a:lvl6pPr marL="5346725" indent="0">
-              <a:buNone/>
-              <a:defRPr sz="3274">
+            <a:lvl6pPr marL="7379749" indent="0">
+              <a:buNone/>
+              <a:defRPr sz="4500">
                 <a:solidFill>
                   <a:schemeClr val="tx1">
                     <a:tint val="75000"/>
@@ -1557,9 +1502,9 @@
                 </a:solidFill>
               </a:defRPr>
             </a:lvl6pPr>
-            <a:lvl7pPr marL="6416070" indent="0">
-              <a:buNone/>
-              <a:defRPr sz="3274">
+            <a:lvl7pPr marL="8855704" indent="0">
+              <a:buNone/>
+              <a:defRPr sz="4500">
                 <a:solidFill>
                   <a:schemeClr val="tx1">
                     <a:tint val="75000"/>
@@ -1567,9 +1512,9 @@
                 </a:solidFill>
               </a:defRPr>
             </a:lvl7pPr>
-            <a:lvl8pPr marL="7485416" indent="0">
-              <a:buNone/>
-              <a:defRPr sz="3274">
+            <a:lvl8pPr marL="10331653" indent="0">
+              <a:buNone/>
+              <a:defRPr sz="4500">
                 <a:solidFill>
                   <a:schemeClr val="tx1">
                     <a:tint val="75000"/>
@@ -1577,9 +1522,9 @@
                 </a:solidFill>
               </a:defRPr>
             </a:lvl8pPr>
-            <a:lvl9pPr marL="8554761" indent="0">
-              <a:buNone/>
-              <a:defRPr sz="3274">
+            <a:lvl9pPr marL="11807601" indent="0">
+              <a:buNone/>
+              <a:defRPr sz="4500">
                 <a:solidFill>
                   <a:schemeClr val="tx1">
                     <a:tint val="75000"/>
@@ -1591,7 +1536,7 @@
           <a:p>
             <a:pPr lvl="0"/>
             <a:r>
-              <a:rPr lang="ja-JP" altLang="en-US" smtClean="0"/>
+              <a:rPr kumimoji="1" lang="ja-JP" altLang="en-US" smtClean="0"/>
               <a:t>マスター テキストの書式設定</a:t>
             </a:r>
           </a:p>
@@ -1599,7 +1544,7 @@
       </p:sp>
       <p:sp>
         <p:nvSpPr>
-          <p:cNvPr id="4" name="Date Placeholder 3"/>
+          <p:cNvPr id="4" name="日付プレースホルダー 3"/>
           <p:cNvSpPr>
             <a:spLocks noGrp="1"/>
           </p:cNvSpPr>
@@ -1623,7 +1568,7 @@
       </p:sp>
       <p:sp>
         <p:nvSpPr>
-          <p:cNvPr id="5" name="Footer Placeholder 4"/>
+          <p:cNvPr id="5" name="フッター プレースホルダー 4"/>
           <p:cNvSpPr>
             <a:spLocks noGrp="1"/>
           </p:cNvSpPr>
@@ -1642,7 +1587,7 @@
       </p:sp>
       <p:sp>
         <p:nvSpPr>
-          <p:cNvPr id="6" name="Slide Number Placeholder 5"/>
+          <p:cNvPr id="6" name="スライド番号プレースホルダー 5"/>
           <p:cNvSpPr>
             <a:spLocks noGrp="1"/>
           </p:cNvSpPr>
@@ -1667,7 +1612,7 @@
     </p:spTree>
     <p:extLst>
       <p:ext uri="{BB962C8B-B14F-4D97-AF65-F5344CB8AC3E}">
-        <p14:creationId xmlns:p14="http://schemas.microsoft.com/office/powerpoint/2010/main" val="276554167"/>
+        <p14:creationId xmlns:p14="http://schemas.microsoft.com/office/powerpoint/2010/main" val="2075703182"/>
       </p:ext>
     </p:extLst>
   </p:cSld>
@@ -1696,7 +1641,7 @@
       </p:grpSpPr>
       <p:sp>
         <p:nvSpPr>
-          <p:cNvPr id="2" name="Title 1"/>
+          <p:cNvPr id="2" name="タイトル 1"/>
           <p:cNvSpPr>
             <a:spLocks noGrp="1"/>
           </p:cNvSpPr>
@@ -1710,16 +1655,16 @@
           <a:lstStyle/>
           <a:p>
             <a:r>
-              <a:rPr lang="ja-JP" altLang="en-US" smtClean="0"/>
+              <a:rPr kumimoji="1" lang="ja-JP" altLang="en-US" smtClean="0"/>
               <a:t>マスター タイトルの書式設定</a:t>
             </a:r>
-            <a:endParaRPr lang="en-US" dirty="0"/>
-          </a:p>
-        </p:txBody>
-      </p:sp>
-      <p:sp>
-        <p:nvSpPr>
-          <p:cNvPr id="3" name="Content Placeholder 2"/>
+            <a:endParaRPr kumimoji="1" lang="ja-JP" altLang="en-US"/>
+          </a:p>
+        </p:txBody>
+      </p:sp>
+      <p:sp>
+        <p:nvSpPr>
+          <p:cNvPr id="3" name="コンテンツ プレースホルダー 2"/>
           <p:cNvSpPr>
             <a:spLocks noGrp="1"/>
           </p:cNvSpPr>
@@ -1729,114 +1674,114 @@
         </p:nvSpPr>
         <p:spPr>
           <a:xfrm>
-            <a:off x="6784962" y="3835464"/>
-            <a:ext cx="6095238" cy="22609048"/>
+            <a:off x="1069340" y="7065334"/>
+            <a:ext cx="9445837" cy="19983384"/>
           </a:xfrm>
         </p:spPr>
         <p:txBody>
           <a:bodyPr/>
           <a:lstStyle>
             <a:lvl1pPr>
-              <a:defRPr sz="4444"/>
+              <a:defRPr sz="9000"/>
             </a:lvl1pPr>
             <a:lvl2pPr>
-              <a:defRPr sz="3976"/>
+              <a:defRPr sz="7700"/>
             </a:lvl2pPr>
             <a:lvl3pPr>
-              <a:defRPr sz="3508"/>
+              <a:defRPr sz="6500"/>
             </a:lvl3pPr>
             <a:lvl4pPr>
-              <a:defRPr sz="3041"/>
+              <a:defRPr sz="5800"/>
             </a:lvl4pPr>
             <a:lvl5pPr>
-              <a:defRPr sz="3041"/>
+              <a:defRPr sz="5800"/>
             </a:lvl5pPr>
             <a:lvl6pPr>
-              <a:defRPr sz="3041"/>
+              <a:defRPr sz="5800"/>
             </a:lvl6pPr>
             <a:lvl7pPr>
-              <a:defRPr sz="3041"/>
+              <a:defRPr sz="5800"/>
             </a:lvl7pPr>
             <a:lvl8pPr>
-              <a:defRPr sz="3041"/>
+              <a:defRPr sz="5800"/>
             </a:lvl8pPr>
             <a:lvl9pPr>
-              <a:defRPr sz="3041"/>
+              <a:defRPr sz="5800"/>
             </a:lvl9pPr>
           </a:lstStyle>
           <a:p>
             <a:pPr lvl="0"/>
             <a:r>
-              <a:rPr lang="ja-JP" altLang="en-US" smtClean="0"/>
+              <a:rPr kumimoji="1" lang="ja-JP" altLang="en-US" smtClean="0"/>
               <a:t>マスター テキストの書式設定</a:t>
             </a:r>
           </a:p>
           <a:p>
             <a:pPr lvl="1"/>
             <a:r>
-              <a:rPr lang="ja-JP" altLang="en-US" smtClean="0"/>
+              <a:rPr kumimoji="1" lang="ja-JP" altLang="en-US" smtClean="0"/>
               <a:t>第 </a:t>
             </a:r>
             <a:r>
-              <a:rPr lang="en-US" altLang="ja-JP" smtClean="0"/>
+              <a:rPr kumimoji="1" lang="en-US" altLang="ja-JP" smtClean="0"/>
               <a:t>2 </a:t>
             </a:r>
             <a:r>
-              <a:rPr lang="ja-JP" altLang="en-US" smtClean="0"/>
+              <a:rPr kumimoji="1" lang="ja-JP" altLang="en-US" smtClean="0"/>
               <a:t>レベル</a:t>
             </a:r>
           </a:p>
           <a:p>
             <a:pPr lvl="2"/>
             <a:r>
-              <a:rPr lang="ja-JP" altLang="en-US" smtClean="0"/>
+              <a:rPr kumimoji="1" lang="ja-JP" altLang="en-US" smtClean="0"/>
               <a:t>第 </a:t>
             </a:r>
             <a:r>
-              <a:rPr lang="en-US" altLang="ja-JP" smtClean="0"/>
+              <a:rPr kumimoji="1" lang="en-US" altLang="ja-JP" smtClean="0"/>
               <a:t>3 </a:t>
             </a:r>
             <a:r>
-              <a:rPr lang="ja-JP" altLang="en-US" smtClean="0"/>
+              <a:rPr kumimoji="1" lang="ja-JP" altLang="en-US" smtClean="0"/>
               <a:t>レベル</a:t>
             </a:r>
           </a:p>
           <a:p>
             <a:pPr lvl="3"/>
             <a:r>
-              <a:rPr lang="ja-JP" altLang="en-US" smtClean="0"/>
+              <a:rPr kumimoji="1" lang="ja-JP" altLang="en-US" smtClean="0"/>
               <a:t>第 </a:t>
             </a:r>
             <a:r>
-              <a:rPr lang="en-US" altLang="ja-JP" smtClean="0"/>
+              <a:rPr kumimoji="1" lang="en-US" altLang="ja-JP" smtClean="0"/>
               <a:t>4 </a:t>
             </a:r>
             <a:r>
-              <a:rPr lang="ja-JP" altLang="en-US" smtClean="0"/>
+              <a:rPr kumimoji="1" lang="ja-JP" altLang="en-US" smtClean="0"/>
               <a:t>レベル</a:t>
             </a:r>
           </a:p>
           <a:p>
             <a:pPr lvl="4"/>
             <a:r>
-              <a:rPr lang="ja-JP" altLang="en-US" smtClean="0"/>
+              <a:rPr kumimoji="1" lang="ja-JP" altLang="en-US" smtClean="0"/>
               <a:t>第 </a:t>
             </a:r>
             <a:r>
-              <a:rPr lang="en-US" altLang="ja-JP" smtClean="0"/>
+              <a:rPr kumimoji="1" lang="en-US" altLang="ja-JP" smtClean="0"/>
               <a:t>5 </a:t>
             </a:r>
             <a:r>
-              <a:rPr lang="ja-JP" altLang="en-US" smtClean="0"/>
+              <a:rPr kumimoji="1" lang="ja-JP" altLang="en-US" smtClean="0"/>
               <a:t>レベル</a:t>
             </a:r>
-            <a:endParaRPr lang="en-US" dirty="0"/>
-          </a:p>
-        </p:txBody>
-      </p:sp>
-      <p:sp>
-        <p:nvSpPr>
-          <p:cNvPr id="4" name="Content Placeholder 3"/>
+            <a:endParaRPr kumimoji="1" lang="ja-JP" altLang="en-US"/>
+          </a:p>
+        </p:txBody>
+      </p:sp>
+      <p:sp>
+        <p:nvSpPr>
+          <p:cNvPr id="4" name="コンテンツ プレースホルダー 3"/>
           <p:cNvSpPr>
             <a:spLocks noGrp="1"/>
           </p:cNvSpPr>
@@ -1846,114 +1791,114 @@
         </p:nvSpPr>
         <p:spPr>
           <a:xfrm>
-            <a:off x="13714285" y="3835464"/>
-            <a:ext cx="6095238" cy="22609048"/>
+            <a:off x="10871623" y="7065334"/>
+            <a:ext cx="9445837" cy="19983384"/>
           </a:xfrm>
         </p:spPr>
         <p:txBody>
           <a:bodyPr/>
           <a:lstStyle>
             <a:lvl1pPr>
-              <a:defRPr sz="4444"/>
+              <a:defRPr sz="9000"/>
             </a:lvl1pPr>
             <a:lvl2pPr>
-              <a:defRPr sz="3976"/>
+              <a:defRPr sz="7700"/>
             </a:lvl2pPr>
             <a:lvl3pPr>
-              <a:defRPr sz="3508"/>
+              <a:defRPr sz="6500"/>
             </a:lvl3pPr>
             <a:lvl4pPr>
-              <a:defRPr sz="3041"/>
+              <a:defRPr sz="5800"/>
             </a:lvl4pPr>
             <a:lvl5pPr>
-              <a:defRPr sz="3041"/>
+              <a:defRPr sz="5800"/>
             </a:lvl5pPr>
             <a:lvl6pPr>
-              <a:defRPr sz="3041"/>
+              <a:defRPr sz="5800"/>
             </a:lvl6pPr>
             <a:lvl7pPr>
-              <a:defRPr sz="3041"/>
+              <a:defRPr sz="5800"/>
             </a:lvl7pPr>
             <a:lvl8pPr>
-              <a:defRPr sz="3041"/>
+              <a:defRPr sz="5800"/>
             </a:lvl8pPr>
             <a:lvl9pPr>
-              <a:defRPr sz="3041"/>
+              <a:defRPr sz="5800"/>
             </a:lvl9pPr>
           </a:lstStyle>
           <a:p>
             <a:pPr lvl="0"/>
             <a:r>
-              <a:rPr lang="ja-JP" altLang="en-US" smtClean="0"/>
+              <a:rPr kumimoji="1" lang="ja-JP" altLang="en-US" smtClean="0"/>
               <a:t>マスター テキストの書式設定</a:t>
             </a:r>
           </a:p>
           <a:p>
             <a:pPr lvl="1"/>
             <a:r>
-              <a:rPr lang="ja-JP" altLang="en-US" smtClean="0"/>
+              <a:rPr kumimoji="1" lang="ja-JP" altLang="en-US" smtClean="0"/>
               <a:t>第 </a:t>
             </a:r>
             <a:r>
-              <a:rPr lang="en-US" altLang="ja-JP" smtClean="0"/>
+              <a:rPr kumimoji="1" lang="en-US" altLang="ja-JP" smtClean="0"/>
               <a:t>2 </a:t>
             </a:r>
             <a:r>
-              <a:rPr lang="ja-JP" altLang="en-US" smtClean="0"/>
+              <a:rPr kumimoji="1" lang="ja-JP" altLang="en-US" smtClean="0"/>
               <a:t>レベル</a:t>
             </a:r>
           </a:p>
           <a:p>
             <a:pPr lvl="2"/>
             <a:r>
-              <a:rPr lang="ja-JP" altLang="en-US" smtClean="0"/>
+              <a:rPr kumimoji="1" lang="ja-JP" altLang="en-US" smtClean="0"/>
               <a:t>第 </a:t>
             </a:r>
             <a:r>
-              <a:rPr lang="en-US" altLang="ja-JP" smtClean="0"/>
+              <a:rPr kumimoji="1" lang="en-US" altLang="ja-JP" smtClean="0"/>
               <a:t>3 </a:t>
             </a:r>
             <a:r>
-              <a:rPr lang="ja-JP" altLang="en-US" smtClean="0"/>
+              <a:rPr kumimoji="1" lang="ja-JP" altLang="en-US" smtClean="0"/>
               <a:t>レベル</a:t>
             </a:r>
           </a:p>
           <a:p>
             <a:pPr lvl="3"/>
             <a:r>
-              <a:rPr lang="ja-JP" altLang="en-US" smtClean="0"/>
+              <a:rPr kumimoji="1" lang="ja-JP" altLang="en-US" smtClean="0"/>
               <a:t>第 </a:t>
             </a:r>
             <a:r>
-              <a:rPr lang="en-US" altLang="ja-JP" smtClean="0"/>
+              <a:rPr kumimoji="1" lang="en-US" altLang="ja-JP" smtClean="0"/>
               <a:t>4 </a:t>
             </a:r>
             <a:r>
-              <a:rPr lang="ja-JP" altLang="en-US" smtClean="0"/>
+              <a:rPr kumimoji="1" lang="ja-JP" altLang="en-US" smtClean="0"/>
               <a:t>レベル</a:t>
             </a:r>
           </a:p>
           <a:p>
             <a:pPr lvl="4"/>
             <a:r>
-              <a:rPr lang="ja-JP" altLang="en-US" smtClean="0"/>
+              <a:rPr kumimoji="1" lang="ja-JP" altLang="en-US" smtClean="0"/>
               <a:t>第 </a:t>
             </a:r>
             <a:r>
-              <a:rPr lang="en-US" altLang="ja-JP" smtClean="0"/>
+              <a:rPr kumimoji="1" lang="en-US" altLang="ja-JP" smtClean="0"/>
               <a:t>5 </a:t>
             </a:r>
             <a:r>
-              <a:rPr lang="ja-JP" altLang="en-US" smtClean="0"/>
+              <a:rPr kumimoji="1" lang="ja-JP" altLang="en-US" smtClean="0"/>
               <a:t>レベル</a:t>
             </a:r>
-            <a:endParaRPr lang="en-US" dirty="0"/>
-          </a:p>
-        </p:txBody>
-      </p:sp>
-      <p:sp>
-        <p:nvSpPr>
-          <p:cNvPr id="8" name="Date Placeholder 7"/>
+            <a:endParaRPr kumimoji="1" lang="ja-JP" altLang="en-US"/>
+          </a:p>
+        </p:txBody>
+      </p:sp>
+      <p:sp>
+        <p:nvSpPr>
+          <p:cNvPr id="5" name="日付プレースホルダー 4"/>
           <p:cNvSpPr>
             <a:spLocks noGrp="1"/>
           </p:cNvSpPr>
@@ -1977,7 +1922,7 @@
       </p:sp>
       <p:sp>
         <p:nvSpPr>
-          <p:cNvPr id="9" name="Footer Placeholder 8"/>
+          <p:cNvPr id="6" name="フッター プレースホルダー 5"/>
           <p:cNvSpPr>
             <a:spLocks noGrp="1"/>
           </p:cNvSpPr>
@@ -1996,7 +1941,7 @@
       </p:sp>
       <p:sp>
         <p:nvSpPr>
-          <p:cNvPr id="10" name="Slide Number Placeholder 9"/>
+          <p:cNvPr id="7" name="スライド番号プレースホルダー 6"/>
           <p:cNvSpPr>
             <a:spLocks noGrp="1"/>
           </p:cNvSpPr>
@@ -2021,7 +1966,7 @@
     </p:spTree>
     <p:extLst>
       <p:ext uri="{BB962C8B-B14F-4D97-AF65-F5344CB8AC3E}">
-        <p14:creationId xmlns:p14="http://schemas.microsoft.com/office/powerpoint/2010/main" val="1230434547"/>
+        <p14:creationId xmlns:p14="http://schemas.microsoft.com/office/powerpoint/2010/main" val="4153974365"/>
       </p:ext>
     </p:extLst>
   </p:cSld>
@@ -2050,7 +1995,7 @@
       </p:grpSpPr>
       <p:sp>
         <p:nvSpPr>
-          <p:cNvPr id="10" name="Title 9"/>
+          <p:cNvPr id="2" name="タイトル 1"/>
           <p:cNvSpPr>
             <a:spLocks noGrp="1"/>
           </p:cNvSpPr>
@@ -2059,409 +2004,389 @@
           </p:nvPr>
         </p:nvSpPr>
         <p:spPr/>
-        <p:txBody>
-          <a:bodyPr/>
-          <a:lstStyle/>
-          <a:p>
-            <a:r>
-              <a:rPr lang="ja-JP" altLang="en-US" smtClean="0"/>
-              <a:t>マスター タイトルの書式設定</a:t>
-            </a:r>
-            <a:endParaRPr lang="en-US" dirty="0"/>
-          </a:p>
-        </p:txBody>
-      </p:sp>
-      <p:sp>
-        <p:nvSpPr>
-          <p:cNvPr id="3" name="Text Placeholder 2"/>
-          <p:cNvSpPr>
-            <a:spLocks noGrp="1"/>
-          </p:cNvSpPr>
-          <p:nvPr>
-            <p:ph type="body" idx="1"/>
-          </p:nvPr>
-        </p:nvSpPr>
-        <p:spPr>
-          <a:xfrm>
-            <a:off x="6784962" y="4519417"/>
-            <a:ext cx="6095238" cy="3566308"/>
-          </a:xfrm>
-        </p:spPr>
-        <p:txBody>
-          <a:bodyPr anchor="b">
-            <a:normAutofit/>
-          </a:bodyPr>
-          <a:lstStyle>
-            <a:lvl1pPr marL="0" indent="0">
-              <a:spcBef>
-                <a:spcPts val="0"/>
-              </a:spcBef>
-              <a:buNone/>
-              <a:defRPr sz="4444" b="1">
-                <a:solidFill>
-                  <a:schemeClr val="tx1">
-                    <a:lumMod val="65000"/>
-                    <a:lumOff val="35000"/>
-                  </a:schemeClr>
-                </a:solidFill>
-              </a:defRPr>
-            </a:lvl1pPr>
-            <a:lvl2pPr marL="1069345" indent="0">
-              <a:buNone/>
-              <a:defRPr sz="4444" b="1"/>
-            </a:lvl2pPr>
-            <a:lvl3pPr marL="2138690" indent="0">
-              <a:buNone/>
-              <a:defRPr sz="4210" b="1"/>
-            </a:lvl3pPr>
-            <a:lvl4pPr marL="3208035" indent="0">
-              <a:buNone/>
-              <a:defRPr sz="3742" b="1"/>
-            </a:lvl4pPr>
-            <a:lvl5pPr marL="4277380" indent="0">
-              <a:buNone/>
-              <a:defRPr sz="3742" b="1"/>
-            </a:lvl5pPr>
-            <a:lvl6pPr marL="5346725" indent="0">
-              <a:buNone/>
-              <a:defRPr sz="3742" b="1"/>
-            </a:lvl6pPr>
-            <a:lvl7pPr marL="6416070" indent="0">
-              <a:buNone/>
-              <a:defRPr sz="3742" b="1"/>
-            </a:lvl7pPr>
-            <a:lvl8pPr marL="7485416" indent="0">
-              <a:buNone/>
-              <a:defRPr sz="3742" b="1"/>
-            </a:lvl8pPr>
-            <a:lvl9pPr marL="8554761" indent="0">
-              <a:buNone/>
-              <a:defRPr sz="3742" b="1"/>
-            </a:lvl9pPr>
-          </a:lstStyle>
-          <a:p>
-            <a:pPr lvl="0"/>
-            <a:r>
-              <a:rPr lang="ja-JP" altLang="en-US" smtClean="0"/>
-              <a:t>マスター テキストの書式設定</a:t>
-            </a:r>
-          </a:p>
-        </p:txBody>
-      </p:sp>
-      <p:sp>
-        <p:nvSpPr>
-          <p:cNvPr id="4" name="Content Placeholder 3"/>
-          <p:cNvSpPr>
-            <a:spLocks noGrp="1"/>
-          </p:cNvSpPr>
-          <p:nvPr>
-            <p:ph sz="half" idx="2"/>
-          </p:nvPr>
-        </p:nvSpPr>
-        <p:spPr>
-          <a:xfrm>
-            <a:off x="6784962" y="8525619"/>
-            <a:ext cx="6095238" cy="17764252"/>
-          </a:xfrm>
-        </p:spPr>
         <p:txBody>
           <a:bodyPr/>
           <a:lstStyle>
             <a:lvl1pPr>
-              <a:defRPr sz="4444"/>
+              <a:defRPr/>
             </a:lvl1pPr>
-            <a:lvl2pPr>
-              <a:defRPr sz="3976"/>
+          </a:lstStyle>
+          <a:p>
+            <a:r>
+              <a:rPr kumimoji="1" lang="ja-JP" altLang="en-US" smtClean="0"/>
+              <a:t>マスター タイトルの書式設定</a:t>
+            </a:r>
+            <a:endParaRPr kumimoji="1" lang="ja-JP" altLang="en-US"/>
+          </a:p>
+        </p:txBody>
+      </p:sp>
+      <p:sp>
+        <p:nvSpPr>
+          <p:cNvPr id="3" name="テキスト プレースホルダー 2"/>
+          <p:cNvSpPr>
+            <a:spLocks noGrp="1"/>
+          </p:cNvSpPr>
+          <p:nvPr>
+            <p:ph type="body" idx="1"/>
+          </p:nvPr>
+        </p:nvSpPr>
+        <p:spPr>
+          <a:xfrm>
+            <a:off x="1069340" y="6777950"/>
+            <a:ext cx="9449551" cy="2824727"/>
+          </a:xfrm>
+        </p:spPr>
+        <p:txBody>
+          <a:bodyPr anchor="b"/>
+          <a:lstStyle>
+            <a:lvl1pPr marL="0" indent="0">
+              <a:buNone/>
+              <a:defRPr sz="7700" b="1"/>
+            </a:lvl1pPr>
+            <a:lvl2pPr marL="1475949" indent="0">
+              <a:buNone/>
+              <a:defRPr sz="6500" b="1"/>
             </a:lvl2pPr>
-            <a:lvl3pPr>
-              <a:defRPr sz="3508"/>
+            <a:lvl3pPr marL="2951897" indent="0">
+              <a:buNone/>
+              <a:defRPr sz="5800" b="1"/>
             </a:lvl3pPr>
-            <a:lvl4pPr>
-              <a:defRPr sz="3041"/>
+            <a:lvl4pPr marL="4427852" indent="0">
+              <a:buNone/>
+              <a:defRPr sz="5200" b="1"/>
             </a:lvl4pPr>
-            <a:lvl5pPr>
-              <a:defRPr sz="3041"/>
+            <a:lvl5pPr marL="5903801" indent="0">
+              <a:buNone/>
+              <a:defRPr sz="5200" b="1"/>
             </a:lvl5pPr>
-            <a:lvl6pPr>
-              <a:defRPr sz="3041"/>
+            <a:lvl6pPr marL="7379749" indent="0">
+              <a:buNone/>
+              <a:defRPr sz="5200" b="1"/>
             </a:lvl6pPr>
-            <a:lvl7pPr>
-              <a:defRPr sz="3041"/>
+            <a:lvl7pPr marL="8855704" indent="0">
+              <a:buNone/>
+              <a:defRPr sz="5200" b="1"/>
             </a:lvl7pPr>
-            <a:lvl8pPr>
-              <a:defRPr sz="3041"/>
+            <a:lvl8pPr marL="10331653" indent="0">
+              <a:buNone/>
+              <a:defRPr sz="5200" b="1"/>
             </a:lvl8pPr>
-            <a:lvl9pPr>
-              <a:defRPr sz="3041"/>
+            <a:lvl9pPr marL="11807601" indent="0">
+              <a:buNone/>
+              <a:defRPr sz="5200" b="1"/>
             </a:lvl9pPr>
           </a:lstStyle>
           <a:p>
             <a:pPr lvl="0"/>
             <a:r>
-              <a:rPr lang="ja-JP" altLang="en-US" smtClean="0"/>
+              <a:rPr kumimoji="1" lang="ja-JP" altLang="en-US" smtClean="0"/>
               <a:t>マスター テキストの書式設定</a:t>
             </a:r>
           </a:p>
-          <a:p>
-            <a:pPr lvl="1"/>
-            <a:r>
-              <a:rPr lang="ja-JP" altLang="en-US" smtClean="0"/>
-              <a:t>第 </a:t>
-            </a:r>
-            <a:r>
-              <a:rPr lang="en-US" altLang="ja-JP" smtClean="0"/>
-              <a:t>2 </a:t>
-            </a:r>
-            <a:r>
-              <a:rPr lang="ja-JP" altLang="en-US" smtClean="0"/>
-              <a:t>レベル</a:t>
-            </a:r>
-          </a:p>
-          <a:p>
-            <a:pPr lvl="2"/>
-            <a:r>
-              <a:rPr lang="ja-JP" altLang="en-US" smtClean="0"/>
-              <a:t>第 </a:t>
-            </a:r>
-            <a:r>
-              <a:rPr lang="en-US" altLang="ja-JP" smtClean="0"/>
-              <a:t>3 </a:t>
-            </a:r>
-            <a:r>
-              <a:rPr lang="ja-JP" altLang="en-US" smtClean="0"/>
-              <a:t>レベル</a:t>
-            </a:r>
-          </a:p>
-          <a:p>
-            <a:pPr lvl="3"/>
-            <a:r>
-              <a:rPr lang="ja-JP" altLang="en-US" smtClean="0"/>
-              <a:t>第 </a:t>
-            </a:r>
-            <a:r>
-              <a:rPr lang="en-US" altLang="ja-JP" smtClean="0"/>
-              <a:t>4 </a:t>
-            </a:r>
-            <a:r>
-              <a:rPr lang="ja-JP" altLang="en-US" smtClean="0"/>
-              <a:t>レベル</a:t>
-            </a:r>
-          </a:p>
-          <a:p>
-            <a:pPr lvl="4"/>
-            <a:r>
-              <a:rPr lang="ja-JP" altLang="en-US" smtClean="0"/>
-              <a:t>第 </a:t>
-            </a:r>
-            <a:r>
-              <a:rPr lang="en-US" altLang="ja-JP" smtClean="0"/>
-              <a:t>5 </a:t>
-            </a:r>
-            <a:r>
-              <a:rPr lang="ja-JP" altLang="en-US" smtClean="0"/>
-              <a:t>レベル</a:t>
-            </a:r>
-            <a:endParaRPr lang="en-US" dirty="0"/>
-          </a:p>
-        </p:txBody>
-      </p:sp>
-      <p:sp>
-        <p:nvSpPr>
-          <p:cNvPr id="5" name="Text Placeholder 4"/>
-          <p:cNvSpPr>
-            <a:spLocks noGrp="1"/>
-          </p:cNvSpPr>
-          <p:nvPr>
-            <p:ph type="body" sz="quarter" idx="3"/>
+        </p:txBody>
+      </p:sp>
+      <p:sp>
+        <p:nvSpPr>
+          <p:cNvPr id="4" name="コンテンツ プレースホルダー 3"/>
+          <p:cNvSpPr>
+            <a:spLocks noGrp="1"/>
+          </p:cNvSpPr>
+          <p:nvPr>
+            <p:ph sz="half" idx="2"/>
           </p:nvPr>
         </p:nvSpPr>
         <p:spPr>
           <a:xfrm>
-            <a:off x="13714887" y="4519423"/>
-            <a:ext cx="6095238" cy="3590376"/>
-          </a:xfrm>
-        </p:spPr>
-        <p:txBody>
-          <a:bodyPr anchor="b">
-            <a:normAutofit/>
-          </a:bodyPr>
-          <a:lstStyle>
-            <a:lvl1pPr marL="0" indent="0">
-              <a:spcBef>
-                <a:spcPts val="0"/>
-              </a:spcBef>
-              <a:buNone/>
-              <a:defRPr sz="4444" b="1">
-                <a:solidFill>
-                  <a:schemeClr val="tx1">
-                    <a:lumMod val="65000"/>
-                    <a:lumOff val="35000"/>
-                  </a:schemeClr>
-                </a:solidFill>
-              </a:defRPr>
-            </a:lvl1pPr>
-            <a:lvl2pPr marL="1069345" indent="0">
-              <a:buNone/>
-              <a:defRPr sz="4444" b="1"/>
-            </a:lvl2pPr>
-            <a:lvl3pPr marL="2138690" indent="0">
-              <a:buNone/>
-              <a:defRPr sz="4210" b="1"/>
-            </a:lvl3pPr>
-            <a:lvl4pPr marL="3208035" indent="0">
-              <a:buNone/>
-              <a:defRPr sz="3742" b="1"/>
-            </a:lvl4pPr>
-            <a:lvl5pPr marL="4277380" indent="0">
-              <a:buNone/>
-              <a:defRPr sz="3742" b="1"/>
-            </a:lvl5pPr>
-            <a:lvl6pPr marL="5346725" indent="0">
-              <a:buNone/>
-              <a:defRPr sz="3742" b="1"/>
-            </a:lvl6pPr>
-            <a:lvl7pPr marL="6416070" indent="0">
-              <a:buNone/>
-              <a:defRPr sz="3742" b="1"/>
-            </a:lvl7pPr>
-            <a:lvl8pPr marL="7485416" indent="0">
-              <a:buNone/>
-              <a:defRPr sz="3742" b="1"/>
-            </a:lvl8pPr>
-            <a:lvl9pPr marL="8554761" indent="0">
-              <a:buNone/>
-              <a:defRPr sz="3742" b="1"/>
-            </a:lvl9pPr>
-          </a:lstStyle>
-          <a:p>
-            <a:pPr lvl="0"/>
-            <a:r>
-              <a:rPr lang="ja-JP" altLang="en-US" smtClean="0"/>
-              <a:t>マスター テキストの書式設定</a:t>
-            </a:r>
-          </a:p>
-        </p:txBody>
-      </p:sp>
-      <p:sp>
-        <p:nvSpPr>
-          <p:cNvPr id="6" name="Content Placeholder 5"/>
-          <p:cNvSpPr>
-            <a:spLocks noGrp="1"/>
-          </p:cNvSpPr>
-          <p:nvPr>
-            <p:ph sz="quarter" idx="4"/>
-          </p:nvPr>
-        </p:nvSpPr>
-        <p:spPr>
-          <a:xfrm>
-            <a:off x="13714887" y="8525619"/>
-            <a:ext cx="6095238" cy="17764252"/>
+            <a:off x="1069340" y="9602677"/>
+            <a:ext cx="9449551" cy="17446034"/>
           </a:xfrm>
         </p:spPr>
         <p:txBody>
           <a:bodyPr/>
           <a:lstStyle>
             <a:lvl1pPr>
-              <a:defRPr sz="4444"/>
+              <a:defRPr sz="7700"/>
             </a:lvl1pPr>
             <a:lvl2pPr>
-              <a:defRPr sz="3976"/>
+              <a:defRPr sz="6500"/>
             </a:lvl2pPr>
             <a:lvl3pPr>
-              <a:defRPr sz="3508"/>
+              <a:defRPr sz="5800"/>
             </a:lvl3pPr>
             <a:lvl4pPr>
-              <a:defRPr sz="3041"/>
+              <a:defRPr sz="5200"/>
             </a:lvl4pPr>
             <a:lvl5pPr>
-              <a:defRPr sz="3041"/>
+              <a:defRPr sz="5200"/>
             </a:lvl5pPr>
             <a:lvl6pPr>
-              <a:defRPr sz="3041"/>
+              <a:defRPr sz="5200"/>
             </a:lvl6pPr>
             <a:lvl7pPr>
-              <a:defRPr sz="3041"/>
+              <a:defRPr sz="5200"/>
             </a:lvl7pPr>
             <a:lvl8pPr>
-              <a:defRPr sz="3041"/>
+              <a:defRPr sz="5200"/>
             </a:lvl8pPr>
             <a:lvl9pPr>
-              <a:defRPr sz="3041"/>
+              <a:defRPr sz="5200"/>
             </a:lvl9pPr>
           </a:lstStyle>
           <a:p>
             <a:pPr lvl="0"/>
             <a:r>
-              <a:rPr lang="ja-JP" altLang="en-US" smtClean="0"/>
+              <a:rPr kumimoji="1" lang="ja-JP" altLang="en-US" smtClean="0"/>
               <a:t>マスター テキストの書式設定</a:t>
             </a:r>
           </a:p>
           <a:p>
             <a:pPr lvl="1"/>
             <a:r>
-              <a:rPr lang="ja-JP" altLang="en-US" smtClean="0"/>
+              <a:rPr kumimoji="1" lang="ja-JP" altLang="en-US" smtClean="0"/>
               <a:t>第 </a:t>
             </a:r>
             <a:r>
-              <a:rPr lang="en-US" altLang="ja-JP" smtClean="0"/>
+              <a:rPr kumimoji="1" lang="en-US" altLang="ja-JP" smtClean="0"/>
               <a:t>2 </a:t>
             </a:r>
             <a:r>
-              <a:rPr lang="ja-JP" altLang="en-US" smtClean="0"/>
+              <a:rPr kumimoji="1" lang="ja-JP" altLang="en-US" smtClean="0"/>
               <a:t>レベル</a:t>
             </a:r>
           </a:p>
           <a:p>
             <a:pPr lvl="2"/>
             <a:r>
-              <a:rPr lang="ja-JP" altLang="en-US" smtClean="0"/>
+              <a:rPr kumimoji="1" lang="ja-JP" altLang="en-US" smtClean="0"/>
               <a:t>第 </a:t>
             </a:r>
             <a:r>
-              <a:rPr lang="en-US" altLang="ja-JP" smtClean="0"/>
+              <a:rPr kumimoji="1" lang="en-US" altLang="ja-JP" smtClean="0"/>
               <a:t>3 </a:t>
             </a:r>
             <a:r>
-              <a:rPr lang="ja-JP" altLang="en-US" smtClean="0"/>
+              <a:rPr kumimoji="1" lang="ja-JP" altLang="en-US" smtClean="0"/>
               <a:t>レベル</a:t>
             </a:r>
           </a:p>
           <a:p>
             <a:pPr lvl="3"/>
             <a:r>
-              <a:rPr lang="ja-JP" altLang="en-US" smtClean="0"/>
+              <a:rPr kumimoji="1" lang="ja-JP" altLang="en-US" smtClean="0"/>
               <a:t>第 </a:t>
             </a:r>
             <a:r>
-              <a:rPr lang="en-US" altLang="ja-JP" smtClean="0"/>
+              <a:rPr kumimoji="1" lang="en-US" altLang="ja-JP" smtClean="0"/>
               <a:t>4 </a:t>
             </a:r>
             <a:r>
-              <a:rPr lang="ja-JP" altLang="en-US" smtClean="0"/>
+              <a:rPr kumimoji="1" lang="ja-JP" altLang="en-US" smtClean="0"/>
               <a:t>レベル</a:t>
             </a:r>
           </a:p>
           <a:p>
             <a:pPr lvl="4"/>
             <a:r>
-              <a:rPr lang="ja-JP" altLang="en-US" smtClean="0"/>
+              <a:rPr kumimoji="1" lang="ja-JP" altLang="en-US" smtClean="0"/>
               <a:t>第 </a:t>
             </a:r>
             <a:r>
-              <a:rPr lang="en-US" altLang="ja-JP" smtClean="0"/>
+              <a:rPr kumimoji="1" lang="en-US" altLang="ja-JP" smtClean="0"/>
               <a:t>5 </a:t>
             </a:r>
             <a:r>
-              <a:rPr lang="ja-JP" altLang="en-US" smtClean="0"/>
+              <a:rPr kumimoji="1" lang="ja-JP" altLang="en-US" smtClean="0"/>
               <a:t>レベル</a:t>
             </a:r>
-            <a:endParaRPr lang="en-US" dirty="0"/>
-          </a:p>
-        </p:txBody>
-      </p:sp>
-      <p:sp>
-        <p:nvSpPr>
-          <p:cNvPr id="2" name="Date Placeholder 1"/>
+            <a:endParaRPr kumimoji="1" lang="ja-JP" altLang="en-US"/>
+          </a:p>
+        </p:txBody>
+      </p:sp>
+      <p:sp>
+        <p:nvSpPr>
+          <p:cNvPr id="5" name="テキスト プレースホルダー 4"/>
+          <p:cNvSpPr>
+            <a:spLocks noGrp="1"/>
+          </p:cNvSpPr>
+          <p:nvPr>
+            <p:ph type="body" sz="quarter" idx="3"/>
+          </p:nvPr>
+        </p:nvSpPr>
+        <p:spPr>
+          <a:xfrm>
+            <a:off x="10864203" y="6777950"/>
+            <a:ext cx="9453263" cy="2824727"/>
+          </a:xfrm>
+        </p:spPr>
+        <p:txBody>
+          <a:bodyPr anchor="b"/>
+          <a:lstStyle>
+            <a:lvl1pPr marL="0" indent="0">
+              <a:buNone/>
+              <a:defRPr sz="7700" b="1"/>
+            </a:lvl1pPr>
+            <a:lvl2pPr marL="1475949" indent="0">
+              <a:buNone/>
+              <a:defRPr sz="6500" b="1"/>
+            </a:lvl2pPr>
+            <a:lvl3pPr marL="2951897" indent="0">
+              <a:buNone/>
+              <a:defRPr sz="5800" b="1"/>
+            </a:lvl3pPr>
+            <a:lvl4pPr marL="4427852" indent="0">
+              <a:buNone/>
+              <a:defRPr sz="5200" b="1"/>
+            </a:lvl4pPr>
+            <a:lvl5pPr marL="5903801" indent="0">
+              <a:buNone/>
+              <a:defRPr sz="5200" b="1"/>
+            </a:lvl5pPr>
+            <a:lvl6pPr marL="7379749" indent="0">
+              <a:buNone/>
+              <a:defRPr sz="5200" b="1"/>
+            </a:lvl6pPr>
+            <a:lvl7pPr marL="8855704" indent="0">
+              <a:buNone/>
+              <a:defRPr sz="5200" b="1"/>
+            </a:lvl7pPr>
+            <a:lvl8pPr marL="10331653" indent="0">
+              <a:buNone/>
+              <a:defRPr sz="5200" b="1"/>
+            </a:lvl8pPr>
+            <a:lvl9pPr marL="11807601" indent="0">
+              <a:buNone/>
+              <a:defRPr sz="5200" b="1"/>
+            </a:lvl9pPr>
+          </a:lstStyle>
+          <a:p>
+            <a:pPr lvl="0"/>
+            <a:r>
+              <a:rPr kumimoji="1" lang="ja-JP" altLang="en-US" smtClean="0"/>
+              <a:t>マスター テキストの書式設定</a:t>
+            </a:r>
+          </a:p>
+        </p:txBody>
+      </p:sp>
+      <p:sp>
+        <p:nvSpPr>
+          <p:cNvPr id="6" name="コンテンツ プレースホルダー 5"/>
+          <p:cNvSpPr>
+            <a:spLocks noGrp="1"/>
+          </p:cNvSpPr>
+          <p:nvPr>
+            <p:ph sz="quarter" idx="4"/>
+          </p:nvPr>
+        </p:nvSpPr>
+        <p:spPr>
+          <a:xfrm>
+            <a:off x="10864203" y="9602677"/>
+            <a:ext cx="9453263" cy="17446034"/>
+          </a:xfrm>
+        </p:spPr>
+        <p:txBody>
+          <a:bodyPr/>
+          <a:lstStyle>
+            <a:lvl1pPr>
+              <a:defRPr sz="7700"/>
+            </a:lvl1pPr>
+            <a:lvl2pPr>
+              <a:defRPr sz="6500"/>
+            </a:lvl2pPr>
+            <a:lvl3pPr>
+              <a:defRPr sz="5800"/>
+            </a:lvl3pPr>
+            <a:lvl4pPr>
+              <a:defRPr sz="5200"/>
+            </a:lvl4pPr>
+            <a:lvl5pPr>
+              <a:defRPr sz="5200"/>
+            </a:lvl5pPr>
+            <a:lvl6pPr>
+              <a:defRPr sz="5200"/>
+            </a:lvl6pPr>
+            <a:lvl7pPr>
+              <a:defRPr sz="5200"/>
+            </a:lvl7pPr>
+            <a:lvl8pPr>
+              <a:defRPr sz="5200"/>
+            </a:lvl8pPr>
+            <a:lvl9pPr>
+              <a:defRPr sz="5200"/>
+            </a:lvl9pPr>
+          </a:lstStyle>
+          <a:p>
+            <a:pPr lvl="0"/>
+            <a:r>
+              <a:rPr kumimoji="1" lang="ja-JP" altLang="en-US" smtClean="0"/>
+              <a:t>マスター テキストの書式設定</a:t>
+            </a:r>
+          </a:p>
+          <a:p>
+            <a:pPr lvl="1"/>
+            <a:r>
+              <a:rPr kumimoji="1" lang="ja-JP" altLang="en-US" smtClean="0"/>
+              <a:t>第 </a:t>
+            </a:r>
+            <a:r>
+              <a:rPr kumimoji="1" lang="en-US" altLang="ja-JP" smtClean="0"/>
+              <a:t>2 </a:t>
+            </a:r>
+            <a:r>
+              <a:rPr kumimoji="1" lang="ja-JP" altLang="en-US" smtClean="0"/>
+              <a:t>レベル</a:t>
+            </a:r>
+          </a:p>
+          <a:p>
+            <a:pPr lvl="2"/>
+            <a:r>
+              <a:rPr kumimoji="1" lang="ja-JP" altLang="en-US" smtClean="0"/>
+              <a:t>第 </a:t>
+            </a:r>
+            <a:r>
+              <a:rPr kumimoji="1" lang="en-US" altLang="ja-JP" smtClean="0"/>
+              <a:t>3 </a:t>
+            </a:r>
+            <a:r>
+              <a:rPr kumimoji="1" lang="ja-JP" altLang="en-US" smtClean="0"/>
+              <a:t>レベル</a:t>
+            </a:r>
+          </a:p>
+          <a:p>
+            <a:pPr lvl="3"/>
+            <a:r>
+              <a:rPr kumimoji="1" lang="ja-JP" altLang="en-US" smtClean="0"/>
+              <a:t>第 </a:t>
+            </a:r>
+            <a:r>
+              <a:rPr kumimoji="1" lang="en-US" altLang="ja-JP" smtClean="0"/>
+              <a:t>4 </a:t>
+            </a:r>
+            <a:r>
+              <a:rPr kumimoji="1" lang="ja-JP" altLang="en-US" smtClean="0"/>
+              <a:t>レベル</a:t>
+            </a:r>
+          </a:p>
+          <a:p>
+            <a:pPr lvl="4"/>
+            <a:r>
+              <a:rPr kumimoji="1" lang="ja-JP" altLang="en-US" smtClean="0"/>
+              <a:t>第 </a:t>
+            </a:r>
+            <a:r>
+              <a:rPr kumimoji="1" lang="en-US" altLang="ja-JP" smtClean="0"/>
+              <a:t>5 </a:t>
+            </a:r>
+            <a:r>
+              <a:rPr kumimoji="1" lang="ja-JP" altLang="en-US" smtClean="0"/>
+              <a:t>レベル</a:t>
+            </a:r>
+            <a:endParaRPr kumimoji="1" lang="ja-JP" altLang="en-US"/>
+          </a:p>
+        </p:txBody>
+      </p:sp>
+      <p:sp>
+        <p:nvSpPr>
+          <p:cNvPr id="7" name="日付プレースホルダー 6"/>
           <p:cNvSpPr>
             <a:spLocks noGrp="1"/>
           </p:cNvSpPr>
@@ -2485,7 +2410,7 @@
       </p:sp>
       <p:sp>
         <p:nvSpPr>
-          <p:cNvPr id="11" name="Footer Placeholder 10"/>
+          <p:cNvPr id="8" name="フッター プレースホルダー 7"/>
           <p:cNvSpPr>
             <a:spLocks noGrp="1"/>
           </p:cNvSpPr>
@@ -2504,7 +2429,7 @@
       </p:sp>
       <p:sp>
         <p:nvSpPr>
-          <p:cNvPr id="12" name="Slide Number Placeholder 11"/>
+          <p:cNvPr id="9" name="スライド番号プレースホルダー 8"/>
           <p:cNvSpPr>
             <a:spLocks noGrp="1"/>
           </p:cNvSpPr>
@@ -2529,7 +2454,7 @@
     </p:spTree>
     <p:extLst>
       <p:ext uri="{BB962C8B-B14F-4D97-AF65-F5344CB8AC3E}">
-        <p14:creationId xmlns:p14="http://schemas.microsoft.com/office/powerpoint/2010/main" val="939652657"/>
+        <p14:creationId xmlns:p14="http://schemas.microsoft.com/office/powerpoint/2010/main" val="2129067296"/>
       </p:ext>
     </p:extLst>
   </p:cSld>
@@ -2558,7 +2483,7 @@
       </p:grpSpPr>
       <p:sp>
         <p:nvSpPr>
-          <p:cNvPr id="6" name="Title 5"/>
+          <p:cNvPr id="2" name="タイトル 1"/>
           <p:cNvSpPr>
             <a:spLocks noGrp="1"/>
           </p:cNvSpPr>
@@ -2572,16 +2497,16 @@
           <a:lstStyle/>
           <a:p>
             <a:r>
-              <a:rPr lang="ja-JP" altLang="en-US" smtClean="0"/>
+              <a:rPr kumimoji="1" lang="ja-JP" altLang="en-US" smtClean="0"/>
               <a:t>マスター タイトルの書式設定</a:t>
             </a:r>
-            <a:endParaRPr lang="en-US" dirty="0"/>
-          </a:p>
-        </p:txBody>
-      </p:sp>
-      <p:sp>
-        <p:nvSpPr>
-          <p:cNvPr id="2" name="Date Placeholder 1"/>
+            <a:endParaRPr kumimoji="1" lang="ja-JP" altLang="en-US"/>
+          </a:p>
+        </p:txBody>
+      </p:sp>
+      <p:sp>
+        <p:nvSpPr>
+          <p:cNvPr id="3" name="日付プレースホルダー 2"/>
           <p:cNvSpPr>
             <a:spLocks noGrp="1"/>
           </p:cNvSpPr>
@@ -2605,7 +2530,7 @@
       </p:sp>
       <p:sp>
         <p:nvSpPr>
-          <p:cNvPr id="7" name="Footer Placeholder 6"/>
+          <p:cNvPr id="4" name="フッター プレースホルダー 3"/>
           <p:cNvSpPr>
             <a:spLocks noGrp="1"/>
           </p:cNvSpPr>
@@ -2624,7 +2549,7 @@
       </p:sp>
       <p:sp>
         <p:nvSpPr>
-          <p:cNvPr id="8" name="Slide Number Placeholder 7"/>
+          <p:cNvPr id="5" name="スライド番号プレースホルダー 4"/>
           <p:cNvSpPr>
             <a:spLocks noGrp="1"/>
           </p:cNvSpPr>
@@ -2649,7 +2574,7 @@
     </p:spTree>
     <p:extLst>
       <p:ext uri="{BB962C8B-B14F-4D97-AF65-F5344CB8AC3E}">
-        <p14:creationId xmlns:p14="http://schemas.microsoft.com/office/powerpoint/2010/main" val="1933283406"/>
+        <p14:creationId xmlns:p14="http://schemas.microsoft.com/office/powerpoint/2010/main" val="3764544481"/>
       </p:ext>
     </p:extLst>
   </p:cSld>
@@ -2660,7 +2585,7 @@
 </file>
 
 <file path=ppt/slideLayouts/slideLayout7.xml><?xml version="1.0" encoding="utf-8"?>
-<p:sldLayout xmlns:a="http://schemas.openxmlformats.org/drawingml/2006/main" xmlns:r="http://schemas.openxmlformats.org/officeDocument/2006/relationships" xmlns:p="http://schemas.openxmlformats.org/presentationml/2006/main" showMasterSp="0" type="blank" preserve="1">
+<p:sldLayout xmlns:a="http://schemas.openxmlformats.org/drawingml/2006/main" xmlns:r="http://schemas.openxmlformats.org/officeDocument/2006/relationships" xmlns:p="http://schemas.openxmlformats.org/presentationml/2006/main" type="blank" preserve="1">
   <p:cSld name="白紙">
     <p:spTree>
       <p:nvGrpSpPr>
@@ -2678,7 +2603,7 @@
       </p:grpSpPr>
       <p:sp>
         <p:nvSpPr>
-          <p:cNvPr id="5" name="Date Placeholder 4"/>
+          <p:cNvPr id="2" name="日付プレースホルダー 1"/>
           <p:cNvSpPr>
             <a:spLocks noGrp="1"/>
           </p:cNvSpPr>
@@ -2702,7 +2627,7 @@
       </p:sp>
       <p:sp>
         <p:nvSpPr>
-          <p:cNvPr id="6" name="Footer Placeholder 5"/>
+          <p:cNvPr id="3" name="フッター プレースホルダー 2"/>
           <p:cNvSpPr>
             <a:spLocks noGrp="1"/>
           </p:cNvSpPr>
@@ -2721,7 +2646,7 @@
       </p:sp>
       <p:sp>
         <p:nvSpPr>
-          <p:cNvPr id="7" name="Slide Number Placeholder 6"/>
+          <p:cNvPr id="4" name="スライド番号プレースホルダー 3"/>
           <p:cNvSpPr>
             <a:spLocks noGrp="1"/>
           </p:cNvSpPr>
@@ -2746,7 +2671,7 @@
     </p:spTree>
     <p:extLst>
       <p:ext uri="{BB962C8B-B14F-4D97-AF65-F5344CB8AC3E}">
-        <p14:creationId xmlns:p14="http://schemas.microsoft.com/office/powerpoint/2010/main" val="2744277487"/>
+        <p14:creationId xmlns:p14="http://schemas.microsoft.com/office/powerpoint/2010/main" val="350236727"/>
       </p:ext>
     </p:extLst>
   </p:cSld>
@@ -2775,7 +2700,7 @@
       </p:grpSpPr>
       <p:sp>
         <p:nvSpPr>
-          <p:cNvPr id="2" name="Title 1"/>
+          <p:cNvPr id="2" name="タイトル 1"/>
           <p:cNvSpPr>
             <a:spLocks noGrp="1"/>
           </p:cNvSpPr>
@@ -2785,31 +2710,29 @@
         </p:nvSpPr>
         <p:spPr>
           <a:xfrm>
-            <a:off x="449123" y="5046663"/>
-            <a:ext cx="4972431" cy="9689592"/>
+            <a:off x="1069341" y="1205591"/>
+            <a:ext cx="7036110" cy="5130774"/>
           </a:xfrm>
         </p:spPr>
         <p:txBody>
-          <a:bodyPr anchor="b">
-            <a:normAutofit/>
-          </a:bodyPr>
+          <a:bodyPr anchor="b"/>
           <a:lstStyle>
-            <a:lvl1pPr>
-              <a:defRPr sz="6549" b="0" baseline="0"/>
+            <a:lvl1pPr algn="l">
+              <a:defRPr sz="6500" b="1"/>
             </a:lvl1pPr>
           </a:lstStyle>
           <a:p>
             <a:r>
-              <a:rPr lang="ja-JP" altLang="en-US" smtClean="0"/>
+              <a:rPr kumimoji="1" lang="ja-JP" altLang="en-US" smtClean="0"/>
               <a:t>マスター タイトルの書式設定</a:t>
             </a:r>
-            <a:endParaRPr lang="en-US" dirty="0"/>
-          </a:p>
-        </p:txBody>
-      </p:sp>
-      <p:sp>
-        <p:nvSpPr>
-          <p:cNvPr id="3" name="Content Placeholder 2"/>
+            <a:endParaRPr kumimoji="1" lang="ja-JP" altLang="en-US"/>
+          </a:p>
+        </p:txBody>
+      </p:sp>
+      <p:sp>
+        <p:nvSpPr>
+          <p:cNvPr id="3" name="コンテンツ プレースホルダー 2"/>
           <p:cNvSpPr>
             <a:spLocks noGrp="1"/>
           </p:cNvSpPr>
@@ -2819,114 +2742,114 @@
         </p:nvSpPr>
         <p:spPr>
           <a:xfrm>
-            <a:off x="6784962" y="3835464"/>
-            <a:ext cx="12832080" cy="22609048"/>
+            <a:off x="8361645" y="1205598"/>
+            <a:ext cx="11955815" cy="25843120"/>
           </a:xfrm>
         </p:spPr>
         <p:txBody>
           <a:bodyPr/>
           <a:lstStyle>
             <a:lvl1pPr>
-              <a:defRPr sz="4678"/>
+              <a:defRPr sz="10300"/>
             </a:lvl1pPr>
             <a:lvl2pPr>
-              <a:defRPr sz="4210"/>
+              <a:defRPr sz="9000"/>
             </a:lvl2pPr>
             <a:lvl3pPr>
-              <a:defRPr sz="3742"/>
+              <a:defRPr sz="7700"/>
             </a:lvl3pPr>
             <a:lvl4pPr>
-              <a:defRPr sz="3274"/>
+              <a:defRPr sz="6500"/>
             </a:lvl4pPr>
             <a:lvl5pPr>
-              <a:defRPr sz="3274"/>
+              <a:defRPr sz="6500"/>
             </a:lvl5pPr>
             <a:lvl6pPr>
-              <a:defRPr sz="3274"/>
+              <a:defRPr sz="6500"/>
             </a:lvl6pPr>
             <a:lvl7pPr>
-              <a:defRPr sz="3274"/>
+              <a:defRPr sz="6500"/>
             </a:lvl7pPr>
             <a:lvl8pPr>
-              <a:defRPr sz="3274"/>
+              <a:defRPr sz="6500"/>
             </a:lvl8pPr>
             <a:lvl9pPr>
-              <a:defRPr sz="3274"/>
+              <a:defRPr sz="6500"/>
             </a:lvl9pPr>
           </a:lstStyle>
           <a:p>
             <a:pPr lvl="0"/>
             <a:r>
-              <a:rPr lang="ja-JP" altLang="en-US" smtClean="0"/>
+              <a:rPr kumimoji="1" lang="ja-JP" altLang="en-US" smtClean="0"/>
               <a:t>マスター テキストの書式設定</a:t>
             </a:r>
           </a:p>
           <a:p>
             <a:pPr lvl="1"/>
             <a:r>
-              <a:rPr lang="ja-JP" altLang="en-US" smtClean="0"/>
+              <a:rPr kumimoji="1" lang="ja-JP" altLang="en-US" smtClean="0"/>
               <a:t>第 </a:t>
             </a:r>
             <a:r>
-              <a:rPr lang="en-US" altLang="ja-JP" smtClean="0"/>
+              <a:rPr kumimoji="1" lang="en-US" altLang="ja-JP" smtClean="0"/>
               <a:t>2 </a:t>
             </a:r>
             <a:r>
-              <a:rPr lang="ja-JP" altLang="en-US" smtClean="0"/>
+              <a:rPr kumimoji="1" lang="ja-JP" altLang="en-US" smtClean="0"/>
               <a:t>レベル</a:t>
             </a:r>
           </a:p>
           <a:p>
             <a:pPr lvl="2"/>
             <a:r>
-              <a:rPr lang="ja-JP" altLang="en-US" smtClean="0"/>
+              <a:rPr kumimoji="1" lang="ja-JP" altLang="en-US" smtClean="0"/>
               <a:t>第 </a:t>
             </a:r>
             <a:r>
-              <a:rPr lang="en-US" altLang="ja-JP" smtClean="0"/>
+              <a:rPr kumimoji="1" lang="en-US" altLang="ja-JP" smtClean="0"/>
               <a:t>3 </a:t>
             </a:r>
             <a:r>
-              <a:rPr lang="ja-JP" altLang="en-US" smtClean="0"/>
+              <a:rPr kumimoji="1" lang="ja-JP" altLang="en-US" smtClean="0"/>
               <a:t>レベル</a:t>
             </a:r>
           </a:p>
           <a:p>
             <a:pPr lvl="3"/>
             <a:r>
-              <a:rPr lang="ja-JP" altLang="en-US" smtClean="0"/>
+              <a:rPr kumimoji="1" lang="ja-JP" altLang="en-US" smtClean="0"/>
               <a:t>第 </a:t>
             </a:r>
             <a:r>
-              <a:rPr lang="en-US" altLang="ja-JP" smtClean="0"/>
+              <a:rPr kumimoji="1" lang="en-US" altLang="ja-JP" smtClean="0"/>
               <a:t>4 </a:t>
             </a:r>
             <a:r>
-              <a:rPr lang="ja-JP" altLang="en-US" smtClean="0"/>
+              <a:rPr kumimoji="1" lang="ja-JP" altLang="en-US" smtClean="0"/>
               <a:t>レベル</a:t>
             </a:r>
           </a:p>
           <a:p>
             <a:pPr lvl="4"/>
             <a:r>
-              <a:rPr lang="ja-JP" altLang="en-US" smtClean="0"/>
+              <a:rPr kumimoji="1" lang="ja-JP" altLang="en-US" smtClean="0"/>
               <a:t>第 </a:t>
             </a:r>
             <a:r>
-              <a:rPr lang="en-US" altLang="ja-JP" smtClean="0"/>
+              <a:rPr kumimoji="1" lang="en-US" altLang="ja-JP" smtClean="0"/>
               <a:t>5 </a:t>
             </a:r>
             <a:r>
-              <a:rPr lang="ja-JP" altLang="en-US" smtClean="0"/>
+              <a:rPr kumimoji="1" lang="ja-JP" altLang="en-US" smtClean="0"/>
               <a:t>レベル</a:t>
             </a:r>
-            <a:endParaRPr lang="en-US" dirty="0"/>
-          </a:p>
-        </p:txBody>
-      </p:sp>
-      <p:sp>
-        <p:nvSpPr>
-          <p:cNvPr id="4" name="Text Placeholder 3"/>
+            <a:endParaRPr kumimoji="1" lang="ja-JP" altLang="en-US"/>
+          </a:p>
+        </p:txBody>
+      </p:sp>
+      <p:sp>
+        <p:nvSpPr>
+          <p:cNvPr id="4" name="テキスト プレースホルダー 3"/>
           <p:cNvSpPr>
             <a:spLocks noGrp="1"/>
           </p:cNvSpPr>
@@ -2936,66 +2859,54 @@
         </p:nvSpPr>
         <p:spPr>
           <a:xfrm>
-            <a:off x="449123" y="14736255"/>
-            <a:ext cx="4972431" cy="11304524"/>
+            <a:off x="1069341" y="6336367"/>
+            <a:ext cx="7036110" cy="20712346"/>
           </a:xfrm>
         </p:spPr>
         <p:txBody>
-          <a:bodyPr anchor="t">
-            <a:normAutofit/>
-          </a:bodyPr>
+          <a:bodyPr/>
           <a:lstStyle>
             <a:lvl1pPr marL="0" indent="0">
-              <a:lnSpc>
-                <a:spcPct val="100000"/>
-              </a:lnSpc>
-              <a:spcBef>
-                <a:spcPts val="1871"/>
-              </a:spcBef>
-              <a:buNone/>
-              <a:defRPr sz="2924">
-                <a:solidFill>
-                  <a:srgbClr val="FFFFFF"/>
-                </a:solidFill>
-              </a:defRPr>
+              <a:buNone/>
+              <a:defRPr sz="4500"/>
             </a:lvl1pPr>
-            <a:lvl2pPr marL="1069345" indent="0">
-              <a:buNone/>
-              <a:defRPr sz="2807"/>
+            <a:lvl2pPr marL="1475949" indent="0">
+              <a:buNone/>
+              <a:defRPr sz="3900"/>
             </a:lvl2pPr>
-            <a:lvl3pPr marL="2138690" indent="0">
-              <a:buNone/>
-              <a:defRPr sz="2339"/>
+            <a:lvl3pPr marL="2951897" indent="0">
+              <a:buNone/>
+              <a:defRPr sz="3200"/>
             </a:lvl3pPr>
-            <a:lvl4pPr marL="3208035" indent="0">
-              <a:buNone/>
-              <a:defRPr sz="2105"/>
+            <a:lvl4pPr marL="4427852" indent="0">
+              <a:buNone/>
+              <a:defRPr sz="2900"/>
             </a:lvl4pPr>
-            <a:lvl5pPr marL="4277380" indent="0">
-              <a:buNone/>
-              <a:defRPr sz="2105"/>
+            <a:lvl5pPr marL="5903801" indent="0">
+              <a:buNone/>
+              <a:defRPr sz="2900"/>
             </a:lvl5pPr>
-            <a:lvl6pPr marL="5346725" indent="0">
-              <a:buNone/>
-              <a:defRPr sz="2105"/>
+            <a:lvl6pPr marL="7379749" indent="0">
+              <a:buNone/>
+              <a:defRPr sz="2900"/>
             </a:lvl6pPr>
-            <a:lvl7pPr marL="6416070" indent="0">
-              <a:buNone/>
-              <a:defRPr sz="2105"/>
+            <a:lvl7pPr marL="8855704" indent="0">
+              <a:buNone/>
+              <a:defRPr sz="2900"/>
             </a:lvl7pPr>
-            <a:lvl8pPr marL="7485416" indent="0">
-              <a:buNone/>
-              <a:defRPr sz="2105"/>
+            <a:lvl8pPr marL="10331653" indent="0">
+              <a:buNone/>
+              <a:defRPr sz="2900"/>
             </a:lvl8pPr>
-            <a:lvl9pPr marL="8554761" indent="0">
-              <a:buNone/>
-              <a:defRPr sz="2105"/>
+            <a:lvl9pPr marL="11807601" indent="0">
+              <a:buNone/>
+              <a:defRPr sz="2900"/>
             </a:lvl9pPr>
           </a:lstStyle>
           <a:p>
             <a:pPr lvl="0"/>
             <a:r>
-              <a:rPr lang="ja-JP" altLang="en-US" smtClean="0"/>
+              <a:rPr kumimoji="1" lang="ja-JP" altLang="en-US" smtClean="0"/>
               <a:t>マスター テキストの書式設定</a:t>
             </a:r>
           </a:p>
@@ -3003,7 +2914,7 @@
       </p:sp>
       <p:sp>
         <p:nvSpPr>
-          <p:cNvPr id="8" name="Date Placeholder 7"/>
+          <p:cNvPr id="5" name="日付プレースホルダー 4"/>
           <p:cNvSpPr>
             <a:spLocks noGrp="1"/>
           </p:cNvSpPr>
@@ -3027,7 +2938,7 @@
       </p:sp>
       <p:sp>
         <p:nvSpPr>
-          <p:cNvPr id="9" name="Footer Placeholder 8"/>
+          <p:cNvPr id="6" name="フッター プレースホルダー 5"/>
           <p:cNvSpPr>
             <a:spLocks noGrp="1"/>
           </p:cNvSpPr>
@@ -3046,7 +2957,7 @@
       </p:sp>
       <p:sp>
         <p:nvSpPr>
-          <p:cNvPr id="10" name="Slide Number Placeholder 9"/>
+          <p:cNvPr id="7" name="スライド番号プレースホルダー 6"/>
           <p:cNvSpPr>
             <a:spLocks noGrp="1"/>
           </p:cNvSpPr>
@@ -3071,7 +2982,7 @@
     </p:spTree>
     <p:extLst>
       <p:ext uri="{BB962C8B-B14F-4D97-AF65-F5344CB8AC3E}">
-        <p14:creationId xmlns:p14="http://schemas.microsoft.com/office/powerpoint/2010/main" val="3889827842"/>
+        <p14:creationId xmlns:p14="http://schemas.microsoft.com/office/powerpoint/2010/main" val="3656908748"/>
       </p:ext>
     </p:extLst>
   </p:cSld>
@@ -3100,7 +3011,7 @@
       </p:grpSpPr>
       <p:sp>
         <p:nvSpPr>
-          <p:cNvPr id="2" name="Title 1"/>
+          <p:cNvPr id="2" name="タイトル 1"/>
           <p:cNvSpPr>
             <a:spLocks noGrp="1"/>
           </p:cNvSpPr>
@@ -3110,33 +3021,31 @@
         </p:nvSpPr>
         <p:spPr>
           <a:xfrm>
-            <a:off x="449123" y="5046663"/>
-            <a:ext cx="4972431" cy="9689592"/>
+            <a:off x="4191962" y="21195982"/>
+            <a:ext cx="12832080" cy="2502306"/>
           </a:xfrm>
         </p:spPr>
         <p:txBody>
-          <a:bodyPr anchor="b">
-            <a:normAutofit/>
-          </a:bodyPr>
+          <a:bodyPr anchor="b"/>
           <a:lstStyle>
-            <a:lvl1pPr>
-              <a:defRPr sz="6549" b="0"/>
+            <a:lvl1pPr algn="l">
+              <a:defRPr sz="6500" b="1"/>
             </a:lvl1pPr>
           </a:lstStyle>
           <a:p>
             <a:r>
-              <a:rPr lang="ja-JP" altLang="en-US" smtClean="0"/>
+              <a:rPr kumimoji="1" lang="ja-JP" altLang="en-US" smtClean="0"/>
               <a:t>マスター タイトルの書式設定</a:t>
             </a:r>
-            <a:endParaRPr lang="en-US" dirty="0"/>
-          </a:p>
-        </p:txBody>
-      </p:sp>
-      <p:sp>
-        <p:nvSpPr>
-          <p:cNvPr id="3" name="Picture Placeholder 2"/>
-          <p:cNvSpPr>
-            <a:spLocks noGrp="1" noChangeAspect="1"/>
+            <a:endParaRPr kumimoji="1" lang="ja-JP" altLang="en-US"/>
+          </a:p>
+        </p:txBody>
+      </p:sp>
+      <p:sp>
+        <p:nvSpPr>
+          <p:cNvPr id="3" name="図プレースホルダー 2"/>
+          <p:cNvSpPr>
+            <a:spLocks noGrp="1"/>
           </p:cNvSpPr>
           <p:nvPr>
             <p:ph type="pic" idx="1"/>
@@ -3144,67 +3053,58 @@
         </p:nvSpPr>
         <p:spPr>
           <a:xfrm>
-            <a:off x="6263506" y="3388368"/>
-            <a:ext cx="14235467" cy="23537634"/>
+            <a:off x="4191962" y="2705572"/>
+            <a:ext cx="12832080" cy="18167985"/>
           </a:xfrm>
-          <a:solidFill>
-            <a:schemeClr val="bg1">
-              <a:lumMod val="75000"/>
-            </a:schemeClr>
-          </a:solidFill>
         </p:spPr>
         <p:txBody>
-          <a:bodyPr anchor="t"/>
+          <a:bodyPr/>
           <a:lstStyle>
             <a:lvl1pPr marL="0" indent="0">
               <a:buNone/>
-              <a:defRPr sz="7484"/>
+              <a:defRPr sz="10300"/>
             </a:lvl1pPr>
-            <a:lvl2pPr marL="1069345" indent="0">
-              <a:buNone/>
-              <a:defRPr sz="6549"/>
+            <a:lvl2pPr marL="1475949" indent="0">
+              <a:buNone/>
+              <a:defRPr sz="9000"/>
             </a:lvl2pPr>
-            <a:lvl3pPr marL="2138690" indent="0">
-              <a:buNone/>
-              <a:defRPr sz="5613"/>
+            <a:lvl3pPr marL="2951897" indent="0">
+              <a:buNone/>
+              <a:defRPr sz="7700"/>
             </a:lvl3pPr>
-            <a:lvl4pPr marL="3208035" indent="0">
-              <a:buNone/>
-              <a:defRPr sz="4678"/>
+            <a:lvl4pPr marL="4427852" indent="0">
+              <a:buNone/>
+              <a:defRPr sz="6500"/>
             </a:lvl4pPr>
-            <a:lvl5pPr marL="4277380" indent="0">
-              <a:buNone/>
-              <a:defRPr sz="4678"/>
+            <a:lvl5pPr marL="5903801" indent="0">
+              <a:buNone/>
+              <a:defRPr sz="6500"/>
             </a:lvl5pPr>
-            <a:lvl6pPr marL="5346725" indent="0">
-              <a:buNone/>
-              <a:defRPr sz="4678"/>
+            <a:lvl6pPr marL="7379749" indent="0">
+              <a:buNone/>
+              <a:defRPr sz="6500"/>
             </a:lvl6pPr>
-            <a:lvl7pPr marL="6416070" indent="0">
-              <a:buNone/>
-              <a:defRPr sz="4678"/>
+            <a:lvl7pPr marL="8855704" indent="0">
+              <a:buNone/>
+              <a:defRPr sz="6500"/>
             </a:lvl7pPr>
-            <a:lvl8pPr marL="7485416" indent="0">
-              <a:buNone/>
-              <a:defRPr sz="4678"/>
+            <a:lvl8pPr marL="10331653" indent="0">
+              <a:buNone/>
+              <a:defRPr sz="6500"/>
             </a:lvl8pPr>
-            <a:lvl9pPr marL="8554761" indent="0">
-              <a:buNone/>
-              <a:defRPr sz="4678"/>
+            <a:lvl9pPr marL="11807601" indent="0">
+              <a:buNone/>
+              <a:defRPr sz="6500"/>
             </a:lvl9pPr>
           </a:lstStyle>
           <a:p>
-            <a:r>
-              <a:rPr lang="ja-JP" altLang="en-US" smtClean="0"/>
-              <a:t>図を追加</a:t>
-            </a:r>
-            <a:endParaRPr lang="en-US" dirty="0"/>
-          </a:p>
-        </p:txBody>
-      </p:sp>
-      <p:sp>
-        <p:nvSpPr>
-          <p:cNvPr id="4" name="Text Placeholder 3"/>
+            <a:endParaRPr kumimoji="1" lang="ja-JP" altLang="en-US"/>
+          </a:p>
+        </p:txBody>
+      </p:sp>
+      <p:sp>
+        <p:nvSpPr>
+          <p:cNvPr id="4" name="テキスト プレースホルダー 3"/>
           <p:cNvSpPr>
             <a:spLocks noGrp="1"/>
           </p:cNvSpPr>
@@ -3214,66 +3114,54 @@
         </p:nvSpPr>
         <p:spPr>
           <a:xfrm>
-            <a:off x="449123" y="14749686"/>
-            <a:ext cx="4972431" cy="11304524"/>
+            <a:off x="4191962" y="23698288"/>
+            <a:ext cx="12832080" cy="3553689"/>
           </a:xfrm>
         </p:spPr>
         <p:txBody>
-          <a:bodyPr anchor="t">
-            <a:normAutofit/>
-          </a:bodyPr>
+          <a:bodyPr/>
           <a:lstStyle>
             <a:lvl1pPr marL="0" indent="0">
-              <a:lnSpc>
-                <a:spcPct val="100000"/>
-              </a:lnSpc>
-              <a:spcBef>
-                <a:spcPts val="1871"/>
-              </a:spcBef>
-              <a:buNone/>
-              <a:defRPr sz="2924">
-                <a:solidFill>
-                  <a:srgbClr val="FFFFFF"/>
-                </a:solidFill>
-              </a:defRPr>
+              <a:buNone/>
+              <a:defRPr sz="4500"/>
             </a:lvl1pPr>
-            <a:lvl2pPr marL="1069345" indent="0">
-              <a:buNone/>
-              <a:defRPr sz="2807"/>
+            <a:lvl2pPr marL="1475949" indent="0">
+              <a:buNone/>
+              <a:defRPr sz="3900"/>
             </a:lvl2pPr>
-            <a:lvl3pPr marL="2138690" indent="0">
-              <a:buNone/>
-              <a:defRPr sz="2339"/>
+            <a:lvl3pPr marL="2951897" indent="0">
+              <a:buNone/>
+              <a:defRPr sz="3200"/>
             </a:lvl3pPr>
-            <a:lvl4pPr marL="3208035" indent="0">
-              <a:buNone/>
-              <a:defRPr sz="2105"/>
+            <a:lvl4pPr marL="4427852" indent="0">
+              <a:buNone/>
+              <a:defRPr sz="2900"/>
             </a:lvl4pPr>
-            <a:lvl5pPr marL="4277380" indent="0">
-              <a:buNone/>
-              <a:defRPr sz="2105"/>
+            <a:lvl5pPr marL="5903801" indent="0">
+              <a:buNone/>
+              <a:defRPr sz="2900"/>
             </a:lvl5pPr>
-            <a:lvl6pPr marL="5346725" indent="0">
-              <a:buNone/>
-              <a:defRPr sz="2105"/>
+            <a:lvl6pPr marL="7379749" indent="0">
+              <a:buNone/>
+              <a:defRPr sz="2900"/>
             </a:lvl6pPr>
-            <a:lvl7pPr marL="6416070" indent="0">
-              <a:buNone/>
-              <a:defRPr sz="2105"/>
+            <a:lvl7pPr marL="8855704" indent="0">
+              <a:buNone/>
+              <a:defRPr sz="2900"/>
             </a:lvl7pPr>
-            <a:lvl8pPr marL="7485416" indent="0">
-              <a:buNone/>
-              <a:defRPr sz="2105"/>
+            <a:lvl8pPr marL="10331653" indent="0">
+              <a:buNone/>
+              <a:defRPr sz="2900"/>
             </a:lvl8pPr>
-            <a:lvl9pPr marL="8554761" indent="0">
-              <a:buNone/>
-              <a:defRPr sz="2105"/>
+            <a:lvl9pPr marL="11807601" indent="0">
+              <a:buNone/>
+              <a:defRPr sz="2900"/>
             </a:lvl9pPr>
           </a:lstStyle>
           <a:p>
             <a:pPr lvl="0"/>
             <a:r>
-              <a:rPr lang="ja-JP" altLang="en-US" smtClean="0"/>
+              <a:rPr kumimoji="1" lang="ja-JP" altLang="en-US" smtClean="0"/>
               <a:t>マスター テキストの書式設定</a:t>
             </a:r>
           </a:p>
@@ -3281,7 +3169,7 @@
       </p:sp>
       <p:sp>
         <p:nvSpPr>
-          <p:cNvPr id="8" name="Date Placeholder 7"/>
+          <p:cNvPr id="5" name="日付プレースホルダー 4"/>
           <p:cNvSpPr>
             <a:spLocks noGrp="1"/>
           </p:cNvSpPr>
@@ -3305,7 +3193,7 @@
       </p:sp>
       <p:sp>
         <p:nvSpPr>
-          <p:cNvPr id="9" name="Footer Placeholder 8"/>
+          <p:cNvPr id="6" name="フッター プレースホルダー 5"/>
           <p:cNvSpPr>
             <a:spLocks noGrp="1"/>
           </p:cNvSpPr>
@@ -3313,12 +3201,7 @@
             <p:ph type="ftr" sz="quarter" idx="11"/>
           </p:nvPr>
         </p:nvSpPr>
-        <p:spPr>
-          <a:xfrm>
-            <a:off x="6138007" y="28065058"/>
-            <a:ext cx="10369787" cy="1612128"/>
-          </a:xfrm>
-        </p:spPr>
+        <p:spPr/>
         <p:txBody>
           <a:bodyPr/>
           <a:lstStyle/>
@@ -3329,7 +3212,7 @@
       </p:sp>
       <p:sp>
         <p:nvSpPr>
-          <p:cNvPr id="10" name="Slide Number Placeholder 9"/>
+          <p:cNvPr id="7" name="スライド番号プレースホルダー 6"/>
           <p:cNvSpPr>
             <a:spLocks noGrp="1"/>
           </p:cNvSpPr>
@@ -3354,7 +3237,7 @@
     </p:spTree>
     <p:extLst>
       <p:ext uri="{BB962C8B-B14F-4D97-AF65-F5344CB8AC3E}">
-        <p14:creationId xmlns:p14="http://schemas.microsoft.com/office/powerpoint/2010/main" val="3096041287"/>
+        <p14:creationId xmlns:p14="http://schemas.microsoft.com/office/powerpoint/2010/main" val="1539289661"/>
       </p:ext>
     </p:extLst>
   </p:cSld>
@@ -3388,212 +3271,134 @@
       </p:grpSpPr>
       <p:sp>
         <p:nvSpPr>
-          <p:cNvPr id="7" name="Rectangle 6"/>
-          <p:cNvSpPr/>
-          <p:nvPr/>
+          <p:cNvPr id="2" name="タイトル プレースホルダー 1"/>
+          <p:cNvSpPr>
+            <a:spLocks noGrp="1"/>
+          </p:cNvSpPr>
+          <p:nvPr>
+            <p:ph type="title"/>
+          </p:nvPr>
         </p:nvSpPr>
         <p:spPr>
           <a:xfrm>
-            <a:off x="3" y="3350984"/>
-            <a:ext cx="6040632" cy="23537634"/>
-          </a:xfrm>
-          <a:prstGeom prst="rect">
-            <a:avLst/>
-          </a:prstGeom>
-          <a:solidFill>
-            <a:schemeClr val="accent1"/>
-          </a:solidFill>
-          <a:ln>
-            <a:noFill/>
-          </a:ln>
-        </p:spPr>
-        <p:style>
-          <a:lnRef idx="2">
-            <a:schemeClr val="accent1">
-              <a:shade val="50000"/>
-            </a:schemeClr>
-          </a:lnRef>
-          <a:fillRef idx="1">
-            <a:schemeClr val="accent1"/>
-          </a:fillRef>
-          <a:effectRef idx="0">
-            <a:schemeClr val="accent1"/>
-          </a:effectRef>
-          <a:fontRef idx="minor">
-            <a:schemeClr val="lt1"/>
-          </a:fontRef>
-        </p:style>
-      </p:sp>
-      <p:sp>
-        <p:nvSpPr>
-          <p:cNvPr id="2" name="Title Placeholder 1"/>
-          <p:cNvSpPr>
-            <a:spLocks noGrp="1"/>
-          </p:cNvSpPr>
-          <p:nvPr>
-            <p:ph type="title"/>
-          </p:nvPr>
-        </p:nvSpPr>
-        <p:spPr>
-          <a:xfrm>
-            <a:off x="443661" y="4962059"/>
-            <a:ext cx="5170376" cy="20315501"/>
+            <a:off x="1069340" y="1212603"/>
+            <a:ext cx="19248120" cy="5046663"/>
           </a:xfrm>
           <a:prstGeom prst="rect">
             <a:avLst/>
           </a:prstGeom>
         </p:spPr>
         <p:txBody>
-          <a:bodyPr vert="horz" lIns="91440" tIns="45720" rIns="91440" bIns="45720" rtlCol="0" anchor="ctr">
+          <a:bodyPr vert="horz" lIns="295190" tIns="147597" rIns="295190" bIns="147597" rtlCol="0" anchor="ctr">
             <a:normAutofit/>
           </a:bodyPr>
           <a:lstStyle/>
           <a:p>
             <a:r>
-              <a:rPr lang="ja-JP" altLang="en-US" smtClean="0"/>
+              <a:rPr kumimoji="1" lang="ja-JP" altLang="en-US" smtClean="0"/>
               <a:t>マスター タイトルの書式設定</a:t>
             </a:r>
-            <a:endParaRPr lang="en-US" dirty="0"/>
-          </a:p>
-        </p:txBody>
-      </p:sp>
-      <p:sp>
-        <p:nvSpPr>
-          <p:cNvPr id="38" name="Rectangle 37"/>
-          <p:cNvSpPr/>
-          <p:nvPr/>
+            <a:endParaRPr kumimoji="1" lang="ja-JP" altLang="en-US"/>
+          </a:p>
+        </p:txBody>
+      </p:sp>
+      <p:sp>
+        <p:nvSpPr>
+          <p:cNvPr id="3" name="テキスト プレースホルダー 2"/>
+          <p:cNvSpPr>
+            <a:spLocks noGrp="1"/>
+          </p:cNvSpPr>
+          <p:nvPr>
+            <p:ph type="body" idx="1"/>
+          </p:nvPr>
         </p:nvSpPr>
         <p:spPr>
           <a:xfrm>
-            <a:off x="20726995" y="3350984"/>
-            <a:ext cx="673684" cy="23537634"/>
-          </a:xfrm>
-          <a:prstGeom prst="rect">
-            <a:avLst/>
-          </a:prstGeom>
-          <a:solidFill>
-            <a:srgbClr val="C8C8C8">
-              <a:alpha val="49804"/>
-            </a:srgbClr>
-          </a:solidFill>
-          <a:ln>
-            <a:noFill/>
-          </a:ln>
-        </p:spPr>
-        <p:style>
-          <a:lnRef idx="2">
-            <a:schemeClr val="accent1">
-              <a:shade val="50000"/>
-            </a:schemeClr>
-          </a:lnRef>
-          <a:fillRef idx="1">
-            <a:schemeClr val="accent1"/>
-          </a:fillRef>
-          <a:effectRef idx="0">
-            <a:schemeClr val="accent1"/>
-          </a:effectRef>
-          <a:fontRef idx="minor">
-            <a:schemeClr val="lt1"/>
-          </a:fontRef>
-        </p:style>
-      </p:sp>
-      <p:sp>
-        <p:nvSpPr>
-          <p:cNvPr id="3" name="Text Placeholder 2"/>
-          <p:cNvSpPr>
-            <a:spLocks noGrp="1"/>
-          </p:cNvSpPr>
-          <p:nvPr>
-            <p:ph type="body" idx="1"/>
-          </p:nvPr>
-        </p:nvSpPr>
-        <p:spPr>
-          <a:xfrm>
-            <a:off x="6787341" y="3815277"/>
-            <a:ext cx="12832080" cy="22609048"/>
+            <a:off x="1069340" y="7065334"/>
+            <a:ext cx="19248120" cy="19983384"/>
           </a:xfrm>
           <a:prstGeom prst="rect">
             <a:avLst/>
           </a:prstGeom>
         </p:spPr>
         <p:txBody>
-          <a:bodyPr vert="horz" lIns="91440" tIns="45720" rIns="91440" bIns="45720" rtlCol="0" anchor="ctr">
+          <a:bodyPr vert="horz" lIns="295190" tIns="147597" rIns="295190" bIns="147597" rtlCol="0">
             <a:normAutofit/>
           </a:bodyPr>
           <a:lstStyle/>
           <a:p>
             <a:pPr lvl="0"/>
             <a:r>
-              <a:rPr lang="ja-JP" altLang="en-US" smtClean="0"/>
+              <a:rPr kumimoji="1" lang="ja-JP" altLang="en-US" smtClean="0"/>
               <a:t>マスター テキストの書式設定</a:t>
             </a:r>
           </a:p>
           <a:p>
             <a:pPr lvl="1"/>
             <a:r>
-              <a:rPr lang="ja-JP" altLang="en-US" smtClean="0"/>
+              <a:rPr kumimoji="1" lang="ja-JP" altLang="en-US" smtClean="0"/>
               <a:t>第 </a:t>
             </a:r>
             <a:r>
-              <a:rPr lang="en-US" altLang="ja-JP" smtClean="0"/>
+              <a:rPr kumimoji="1" lang="en-US" altLang="ja-JP" smtClean="0"/>
               <a:t>2 </a:t>
             </a:r>
             <a:r>
-              <a:rPr lang="ja-JP" altLang="en-US" smtClean="0"/>
+              <a:rPr kumimoji="1" lang="ja-JP" altLang="en-US" smtClean="0"/>
               <a:t>レベル</a:t>
             </a:r>
           </a:p>
           <a:p>
             <a:pPr lvl="2"/>
             <a:r>
-              <a:rPr lang="ja-JP" altLang="en-US" smtClean="0"/>
+              <a:rPr kumimoji="1" lang="ja-JP" altLang="en-US" smtClean="0"/>
               <a:t>第 </a:t>
             </a:r>
             <a:r>
-              <a:rPr lang="en-US" altLang="ja-JP" smtClean="0"/>
+              <a:rPr kumimoji="1" lang="en-US" altLang="ja-JP" smtClean="0"/>
               <a:t>3 </a:t>
             </a:r>
             <a:r>
-              <a:rPr lang="ja-JP" altLang="en-US" smtClean="0"/>
+              <a:rPr kumimoji="1" lang="ja-JP" altLang="en-US" smtClean="0"/>
               <a:t>レベル</a:t>
             </a:r>
           </a:p>
           <a:p>
             <a:pPr lvl="3"/>
             <a:r>
-              <a:rPr lang="ja-JP" altLang="en-US" smtClean="0"/>
+              <a:rPr kumimoji="1" lang="ja-JP" altLang="en-US" smtClean="0"/>
               <a:t>第 </a:t>
             </a:r>
             <a:r>
-              <a:rPr lang="en-US" altLang="ja-JP" smtClean="0"/>
+              <a:rPr kumimoji="1" lang="en-US" altLang="ja-JP" smtClean="0"/>
               <a:t>4 </a:t>
             </a:r>
             <a:r>
-              <a:rPr lang="ja-JP" altLang="en-US" smtClean="0"/>
+              <a:rPr kumimoji="1" lang="ja-JP" altLang="en-US" smtClean="0"/>
               <a:t>レベル</a:t>
             </a:r>
           </a:p>
           <a:p>
             <a:pPr lvl="4"/>
             <a:r>
-              <a:rPr lang="ja-JP" altLang="en-US" smtClean="0"/>
+              <a:rPr kumimoji="1" lang="ja-JP" altLang="en-US" smtClean="0"/>
               <a:t>第 </a:t>
             </a:r>
             <a:r>
-              <a:rPr lang="en-US" altLang="ja-JP" smtClean="0"/>
+              <a:rPr kumimoji="1" lang="en-US" altLang="ja-JP" smtClean="0"/>
               <a:t>5 </a:t>
             </a:r>
             <a:r>
-              <a:rPr lang="ja-JP" altLang="en-US" smtClean="0"/>
+              <a:rPr kumimoji="1" lang="ja-JP" altLang="en-US" smtClean="0"/>
               <a:t>レベル</a:t>
             </a:r>
-            <a:endParaRPr lang="en-US" dirty="0"/>
-          </a:p>
-        </p:txBody>
-      </p:sp>
-      <p:sp>
-        <p:nvSpPr>
-          <p:cNvPr id="4" name="Date Placeholder 3"/>
+            <a:endParaRPr kumimoji="1" lang="ja-JP" altLang="en-US"/>
+          </a:p>
+        </p:txBody>
+      </p:sp>
+      <p:sp>
+        <p:nvSpPr>
+          <p:cNvPr id="4" name="日付プレースホルダー 3"/>
           <p:cNvSpPr>
             <a:spLocks noGrp="1"/>
           </p:cNvSpPr>
@@ -3603,22 +3408,21 @@
         </p:nvSpPr>
         <p:spPr>
           <a:xfrm>
-            <a:off x="460408" y="28065058"/>
-            <a:ext cx="4812030" cy="1612128"/>
+            <a:off x="1069340" y="28065053"/>
+            <a:ext cx="4990253" cy="1612128"/>
           </a:xfrm>
           <a:prstGeom prst="rect">
             <a:avLst/>
           </a:prstGeom>
         </p:spPr>
         <p:txBody>
-          <a:bodyPr vert="horz" lIns="91440" tIns="45720" rIns="91440" bIns="45720" rtlCol="0" anchor="ctr"/>
+          <a:bodyPr vert="horz" lIns="295190" tIns="147597" rIns="295190" bIns="147597" rtlCol="0" anchor="ctr"/>
           <a:lstStyle>
             <a:lvl1pPr algn="l">
-              <a:defRPr sz="2339">
+              <a:defRPr sz="3900">
                 <a:solidFill>
                   <a:schemeClr val="tx1">
-                    <a:lumMod val="50000"/>
-                    <a:lumOff val="50000"/>
+                    <a:tint val="75000"/>
                   </a:schemeClr>
                 </a:solidFill>
               </a:defRPr>
@@ -3636,7 +3440,7 @@
       </p:sp>
       <p:sp>
         <p:nvSpPr>
-          <p:cNvPr id="5" name="Footer Placeholder 4"/>
+          <p:cNvPr id="5" name="フッター プレースホルダー 4"/>
           <p:cNvSpPr>
             <a:spLocks noGrp="1"/>
           </p:cNvSpPr>
@@ -3646,22 +3450,21 @@
         </p:nvSpPr>
         <p:spPr>
           <a:xfrm>
-            <a:off x="6787341" y="28065058"/>
-            <a:ext cx="10369787" cy="1612128"/>
+            <a:off x="7307157" y="28065053"/>
+            <a:ext cx="6772487" cy="1612128"/>
           </a:xfrm>
           <a:prstGeom prst="rect">
             <a:avLst/>
           </a:prstGeom>
         </p:spPr>
         <p:txBody>
-          <a:bodyPr vert="horz" lIns="91440" tIns="45720" rIns="91440" bIns="45720" rtlCol="0" anchor="ctr"/>
+          <a:bodyPr vert="horz" lIns="295190" tIns="147597" rIns="295190" bIns="147597" rtlCol="0" anchor="ctr"/>
           <a:lstStyle>
-            <a:lvl1pPr algn="l">
-              <a:defRPr sz="2339">
+            <a:lvl1pPr algn="ctr">
+              <a:defRPr sz="3900">
                 <a:solidFill>
                   <a:schemeClr val="tx1">
-                    <a:lumMod val="50000"/>
-                    <a:lumOff val="50000"/>
+                    <a:tint val="75000"/>
                   </a:schemeClr>
                 </a:solidFill>
               </a:defRPr>
@@ -3674,7 +3477,7 @@
       </p:sp>
       <p:sp>
         <p:nvSpPr>
-          <p:cNvPr id="6" name="Slide Number Placeholder 5"/>
+          <p:cNvPr id="6" name="スライド番号プレースホルダー 5"/>
           <p:cNvSpPr>
             <a:spLocks noGrp="1"/>
           </p:cNvSpPr>
@@ -3684,20 +3487,22 @@
         </p:nvSpPr>
         <p:spPr>
           <a:xfrm>
-            <a:off x="18654048" y="28065058"/>
-            <a:ext cx="2685501" cy="1612128"/>
+            <a:off x="15327207" y="28065053"/>
+            <a:ext cx="4990253" cy="1612128"/>
           </a:xfrm>
           <a:prstGeom prst="rect">
             <a:avLst/>
           </a:prstGeom>
         </p:spPr>
         <p:txBody>
-          <a:bodyPr vert="horz" lIns="91440" tIns="45720" rIns="91440" bIns="45720" rtlCol="0" anchor="ctr"/>
+          <a:bodyPr vert="horz" lIns="295190" tIns="147597" rIns="295190" bIns="147597" rtlCol="0" anchor="ctr"/>
           <a:lstStyle>
             <a:lvl1pPr algn="r">
-              <a:defRPr sz="2573" b="1">
+              <a:defRPr sz="3900">
                 <a:solidFill>
-                  <a:schemeClr val="accent1"/>
+                  <a:schemeClr val="tx1">
+                    <a:tint val="75000"/>
+                  </a:schemeClr>
                 </a:solidFill>
               </a:defRPr>
             </a:lvl1pPr>
@@ -3715,37 +3520,34 @@
     </p:spTree>
     <p:extLst>
       <p:ext uri="{BB962C8B-B14F-4D97-AF65-F5344CB8AC3E}">
-        <p14:creationId xmlns:p14="http://schemas.microsoft.com/office/powerpoint/2010/main" val="1647702832"/>
+        <p14:creationId xmlns:p14="http://schemas.microsoft.com/office/powerpoint/2010/main" val="1263124247"/>
       </p:ext>
     </p:extLst>
   </p:cSld>
   <p:clrMap bg1="lt1" tx1="dk1" bg2="lt2" tx2="dk2" accent1="accent1" accent2="accent2" accent3="accent3" accent4="accent4" accent5="accent5" accent6="accent6" hlink="hlink" folHlink="folHlink"/>
   <p:sldLayoutIdLst>
-    <p:sldLayoutId id="2147484305" r:id="rId1"/>
-    <p:sldLayoutId id="2147484306" r:id="rId2"/>
-    <p:sldLayoutId id="2147484307" r:id="rId3"/>
-    <p:sldLayoutId id="2147484308" r:id="rId4"/>
-    <p:sldLayoutId id="2147484309" r:id="rId5"/>
-    <p:sldLayoutId id="2147484310" r:id="rId6"/>
-    <p:sldLayoutId id="2147484311" r:id="rId7"/>
-    <p:sldLayoutId id="2147484312" r:id="rId8"/>
-    <p:sldLayoutId id="2147484313" r:id="rId9"/>
-    <p:sldLayoutId id="2147484314" r:id="rId10"/>
-    <p:sldLayoutId id="2147484315" r:id="rId11"/>
+    <p:sldLayoutId id="2147484341" r:id="rId1"/>
+    <p:sldLayoutId id="2147484342" r:id="rId2"/>
+    <p:sldLayoutId id="2147484343" r:id="rId3"/>
+    <p:sldLayoutId id="2147484344" r:id="rId4"/>
+    <p:sldLayoutId id="2147484345" r:id="rId5"/>
+    <p:sldLayoutId id="2147484346" r:id="rId6"/>
+    <p:sldLayoutId id="2147484347" r:id="rId7"/>
+    <p:sldLayoutId id="2147484348" r:id="rId8"/>
+    <p:sldLayoutId id="2147484349" r:id="rId9"/>
+    <p:sldLayoutId id="2147484350" r:id="rId10"/>
+    <p:sldLayoutId id="2147484351" r:id="rId11"/>
   </p:sldLayoutIdLst>
   <p:txStyles>
     <p:titleStyle>
-      <a:lvl1pPr algn="l" defTabSz="2138690" rtl="0" eaLnBrk="1" latinLnBrk="0" hangingPunct="1">
-        <a:lnSpc>
-          <a:spcPct val="90000"/>
-        </a:lnSpc>
+      <a:lvl1pPr algn="ctr" defTabSz="2951897" rtl="0" eaLnBrk="1" latinLnBrk="0" hangingPunct="1">
         <a:spcBef>
           <a:spcPct val="0"/>
         </a:spcBef>
         <a:buNone/>
-        <a:defRPr kumimoji="1" sz="7017" kern="1200" spc="-140" baseline="0">
+        <a:defRPr kumimoji="1" sz="14200" kern="1200">
           <a:solidFill>
-            <a:srgbClr val="FFFFFF"/>
+            <a:schemeClr val="tx1"/>
           </a:solidFill>
           <a:latin typeface="+mj-lt"/>
           <a:ea typeface="+mj-ea"/>
@@ -3754,240 +3556,135 @@
       </a:lvl1pPr>
     </p:titleStyle>
     <p:bodyStyle>
-      <a:lvl1pPr marL="427738" indent="-427738" algn="l" defTabSz="2138690" rtl="0" eaLnBrk="1" latinLnBrk="0" hangingPunct="1">
-        <a:lnSpc>
-          <a:spcPct val="90000"/>
-        </a:lnSpc>
+      <a:lvl1pPr marL="1106963" indent="-1106963" algn="l" defTabSz="2951897" rtl="0" eaLnBrk="1" latinLnBrk="0" hangingPunct="1">
         <a:spcBef>
-          <a:spcPts val="2807"/>
+          <a:spcPct val="20000"/>
         </a:spcBef>
-        <a:buClr>
-          <a:schemeClr val="accent1"/>
-        </a:buClr>
-        <a:buFont typeface="Wingdings 2" pitchFamily="18" charset="2"/>
-        <a:buChar char=""/>
-        <a:defRPr kumimoji="1" sz="4444" kern="1200">
+        <a:buFont typeface="Arial" panose="020B0604020202020204" pitchFamily="34" charset="0"/>
+        <a:buChar char="•"/>
+        <a:defRPr kumimoji="1" sz="10300" kern="1200">
           <a:solidFill>
-            <a:schemeClr val="tx1">
-              <a:lumMod val="65000"/>
-              <a:lumOff val="35000"/>
-            </a:schemeClr>
+            <a:schemeClr val="tx1"/>
           </a:solidFill>
           <a:latin typeface="+mn-lt"/>
           <a:ea typeface="+mn-ea"/>
           <a:cs typeface="+mn-cs"/>
         </a:defRPr>
       </a:lvl1pPr>
-      <a:lvl2pPr marL="1604018" indent="-427738" algn="l" defTabSz="2138690" rtl="0" eaLnBrk="1" latinLnBrk="0" hangingPunct="1">
-        <a:lnSpc>
-          <a:spcPct val="90000"/>
-        </a:lnSpc>
+      <a:lvl2pPr marL="2398420" indent="-922469" algn="l" defTabSz="2951897" rtl="0" eaLnBrk="1" latinLnBrk="0" hangingPunct="1">
         <a:spcBef>
-          <a:spcPts val="585"/>
+          <a:spcPct val="20000"/>
         </a:spcBef>
-        <a:spcAft>
-          <a:spcPts val="585"/>
-        </a:spcAft>
-        <a:buClr>
-          <a:schemeClr val="accent1"/>
-        </a:buClr>
-        <a:buFont typeface="Wingdings 2" pitchFamily="18" charset="2"/>
-        <a:buChar char=""/>
-        <a:defRPr kumimoji="1" sz="3976" kern="1200">
+        <a:buFont typeface="Arial" panose="020B0604020202020204" pitchFamily="34" charset="0"/>
+        <a:buChar char="–"/>
+        <a:defRPr kumimoji="1" sz="9000" kern="1200">
           <a:solidFill>
-            <a:schemeClr val="tx1">
-              <a:lumMod val="65000"/>
-              <a:lumOff val="35000"/>
-            </a:schemeClr>
+            <a:schemeClr val="tx1"/>
           </a:solidFill>
           <a:latin typeface="+mn-lt"/>
           <a:ea typeface="+mn-ea"/>
           <a:cs typeface="+mn-cs"/>
         </a:defRPr>
       </a:lvl2pPr>
-      <a:lvl3pPr marL="2673363" indent="-427738" algn="l" defTabSz="2138690" rtl="0" eaLnBrk="1" latinLnBrk="0" hangingPunct="1">
-        <a:lnSpc>
-          <a:spcPct val="90000"/>
-        </a:lnSpc>
+      <a:lvl3pPr marL="3689875" indent="-737978" algn="l" defTabSz="2951897" rtl="0" eaLnBrk="1" latinLnBrk="0" hangingPunct="1">
         <a:spcBef>
-          <a:spcPts val="585"/>
+          <a:spcPct val="20000"/>
         </a:spcBef>
-        <a:spcAft>
-          <a:spcPts val="585"/>
-        </a:spcAft>
-        <a:buClr>
-          <a:schemeClr val="accent1"/>
-        </a:buClr>
-        <a:buFont typeface="Wingdings 2" pitchFamily="18" charset="2"/>
-        <a:buChar char=""/>
-        <a:defRPr kumimoji="1" sz="3508" kern="1200">
+        <a:buFont typeface="Arial" panose="020B0604020202020204" pitchFamily="34" charset="0"/>
+        <a:buChar char="•"/>
+        <a:defRPr kumimoji="1" sz="7700" kern="1200">
           <a:solidFill>
-            <a:schemeClr val="tx1">
-              <a:lumMod val="65000"/>
-              <a:lumOff val="35000"/>
-            </a:schemeClr>
+            <a:schemeClr val="tx1"/>
           </a:solidFill>
           <a:latin typeface="+mn-lt"/>
           <a:ea typeface="+mn-ea"/>
           <a:cs typeface="+mn-cs"/>
         </a:defRPr>
       </a:lvl3pPr>
-      <a:lvl4pPr marL="3742708" indent="-427738" algn="l" defTabSz="2138690" rtl="0" eaLnBrk="1" latinLnBrk="0" hangingPunct="1">
-        <a:lnSpc>
-          <a:spcPct val="90000"/>
-        </a:lnSpc>
+      <a:lvl4pPr marL="5165823" indent="-737978" algn="l" defTabSz="2951897" rtl="0" eaLnBrk="1" latinLnBrk="0" hangingPunct="1">
         <a:spcBef>
-          <a:spcPts val="585"/>
+          <a:spcPct val="20000"/>
         </a:spcBef>
-        <a:spcAft>
-          <a:spcPts val="585"/>
-        </a:spcAft>
-        <a:buClr>
-          <a:schemeClr val="accent1"/>
-        </a:buClr>
-        <a:buFont typeface="Wingdings 2" pitchFamily="18" charset="2"/>
-        <a:buChar char=""/>
-        <a:defRPr kumimoji="1" sz="3041" kern="1200">
+        <a:buFont typeface="Arial" panose="020B0604020202020204" pitchFamily="34" charset="0"/>
+        <a:buChar char="–"/>
+        <a:defRPr kumimoji="1" sz="6500" kern="1200">
           <a:solidFill>
-            <a:schemeClr val="tx1">
-              <a:lumMod val="65000"/>
-              <a:lumOff val="35000"/>
-            </a:schemeClr>
+            <a:schemeClr val="tx1"/>
           </a:solidFill>
           <a:latin typeface="+mn-lt"/>
           <a:ea typeface="+mn-ea"/>
           <a:cs typeface="+mn-cs"/>
         </a:defRPr>
       </a:lvl4pPr>
-      <a:lvl5pPr marL="4812053" indent="-427738" algn="l" defTabSz="2138690" rtl="0" eaLnBrk="1" latinLnBrk="0" hangingPunct="1">
-        <a:lnSpc>
-          <a:spcPct val="90000"/>
-        </a:lnSpc>
+      <a:lvl5pPr marL="6641778" indent="-737978" algn="l" defTabSz="2951897" rtl="0" eaLnBrk="1" latinLnBrk="0" hangingPunct="1">
         <a:spcBef>
-          <a:spcPts val="585"/>
+          <a:spcPct val="20000"/>
         </a:spcBef>
-        <a:spcAft>
-          <a:spcPts val="585"/>
-        </a:spcAft>
-        <a:buClr>
-          <a:schemeClr val="accent1"/>
-        </a:buClr>
-        <a:buFont typeface="Wingdings 2" pitchFamily="18" charset="2"/>
-        <a:buChar char=""/>
-        <a:defRPr kumimoji="1" sz="3041" kern="1200">
+        <a:buFont typeface="Arial" panose="020B0604020202020204" pitchFamily="34" charset="0"/>
+        <a:buChar char="»"/>
+        <a:defRPr kumimoji="1" sz="6500" kern="1200">
           <a:solidFill>
-            <a:schemeClr val="tx1">
-              <a:lumMod val="65000"/>
-              <a:lumOff val="35000"/>
-            </a:schemeClr>
+            <a:schemeClr val="tx1"/>
           </a:solidFill>
           <a:latin typeface="+mn-lt"/>
           <a:ea typeface="+mn-ea"/>
           <a:cs typeface="+mn-cs"/>
         </a:defRPr>
       </a:lvl5pPr>
-      <a:lvl6pPr marL="5881398" indent="-534673" algn="l" defTabSz="2138690" rtl="0" eaLnBrk="1" latinLnBrk="0" hangingPunct="1">
-        <a:lnSpc>
-          <a:spcPct val="90000"/>
-        </a:lnSpc>
+      <a:lvl6pPr marL="8117727" indent="-737978" algn="l" defTabSz="2951897" rtl="0" eaLnBrk="1" latinLnBrk="0" hangingPunct="1">
         <a:spcBef>
-          <a:spcPts val="585"/>
+          <a:spcPct val="20000"/>
         </a:spcBef>
-        <a:spcAft>
-          <a:spcPts val="585"/>
-        </a:spcAft>
-        <a:buClr>
-          <a:schemeClr val="accent1"/>
-        </a:buClr>
-        <a:buFont typeface="Wingdings 2" pitchFamily="18" charset="2"/>
-        <a:buChar char=""/>
-        <a:defRPr kumimoji="1" sz="3041" kern="1200">
+        <a:buFont typeface="Arial" panose="020B0604020202020204" pitchFamily="34" charset="0"/>
+        <a:buChar char="•"/>
+        <a:defRPr kumimoji="1" sz="6500" kern="1200">
           <a:solidFill>
-            <a:schemeClr val="tx1">
-              <a:lumMod val="65000"/>
-              <a:lumOff val="35000"/>
-            </a:schemeClr>
+            <a:schemeClr val="tx1"/>
           </a:solidFill>
           <a:latin typeface="+mn-lt"/>
           <a:ea typeface="+mn-ea"/>
           <a:cs typeface="+mn-cs"/>
         </a:defRPr>
       </a:lvl6pPr>
-      <a:lvl7pPr marL="6950743" indent="-534673" algn="l" defTabSz="2138690" rtl="0" eaLnBrk="1" latinLnBrk="0" hangingPunct="1">
-        <a:lnSpc>
-          <a:spcPct val="90000"/>
-        </a:lnSpc>
+      <a:lvl7pPr marL="9593675" indent="-737978" algn="l" defTabSz="2951897" rtl="0" eaLnBrk="1" latinLnBrk="0" hangingPunct="1">
         <a:spcBef>
-          <a:spcPts val="585"/>
+          <a:spcPct val="20000"/>
         </a:spcBef>
-        <a:spcAft>
-          <a:spcPts val="585"/>
-        </a:spcAft>
-        <a:buClr>
-          <a:schemeClr val="accent1"/>
-        </a:buClr>
-        <a:buFont typeface="Wingdings 2" pitchFamily="18" charset="2"/>
-        <a:buChar char=""/>
-        <a:defRPr kumimoji="1" sz="3041" kern="1200">
+        <a:buFont typeface="Arial" panose="020B0604020202020204" pitchFamily="34" charset="0"/>
+        <a:buChar char="•"/>
+        <a:defRPr kumimoji="1" sz="6500" kern="1200">
           <a:solidFill>
-            <a:schemeClr val="tx1">
-              <a:lumMod val="65000"/>
-              <a:lumOff val="35000"/>
-            </a:schemeClr>
+            <a:schemeClr val="tx1"/>
           </a:solidFill>
           <a:latin typeface="+mn-lt"/>
           <a:ea typeface="+mn-ea"/>
           <a:cs typeface="+mn-cs"/>
         </a:defRPr>
       </a:lvl7pPr>
-      <a:lvl8pPr marL="8020088" indent="-534673" algn="l" defTabSz="2138690" rtl="0" eaLnBrk="1" latinLnBrk="0" hangingPunct="1">
-        <a:lnSpc>
-          <a:spcPct val="90000"/>
-        </a:lnSpc>
+      <a:lvl8pPr marL="11069624" indent="-737978" algn="l" defTabSz="2951897" rtl="0" eaLnBrk="1" latinLnBrk="0" hangingPunct="1">
         <a:spcBef>
-          <a:spcPts val="585"/>
+          <a:spcPct val="20000"/>
         </a:spcBef>
-        <a:spcAft>
-          <a:spcPts val="585"/>
-        </a:spcAft>
-        <a:buClr>
-          <a:schemeClr val="accent1"/>
-        </a:buClr>
-        <a:buFont typeface="Wingdings 2" pitchFamily="18" charset="2"/>
-        <a:buChar char=""/>
-        <a:defRPr kumimoji="1" sz="3041" kern="1200">
+        <a:buFont typeface="Arial" panose="020B0604020202020204" pitchFamily="34" charset="0"/>
+        <a:buChar char="•"/>
+        <a:defRPr kumimoji="1" sz="6500" kern="1200">
           <a:solidFill>
-            <a:schemeClr val="tx1">
-              <a:lumMod val="65000"/>
-              <a:lumOff val="35000"/>
-            </a:schemeClr>
+            <a:schemeClr val="tx1"/>
           </a:solidFill>
           <a:latin typeface="+mn-lt"/>
           <a:ea typeface="+mn-ea"/>
           <a:cs typeface="+mn-cs"/>
         </a:defRPr>
       </a:lvl8pPr>
-      <a:lvl9pPr marL="9089433" indent="-534673" algn="l" defTabSz="2138690" rtl="0" eaLnBrk="1" latinLnBrk="0" hangingPunct="1">
-        <a:lnSpc>
-          <a:spcPct val="90000"/>
-        </a:lnSpc>
+      <a:lvl9pPr marL="12545579" indent="-737978" algn="l" defTabSz="2951897" rtl="0" eaLnBrk="1" latinLnBrk="0" hangingPunct="1">
         <a:spcBef>
-          <a:spcPts val="585"/>
+          <a:spcPct val="20000"/>
         </a:spcBef>
-        <a:spcAft>
-          <a:spcPts val="585"/>
-        </a:spcAft>
-        <a:buClr>
-          <a:schemeClr val="accent1"/>
-        </a:buClr>
-        <a:buFont typeface="Wingdings 2" pitchFamily="18" charset="2"/>
-        <a:buChar char=""/>
-        <a:defRPr kumimoji="1" sz="3041" kern="1200">
+        <a:buFont typeface="Arial" panose="020B0604020202020204" pitchFamily="34" charset="0"/>
+        <a:buChar char="•"/>
+        <a:defRPr kumimoji="1" sz="6500" kern="1200">
           <a:solidFill>
-            <a:schemeClr val="tx1">
-              <a:lumMod val="65000"/>
-              <a:lumOff val="35000"/>
-            </a:schemeClr>
+            <a:schemeClr val="tx1"/>
           </a:solidFill>
           <a:latin typeface="+mn-lt"/>
           <a:ea typeface="+mn-ea"/>
@@ -3997,10 +3694,10 @@
     </p:bodyStyle>
     <p:otherStyle>
       <a:defPPr>
-        <a:defRPr lang="en-US"/>
+        <a:defRPr lang="ja-JP"/>
       </a:defPPr>
-      <a:lvl1pPr marL="0" algn="l" defTabSz="2138690" rtl="0" eaLnBrk="1" latinLnBrk="0" hangingPunct="1">
-        <a:defRPr kumimoji="1" sz="4210" kern="1200">
+      <a:lvl1pPr marL="0" algn="l" defTabSz="2951897" rtl="0" eaLnBrk="1" latinLnBrk="0" hangingPunct="1">
+        <a:defRPr kumimoji="1" sz="5800" kern="1200">
           <a:solidFill>
             <a:schemeClr val="tx1"/>
           </a:solidFill>
@@ -4009,8 +3706,8 @@
           <a:cs typeface="+mn-cs"/>
         </a:defRPr>
       </a:lvl1pPr>
-      <a:lvl2pPr marL="1069345" algn="l" defTabSz="2138690" rtl="0" eaLnBrk="1" latinLnBrk="0" hangingPunct="1">
-        <a:defRPr kumimoji="1" sz="4210" kern="1200">
+      <a:lvl2pPr marL="1475949" algn="l" defTabSz="2951897" rtl="0" eaLnBrk="1" latinLnBrk="0" hangingPunct="1">
+        <a:defRPr kumimoji="1" sz="5800" kern="1200">
           <a:solidFill>
             <a:schemeClr val="tx1"/>
           </a:solidFill>
@@ -4019,8 +3716,8 @@
           <a:cs typeface="+mn-cs"/>
         </a:defRPr>
       </a:lvl2pPr>
-      <a:lvl3pPr marL="2138690" algn="l" defTabSz="2138690" rtl="0" eaLnBrk="1" latinLnBrk="0" hangingPunct="1">
-        <a:defRPr kumimoji="1" sz="4210" kern="1200">
+      <a:lvl3pPr marL="2951897" algn="l" defTabSz="2951897" rtl="0" eaLnBrk="1" latinLnBrk="0" hangingPunct="1">
+        <a:defRPr kumimoji="1" sz="5800" kern="1200">
           <a:solidFill>
             <a:schemeClr val="tx1"/>
           </a:solidFill>
@@ -4029,8 +3726,8 @@
           <a:cs typeface="+mn-cs"/>
         </a:defRPr>
       </a:lvl3pPr>
-      <a:lvl4pPr marL="3208035" algn="l" defTabSz="2138690" rtl="0" eaLnBrk="1" latinLnBrk="0" hangingPunct="1">
-        <a:defRPr kumimoji="1" sz="4210" kern="1200">
+      <a:lvl4pPr marL="4427852" algn="l" defTabSz="2951897" rtl="0" eaLnBrk="1" latinLnBrk="0" hangingPunct="1">
+        <a:defRPr kumimoji="1" sz="5800" kern="1200">
           <a:solidFill>
             <a:schemeClr val="tx1"/>
           </a:solidFill>
@@ -4039,8 +3736,8 @@
           <a:cs typeface="+mn-cs"/>
         </a:defRPr>
       </a:lvl4pPr>
-      <a:lvl5pPr marL="4277380" algn="l" defTabSz="2138690" rtl="0" eaLnBrk="1" latinLnBrk="0" hangingPunct="1">
-        <a:defRPr kumimoji="1" sz="4210" kern="1200">
+      <a:lvl5pPr marL="5903801" algn="l" defTabSz="2951897" rtl="0" eaLnBrk="1" latinLnBrk="0" hangingPunct="1">
+        <a:defRPr kumimoji="1" sz="5800" kern="1200">
           <a:solidFill>
             <a:schemeClr val="tx1"/>
           </a:solidFill>
@@ -4049,8 +3746,8 @@
           <a:cs typeface="+mn-cs"/>
         </a:defRPr>
       </a:lvl5pPr>
-      <a:lvl6pPr marL="5346725" algn="l" defTabSz="2138690" rtl="0" eaLnBrk="1" latinLnBrk="0" hangingPunct="1">
-        <a:defRPr kumimoji="1" sz="4210" kern="1200">
+      <a:lvl6pPr marL="7379749" algn="l" defTabSz="2951897" rtl="0" eaLnBrk="1" latinLnBrk="0" hangingPunct="1">
+        <a:defRPr kumimoji="1" sz="5800" kern="1200">
           <a:solidFill>
             <a:schemeClr val="tx1"/>
           </a:solidFill>
@@ -4059,8 +3756,8 @@
           <a:cs typeface="+mn-cs"/>
         </a:defRPr>
       </a:lvl6pPr>
-      <a:lvl7pPr marL="6416070" algn="l" defTabSz="2138690" rtl="0" eaLnBrk="1" latinLnBrk="0" hangingPunct="1">
-        <a:defRPr kumimoji="1" sz="4210" kern="1200">
+      <a:lvl7pPr marL="8855704" algn="l" defTabSz="2951897" rtl="0" eaLnBrk="1" latinLnBrk="0" hangingPunct="1">
+        <a:defRPr kumimoji="1" sz="5800" kern="1200">
           <a:solidFill>
             <a:schemeClr val="tx1"/>
           </a:solidFill>
@@ -4069,8 +3766,8 @@
           <a:cs typeface="+mn-cs"/>
         </a:defRPr>
       </a:lvl7pPr>
-      <a:lvl8pPr marL="7485416" algn="l" defTabSz="2138690" rtl="0" eaLnBrk="1" latinLnBrk="0" hangingPunct="1">
-        <a:defRPr kumimoji="1" sz="4210" kern="1200">
+      <a:lvl8pPr marL="10331653" algn="l" defTabSz="2951897" rtl="0" eaLnBrk="1" latinLnBrk="0" hangingPunct="1">
+        <a:defRPr kumimoji="1" sz="5800" kern="1200">
           <a:solidFill>
             <a:schemeClr val="tx1"/>
           </a:solidFill>
@@ -4079,8 +3776,8 @@
           <a:cs typeface="+mn-cs"/>
         </a:defRPr>
       </a:lvl8pPr>
-      <a:lvl9pPr marL="8554761" algn="l" defTabSz="2138690" rtl="0" eaLnBrk="1" latinLnBrk="0" hangingPunct="1">
-        <a:defRPr kumimoji="1" sz="4210" kern="1200">
+      <a:lvl9pPr marL="11807601" algn="l" defTabSz="2951897" rtl="0" eaLnBrk="1" latinLnBrk="0" hangingPunct="1">
+        <a:defRPr kumimoji="1" sz="5800" kern="1200">
           <a:solidFill>
             <a:schemeClr val="tx1"/>
           </a:solidFill>
@@ -4181,14 +3878,10 @@
           <a:prstGeom prst="roundRect">
             <a:avLst/>
           </a:prstGeom>
-          <a:solidFill>
-            <a:schemeClr val="accent1">
-              <a:lumMod val="75000"/>
-            </a:schemeClr>
-          </a:solidFill>
+          <a:noFill/>
           <a:ln w="25400">
             <a:solidFill>
-              <a:schemeClr val="bg1"/>
+              <a:schemeClr val="tx2"/>
             </a:solidFill>
           </a:ln>
         </p:spPr>
@@ -4211,9 +3904,17 @@
           <a:lstStyle/>
           <a:p>
             <a:pPr algn="ctr"/>
-            <a:endParaRPr lang="ja-JP" altLang="en-US">
+            <a:r>
+              <a:rPr lang="ja-JP" altLang="en-US" b="1" dirty="0">
+                <a:solidFill>
+                  <a:schemeClr val="tx1"/>
+                </a:solidFill>
+              </a:rPr>
+              <a:t>研究背景</a:t>
+            </a:r>
+            <a:endParaRPr lang="ja-JP" altLang="en-US" b="1" dirty="0">
               <a:solidFill>
-                <a:prstClr val="black"/>
+                <a:schemeClr val="tx1"/>
               </a:solidFill>
             </a:endParaRPr>
           </a:p>
@@ -4356,7 +4057,7 @@
           <p:nvPr>
             <p:extLst>
               <p:ext uri="{D42A27DB-BD31-4B8C-83A1-F6EECF244321}">
-                <p14:modId xmlns:p14="http://schemas.microsoft.com/office/powerpoint/2010/main" val="2994381844"/>
+                <p14:modId xmlns:p14="http://schemas.microsoft.com/office/powerpoint/2010/main" val="3057072860"/>
               </p:ext>
             </p:extLst>
           </p:nvPr>
@@ -4369,7 +4070,7 @@
           <a:graphicData uri="http://schemas.openxmlformats.org/drawingml/2006/table">
             <a:tbl>
               <a:tblPr firstRow="1">
-                <a:tableStyleId>{85BE263C-DBD7-4A20-BB59-AAB30ACAA65A}</a:tableStyleId>
+                <a:tableStyleId>{6E25E649-3F16-4E02-A733-19D2CDBF48F0}</a:tableStyleId>
               </a:tblPr>
               <a:tblGrid>
                 <a:gridCol w="4567849"/>
@@ -4388,13 +4089,8 @@
                         </a:spcAft>
                       </a:pPr>
                       <a:r>
-                        <a:rPr lang="ja-JP" sz="4800" b="1" kern="100" dirty="0">
-                          <a:solidFill>
-                            <a:schemeClr val="bg1"/>
-                          </a:solidFill>
+                        <a:rPr lang="ja-JP" sz="4800" kern="100" dirty="0">
                           <a:effectLst/>
-                          <a:latin typeface="+mn-ea"/>
-                          <a:ea typeface="+mn-ea"/>
                         </a:rPr>
                         <a:t>商品のレビュー</a:t>
                       </a:r>
@@ -4409,11 +4105,7 @@
                       </a:endParaRPr>
                     </a:p>
                   </a:txBody>
-                  <a:tcPr marL="68580" marR="68580" marT="0" marB="0">
-                    <a:solidFill>
-                      <a:schemeClr val="accent2"/>
-                    </a:solidFill>
-                  </a:tcPr>
+                  <a:tcPr marL="68580" marR="68580" marT="0" marB="0"/>
                 </a:tc>
                 <a:tc gridSpan="2">
                   <a:txBody>
@@ -4426,13 +4118,8 @@
                         </a:spcAft>
                       </a:pPr>
                       <a:r>
-                        <a:rPr lang="ja-JP" sz="4800" b="1" kern="100" dirty="0">
-                          <a:solidFill>
-                            <a:schemeClr val="bg1"/>
-                          </a:solidFill>
+                        <a:rPr lang="ja-JP" sz="4800" kern="100" dirty="0">
                           <a:effectLst/>
-                          <a:latin typeface="+mn-ea"/>
-                          <a:ea typeface="+mn-ea"/>
                         </a:rPr>
                         <a:t> </a:t>
                       </a:r>
@@ -4447,11 +4134,7 @@
                       </a:endParaRPr>
                     </a:p>
                   </a:txBody>
-                  <a:tcPr marL="0" marR="0" marT="0" marB="0" anchor="ctr">
-                    <a:solidFill>
-                      <a:schemeClr val="accent2"/>
-                    </a:solidFill>
-                  </a:tcPr>
+                  <a:tcPr marL="0" marR="0" marT="0" marB="0" anchor="ctr"/>
                 </a:tc>
                 <a:tc hMerge="1">
                   <a:txBody>
@@ -4476,13 +4159,8 @@
                         </a:spcAft>
                       </a:pPr>
                       <a:r>
-                        <a:rPr lang="ja-JP" sz="4000" b="1" kern="100" dirty="0">
-                          <a:solidFill>
-                            <a:schemeClr val="bg1"/>
-                          </a:solidFill>
+                        <a:rPr lang="ja-JP" sz="4000" kern="100" dirty="0">
                           <a:effectLst/>
-                          <a:latin typeface="+mn-ea"/>
-                          <a:ea typeface="+mn-ea"/>
                         </a:rPr>
                         <a:t>評価</a:t>
                       </a:r>
@@ -4497,11 +4175,7 @@
                       </a:endParaRPr>
                     </a:p>
                   </a:txBody>
-                  <a:tcPr marL="68580" marR="68580" marT="0" marB="0">
-                    <a:solidFill>
-                      <a:schemeClr val="accent2"/>
-                    </a:solidFill>
-                  </a:tcPr>
+                  <a:tcPr marL="68580" marR="68580" marT="0" marB="0"/>
                 </a:tc>
                 <a:tc>
                   <a:txBody>
@@ -4514,13 +4188,8 @@
                         </a:spcAft>
                       </a:pPr>
                       <a:r>
-                        <a:rPr lang="ja-JP" sz="4000" b="1" kern="100" dirty="0">
-                          <a:solidFill>
-                            <a:schemeClr val="bg1"/>
-                          </a:solidFill>
+                        <a:rPr lang="ja-JP" sz="4000" kern="100" dirty="0">
                           <a:effectLst/>
-                          <a:latin typeface="+mn-ea"/>
-                          <a:ea typeface="+mn-ea"/>
                         </a:rPr>
                         <a:t>コメント</a:t>
                       </a:r>
@@ -4535,11 +4204,7 @@
                       </a:endParaRPr>
                     </a:p>
                   </a:txBody>
-                  <a:tcPr marL="68580" marR="68580" marT="0" marB="0">
-                    <a:solidFill>
-                      <a:schemeClr val="accent2"/>
-                    </a:solidFill>
-                  </a:tcPr>
+                  <a:tcPr marL="68580" marR="68580" marT="0" marB="0"/>
                 </a:tc>
                 <a:tc>
                   <a:txBody>
@@ -4552,13 +4217,8 @@
                         </a:spcAft>
                       </a:pPr>
                       <a:r>
-                        <a:rPr lang="ja-JP" sz="4000" b="1" kern="100" dirty="0">
-                          <a:solidFill>
-                            <a:schemeClr val="bg1"/>
-                          </a:solidFill>
+                        <a:rPr lang="ja-JP" sz="4000" kern="100" dirty="0">
                           <a:effectLst/>
-                          <a:latin typeface="+mn-ea"/>
-                          <a:ea typeface="+mn-ea"/>
                         </a:rPr>
                         <a:t>このレビューは参考になりましたか？</a:t>
                       </a:r>
@@ -4573,11 +4233,7 @@
                       </a:endParaRPr>
                     </a:p>
                   </a:txBody>
-                  <a:tcPr marL="68580" marR="68580" marT="0" marB="0">
-                    <a:solidFill>
-                      <a:schemeClr val="accent2"/>
-                    </a:solidFill>
-                  </a:tcPr>
+                  <a:tcPr marL="68580" marR="68580" marT="0" marB="0"/>
                 </a:tc>
               </a:tr>
               <a:tr h="594476">
@@ -4593,12 +4249,7 @@
                       </a:pPr>
                       <a:r>
                         <a:rPr lang="ja-JP" sz="4000" kern="100" baseline="0" dirty="0">
-                          <a:solidFill>
-                            <a:schemeClr val="accent6"/>
-                          </a:solidFill>
                           <a:effectLst/>
-                          <a:latin typeface="+mn-ea"/>
-                          <a:ea typeface="+mn-ea"/>
                         </a:rPr>
                         <a:t>★★★★★</a:t>
                       </a:r>
@@ -4628,8 +4279,6 @@
                       <a:r>
                         <a:rPr lang="ja-JP" sz="4000" kern="100">
                           <a:effectLst/>
-                          <a:latin typeface="+mn-ea"/>
-                          <a:ea typeface="+mn-ea"/>
                         </a:rPr>
                         <a:t>おもしろい</a:t>
                       </a:r>
@@ -4656,32 +4305,24 @@
                       <a:r>
                         <a:rPr lang="en-US" sz="4000" kern="100" dirty="0">
                           <a:effectLst/>
-                          <a:latin typeface="+mn-ea"/>
-                          <a:ea typeface="+mn-ea"/>
                         </a:rPr>
                         <a:t>100</a:t>
                       </a:r>
                       <a:r>
                         <a:rPr lang="ja-JP" sz="4000" kern="100" dirty="0">
                           <a:effectLst/>
-                          <a:latin typeface="+mn-ea"/>
-                          <a:ea typeface="+mn-ea"/>
                         </a:rPr>
                         <a:t>人中</a:t>
                       </a:r>
                       <a:r>
                         <a:rPr lang="en-US" sz="4000" kern="100" dirty="0">
                           <a:effectLst/>
-                          <a:latin typeface="+mn-ea"/>
-                          <a:ea typeface="+mn-ea"/>
                         </a:rPr>
                         <a:t>89</a:t>
                       </a:r>
                       <a:r>
                         <a:rPr lang="ja-JP" sz="4000" kern="100" dirty="0">
                           <a:effectLst/>
-                          <a:latin typeface="+mn-ea"/>
-                          <a:ea typeface="+mn-ea"/>
                         </a:rPr>
                         <a:t>人が参考になった</a:t>
                       </a:r>
@@ -4709,12 +4350,7 @@
                       </a:pPr>
                       <a:r>
                         <a:rPr lang="ja-JP" sz="4000" kern="100" baseline="0" dirty="0">
-                          <a:solidFill>
-                            <a:schemeClr val="accent6"/>
-                          </a:solidFill>
                           <a:effectLst/>
-                          <a:latin typeface="+mn-ea"/>
-                          <a:ea typeface="+mn-ea"/>
                         </a:rPr>
                         <a:t>★☆☆☆☆</a:t>
                       </a:r>
@@ -4744,8 +4380,6 @@
                       <a:r>
                         <a:rPr lang="ja-JP" sz="4000" kern="100" dirty="0">
                           <a:effectLst/>
-                          <a:latin typeface="+mn-ea"/>
-                          <a:ea typeface="+mn-ea"/>
                         </a:rPr>
                         <a:t>つまらない</a:t>
                       </a:r>
@@ -4772,48 +4406,36 @@
                       <a:r>
                         <a:rPr lang="en-US" sz="4000" kern="100" dirty="0">
                           <a:effectLst/>
-                          <a:latin typeface="+mn-ea"/>
-                          <a:ea typeface="+mn-ea"/>
                         </a:rPr>
                         <a:t>100</a:t>
                       </a:r>
                       <a:r>
                         <a:rPr lang="ja-JP" sz="4000" kern="100" dirty="0" smtClean="0">
                           <a:effectLst/>
-                          <a:latin typeface="+mn-ea"/>
-                          <a:ea typeface="+mn-ea"/>
                         </a:rPr>
                         <a:t>人中</a:t>
                       </a:r>
                       <a:r>
                         <a:rPr lang="ja-JP" altLang="en-US" sz="4000" kern="100" baseline="0" dirty="0" smtClean="0">
                           <a:effectLst/>
-                          <a:latin typeface="+mn-ea"/>
-                          <a:ea typeface="+mn-ea"/>
                         </a:rPr>
                         <a:t>  </a:t>
                       </a:r>
                       <a:r>
                         <a:rPr lang="en-US" altLang="ja-JP" sz="4000" kern="100" dirty="0" smtClean="0">
                           <a:effectLst/>
-                          <a:latin typeface="+mn-ea"/>
-                          <a:ea typeface="+mn-ea"/>
                         </a:rPr>
                         <a:t>5</a:t>
                       </a:r>
                       <a:r>
                         <a:rPr lang="ja-JP" sz="4000" kern="100" dirty="0" smtClean="0">
                           <a:effectLst/>
-                          <a:latin typeface="+mn-ea"/>
-                          <a:ea typeface="+mn-ea"/>
                         </a:rPr>
                         <a:t>人</a:t>
                       </a:r>
                       <a:r>
                         <a:rPr lang="ja-JP" sz="4000" kern="100" dirty="0">
                           <a:effectLst/>
-                          <a:latin typeface="+mn-ea"/>
-                          <a:ea typeface="+mn-ea"/>
                         </a:rPr>
                         <a:t>が参考になった</a:t>
                       </a:r>
@@ -4842,21 +4464,12 @@
                       <a:r>
                         <a:rPr lang="ja-JP" altLang="en-US" sz="6000" kern="100" dirty="0" smtClean="0">
                           <a:effectLst/>
-                          <a:latin typeface="+mn-ea"/>
-                          <a:ea typeface="+mn-ea"/>
-                          <a:cs typeface="Times New Roman" panose="02020603050405020304" pitchFamily="18" charset="0"/>
                         </a:rPr>
                         <a:t>評価の平均：</a:t>
                       </a:r>
                       <a:r>
                         <a:rPr lang="ja-JP" altLang="en-US" sz="6000" kern="100" baseline="0" dirty="0" smtClean="0">
-                          <a:solidFill>
-                            <a:schemeClr val="accent6"/>
-                          </a:solidFill>
                           <a:effectLst/>
-                          <a:latin typeface="+mn-ea"/>
-                          <a:ea typeface="+mn-ea"/>
-                          <a:cs typeface="Times New Roman" panose="02020603050405020304" pitchFamily="18" charset="0"/>
                         </a:rPr>
                         <a:t>★★★☆☆</a:t>
                       </a:r>
@@ -4920,24 +4533,74 @@
       </p:graphicFrame>
       <p:sp>
         <p:nvSpPr>
-          <p:cNvPr id="31" name="正方形/長方形 30"/>
+          <p:cNvPr id="2" name="下矢印 1"/>
           <p:cNvSpPr/>
           <p:nvPr/>
         </p:nvSpPr>
         <p:spPr>
           <a:xfrm>
-            <a:off x="756296" y="4062409"/>
-            <a:ext cx="5760640" cy="1512168"/>
+            <a:off x="5839395" y="10136506"/>
+            <a:ext cx="5976664" cy="1036792"/>
           </a:xfrm>
-          <a:prstGeom prst="rect">
+          <a:prstGeom prst="downArrow">
             <a:avLst/>
           </a:prstGeom>
-          <a:solidFill>
-            <a:schemeClr val="accent4"/>
-          </a:solidFill>
+          <a:noFill/>
+        </p:spPr>
+        <p:style>
+          <a:lnRef idx="2">
+            <a:schemeClr val="accent1">
+              <a:shade val="50000"/>
+            </a:schemeClr>
+          </a:lnRef>
+          <a:fillRef idx="1">
+            <a:schemeClr val="accent1"/>
+          </a:fillRef>
+          <a:effectRef idx="0">
+            <a:schemeClr val="accent1"/>
+          </a:effectRef>
+          <a:fontRef idx="minor">
+            <a:schemeClr val="lt1"/>
+          </a:fontRef>
+        </p:style>
+        <p:txBody>
+          <a:bodyPr rtlCol="0" anchor="ctr"/>
+          <a:lstStyle/>
+          <a:p>
+            <a:pPr algn="ctr"/>
+            <a:endParaRPr lang="ja-JP" altLang="en-US">
+              <a:solidFill>
+                <a:prstClr val="white"/>
+              </a:solidFill>
+            </a:endParaRPr>
+          </a:p>
+        </p:txBody>
+      </p:sp>
+      <p:sp>
+        <p:nvSpPr>
+          <p:cNvPr id="8" name="曲折矢印 7"/>
+          <p:cNvSpPr/>
+          <p:nvPr/>
+        </p:nvSpPr>
+        <p:spPr>
+          <a:xfrm rot="5400000">
+            <a:off x="15315710" y="8460187"/>
+            <a:ext cx="5517019" cy="2664296"/>
+          </a:xfrm>
+          <a:prstGeom prst="bentArrow">
+            <a:avLst>
+              <a:gd name="adj1" fmla="val 17121"/>
+              <a:gd name="adj2" fmla="val 25000"/>
+              <a:gd name="adj3" fmla="val 25000"/>
+              <a:gd name="adj4" fmla="val 43750"/>
+            </a:avLst>
+          </a:prstGeom>
+          <a:noFill/>
           <a:ln>
             <a:solidFill>
-              <a:schemeClr val="bg1"/>
+              <a:schemeClr val="tx2">
+                <a:lumMod val="75000"/>
+              </a:schemeClr>
             </a:solidFill>
           </a:ln>
         </p:spPr>
@@ -4962,126 +4625,6 @@
           <a:lstStyle/>
           <a:p>
             <a:pPr algn="ctr"/>
-            <a:r>
-              <a:rPr lang="ja-JP" altLang="en-US" b="1" dirty="0">
-                <a:solidFill>
-                  <a:schemeClr val="bg1"/>
-                </a:solidFill>
-              </a:rPr>
-              <a:t>研究</a:t>
-            </a:r>
-            <a:r>
-              <a:rPr lang="ja-JP" altLang="en-US" b="1" dirty="0" smtClean="0">
-                <a:solidFill>
-                  <a:schemeClr val="bg1"/>
-                </a:solidFill>
-              </a:rPr>
-              <a:t>背景</a:t>
-            </a:r>
-            <a:endParaRPr lang="ja-JP" altLang="en-US" b="1" dirty="0">
-              <a:solidFill>
-                <a:schemeClr val="bg1"/>
-              </a:solidFill>
-            </a:endParaRPr>
-          </a:p>
-        </p:txBody>
-      </p:sp>
-      <p:sp>
-        <p:nvSpPr>
-          <p:cNvPr id="2" name="下矢印 1"/>
-          <p:cNvSpPr/>
-          <p:nvPr/>
-        </p:nvSpPr>
-        <p:spPr>
-          <a:xfrm>
-            <a:off x="5839395" y="10136506"/>
-            <a:ext cx="5976664" cy="1036792"/>
-          </a:xfrm>
-          <a:prstGeom prst="downArrow">
-            <a:avLst/>
-          </a:prstGeom>
-          <a:solidFill>
-            <a:schemeClr val="accent6"/>
-          </a:solidFill>
-        </p:spPr>
-        <p:style>
-          <a:lnRef idx="2">
-            <a:schemeClr val="accent1">
-              <a:shade val="50000"/>
-            </a:schemeClr>
-          </a:lnRef>
-          <a:fillRef idx="1">
-            <a:schemeClr val="accent1"/>
-          </a:fillRef>
-          <a:effectRef idx="0">
-            <a:schemeClr val="accent1"/>
-          </a:effectRef>
-          <a:fontRef idx="minor">
-            <a:schemeClr val="lt1"/>
-          </a:fontRef>
-        </p:style>
-        <p:txBody>
-          <a:bodyPr rtlCol="0" anchor="ctr"/>
-          <a:lstStyle/>
-          <a:p>
-            <a:pPr algn="ctr"/>
-            <a:endParaRPr lang="ja-JP" altLang="en-US">
-              <a:solidFill>
-                <a:prstClr val="white"/>
-              </a:solidFill>
-            </a:endParaRPr>
-          </a:p>
-        </p:txBody>
-      </p:sp>
-      <p:sp>
-        <p:nvSpPr>
-          <p:cNvPr id="8" name="曲折矢印 7"/>
-          <p:cNvSpPr/>
-          <p:nvPr/>
-        </p:nvSpPr>
-        <p:spPr>
-          <a:xfrm rot="5400000">
-            <a:off x="15315710" y="8460187"/>
-            <a:ext cx="5517019" cy="2664296"/>
-          </a:xfrm>
-          <a:prstGeom prst="bentArrow">
-            <a:avLst>
-              <a:gd name="adj1" fmla="val 17121"/>
-              <a:gd name="adj2" fmla="val 25000"/>
-              <a:gd name="adj3" fmla="val 25000"/>
-              <a:gd name="adj4" fmla="val 43750"/>
-            </a:avLst>
-          </a:prstGeom>
-          <a:solidFill>
-            <a:schemeClr val="accent6"/>
-          </a:solidFill>
-          <a:ln>
-            <a:solidFill>
-              <a:schemeClr val="bg1"/>
-            </a:solidFill>
-          </a:ln>
-        </p:spPr>
-        <p:style>
-          <a:lnRef idx="2">
-            <a:schemeClr val="accent1">
-              <a:shade val="50000"/>
-            </a:schemeClr>
-          </a:lnRef>
-          <a:fillRef idx="1">
-            <a:schemeClr val="accent1"/>
-          </a:fillRef>
-          <a:effectRef idx="0">
-            <a:schemeClr val="accent1"/>
-          </a:effectRef>
-          <a:fontRef idx="minor">
-            <a:schemeClr val="lt1"/>
-          </a:fontRef>
-        </p:style>
-        <p:txBody>
-          <a:bodyPr rtlCol="0" anchor="ctr"/>
-          <a:lstStyle/>
-          <a:p>
-            <a:pPr algn="ctr"/>
             <a:endParaRPr lang="ja-JP" altLang="en-US">
               <a:solidFill>
                 <a:prstClr val="black"/>
@@ -5104,14 +4647,10 @@
           <a:prstGeom prst="roundRect">
             <a:avLst/>
           </a:prstGeom>
-          <a:solidFill>
-            <a:schemeClr val="accent1">
-              <a:lumMod val="75000"/>
-            </a:schemeClr>
-          </a:solidFill>
+          <a:noFill/>
           <a:ln w="25400">
             <a:solidFill>
-              <a:schemeClr val="bg1"/>
+              <a:schemeClr val="tx2"/>
             </a:solidFill>
           </a:ln>
         </p:spPr>
@@ -5134,69 +4673,17 @@
           <a:lstStyle/>
           <a:p>
             <a:pPr algn="ctr"/>
-            <a:endParaRPr lang="ja-JP" altLang="en-US">
-              <a:solidFill>
-                <a:prstClr val="black"/>
-              </a:solidFill>
-            </a:endParaRPr>
-          </a:p>
-        </p:txBody>
-      </p:sp>
-      <p:sp>
-        <p:nvSpPr>
-          <p:cNvPr id="17" name="正方形/長方形 16"/>
-          <p:cNvSpPr/>
-          <p:nvPr/>
-        </p:nvSpPr>
-        <p:spPr>
-          <a:xfrm>
-            <a:off x="756296" y="17651530"/>
-            <a:ext cx="5130796" cy="1484720"/>
-          </a:xfrm>
-          <a:prstGeom prst="rect">
-            <a:avLst/>
-          </a:prstGeom>
-          <a:solidFill>
-            <a:schemeClr val="accent4"/>
-          </a:solidFill>
-          <a:ln>
-            <a:solidFill>
-              <a:schemeClr val="bg1"/>
-            </a:solidFill>
-          </a:ln>
-        </p:spPr>
-        <p:style>
-          <a:lnRef idx="2">
-            <a:schemeClr val="accent1">
-              <a:shade val="50000"/>
-            </a:schemeClr>
-          </a:lnRef>
-          <a:fillRef idx="1">
-            <a:schemeClr val="accent1"/>
-          </a:fillRef>
-          <a:effectRef idx="0">
-            <a:schemeClr val="accent1"/>
-          </a:effectRef>
-          <a:fontRef idx="minor">
-            <a:schemeClr val="lt1"/>
-          </a:fontRef>
-        </p:style>
-        <p:txBody>
-          <a:bodyPr rtlCol="0" anchor="ctr"/>
-          <a:lstStyle/>
-          <a:p>
-            <a:pPr algn="ctr"/>
-            <a:r>
-              <a:rPr lang="ja-JP" altLang="en-US" b="1" dirty="0" smtClean="0">
+            <a:r>
+              <a:rPr lang="ja-JP" altLang="en-US" b="1" dirty="0">
                 <a:solidFill>
-                  <a:schemeClr val="bg1"/>
+                  <a:schemeClr val="tx1"/>
                 </a:solidFill>
               </a:rPr>
               <a:t>研究方法</a:t>
             </a:r>
             <a:endParaRPr lang="ja-JP" altLang="en-US" b="1" dirty="0">
               <a:solidFill>
-                <a:schemeClr val="bg1"/>
+                <a:schemeClr val="tx1"/>
               </a:solidFill>
             </a:endParaRPr>
           </a:p>
@@ -5216,14 +4703,10 @@
           <a:prstGeom prst="roundRect">
             <a:avLst/>
           </a:prstGeom>
-          <a:solidFill>
-            <a:schemeClr val="accent1">
-              <a:lumMod val="75000"/>
-            </a:schemeClr>
-          </a:solidFill>
+          <a:noFill/>
           <a:ln w="25400">
             <a:solidFill>
-              <a:schemeClr val="bg1"/>
+              <a:schemeClr val="tx2"/>
             </a:solidFill>
           </a:ln>
         </p:spPr>
@@ -5246,69 +4729,17 @@
           <a:lstStyle/>
           <a:p>
             <a:pPr algn="ctr"/>
-            <a:endParaRPr lang="ja-JP" altLang="en-US">
-              <a:solidFill>
-                <a:prstClr val="black"/>
-              </a:solidFill>
-            </a:endParaRPr>
-          </a:p>
-        </p:txBody>
-      </p:sp>
-      <p:sp>
-        <p:nvSpPr>
-          <p:cNvPr id="19" name="正方形/長方形 18"/>
-          <p:cNvSpPr/>
-          <p:nvPr/>
-        </p:nvSpPr>
-        <p:spPr>
-          <a:xfrm>
-            <a:off x="2250910" y="15011514"/>
-            <a:ext cx="3356671" cy="1023695"/>
-          </a:xfrm>
-          <a:prstGeom prst="rect">
-            <a:avLst/>
-          </a:prstGeom>
-          <a:solidFill>
-            <a:schemeClr val="accent4"/>
-          </a:solidFill>
-          <a:ln>
-            <a:solidFill>
-              <a:schemeClr val="bg1"/>
-            </a:solidFill>
-          </a:ln>
-        </p:spPr>
-        <p:style>
-          <a:lnRef idx="2">
-            <a:schemeClr val="accent1">
-              <a:shade val="50000"/>
-            </a:schemeClr>
-          </a:lnRef>
-          <a:fillRef idx="1">
-            <a:schemeClr val="accent1"/>
-          </a:fillRef>
-          <a:effectRef idx="0">
-            <a:schemeClr val="accent1"/>
-          </a:effectRef>
-          <a:fontRef idx="minor">
-            <a:schemeClr val="lt1"/>
-          </a:fontRef>
-        </p:style>
-        <p:txBody>
-          <a:bodyPr rtlCol="0" anchor="ctr"/>
-          <a:lstStyle/>
-          <a:p>
-            <a:pPr algn="ctr"/>
-            <a:r>
-              <a:rPr lang="ja-JP" altLang="en-US" b="1" dirty="0" smtClean="0">
+            <a:r>
+              <a:rPr lang="ja-JP" altLang="en-US" b="1" dirty="0">
                 <a:solidFill>
-                  <a:schemeClr val="bg1"/>
+                  <a:schemeClr val="tx1"/>
                 </a:solidFill>
               </a:rPr>
               <a:t>目的</a:t>
             </a:r>
             <a:endParaRPr lang="ja-JP" altLang="en-US" b="1" dirty="0">
               <a:solidFill>
-                <a:schemeClr val="bg1"/>
+                <a:schemeClr val="tx1"/>
               </a:solidFill>
             </a:endParaRPr>
           </a:p>
@@ -5485,11 +4916,7 @@
           <a:prstGeom prst="snipRoundRect">
             <a:avLst/>
           </a:prstGeom>
-          <a:solidFill>
-            <a:schemeClr val="accent1">
-              <a:lumMod val="75000"/>
-            </a:schemeClr>
-          </a:solidFill>
+          <a:noFill/>
           <a:ln>
             <a:noFill/>
           </a:ln>
@@ -5516,42 +4943,69 @@
           <a:p>
             <a:pPr lvl="0"/>
             <a:r>
-              <a:rPr lang="ja-JP" altLang="en-US" sz="6600" b="1" dirty="0"/>
+              <a:rPr lang="ja-JP" altLang="en-US" sz="7200" b="1" dirty="0">
+                <a:solidFill>
+                  <a:schemeClr val="tx1"/>
+                </a:solidFill>
+              </a:rPr>
               <a:t>オンラインショッピングサイト利用者</a:t>
             </a:r>
             <a:r>
-              <a:rPr lang="ja-JP" altLang="en-US" sz="4800" b="1" dirty="0" smtClean="0"/>
+              <a:rPr lang="ja-JP" altLang="en-US" sz="5400" b="1" dirty="0" smtClean="0">
+                <a:solidFill>
+                  <a:schemeClr val="tx1"/>
+                </a:solidFill>
+              </a:rPr>
               <a:t>によ</a:t>
             </a:r>
             <a:r>
-              <a:rPr lang="ja-JP" altLang="en-US" sz="4800" b="1" dirty="0"/>
+              <a:rPr lang="ja-JP" altLang="en-US" sz="5400" b="1" dirty="0">
+                <a:solidFill>
+                  <a:schemeClr val="tx1"/>
+                </a:solidFill>
+              </a:rPr>
               <a:t>る</a:t>
             </a:r>
-            <a:endParaRPr lang="en-US" altLang="ja-JP" sz="4800" b="1" dirty="0"/>
-          </a:p>
-          <a:p>
-            <a:pPr lvl="0"/>
-            <a:r>
-              <a:rPr lang="en-US" altLang="ja-JP" sz="6000" b="1" dirty="0"/>
-              <a:t> </a:t>
-            </a:r>
-            <a:r>
-              <a:rPr lang="en-US" altLang="ja-JP" sz="6000" b="1" dirty="0" smtClean="0"/>
-              <a:t>                 </a:t>
-            </a:r>
-            <a:r>
-              <a:rPr lang="ja-JP" altLang="en-US" sz="7200" b="1" dirty="0" smtClean="0"/>
-              <a:t>商品</a:t>
-            </a:r>
-            <a:r>
-              <a:rPr lang="ja-JP" altLang="en-US" sz="7200" b="1" dirty="0"/>
-              <a:t>に対するレビューの動向調査</a:t>
-            </a:r>
-            <a:endParaRPr lang="ja-JP" altLang="en-US" sz="7200" b="1" dirty="0">
+            <a:endParaRPr lang="en-US" altLang="ja-JP" sz="5400" b="1" dirty="0">
               <a:solidFill>
-                <a:prstClr val="black"/>
+                <a:schemeClr val="tx1"/>
               </a:solidFill>
             </a:endParaRPr>
+          </a:p>
+          <a:p>
+            <a:pPr lvl="0"/>
+            <a:r>
+              <a:rPr lang="en-US" altLang="ja-JP" sz="6000" b="1" dirty="0">
+                <a:solidFill>
+                  <a:schemeClr val="tx1"/>
+                </a:solidFill>
+              </a:rPr>
+              <a:t> </a:t>
+            </a:r>
+            <a:r>
+              <a:rPr lang="en-US" altLang="ja-JP" sz="6000" b="1" dirty="0" smtClean="0">
+                <a:solidFill>
+                  <a:schemeClr val="tx1"/>
+                </a:solidFill>
+              </a:rPr>
+              <a:t>                 </a:t>
+            </a:r>
+            <a:r>
+              <a:rPr lang="ja-JP" altLang="en-US" sz="7200" b="1" dirty="0" smtClean="0">
+                <a:solidFill>
+                  <a:schemeClr val="tx1"/>
+                </a:solidFill>
+              </a:rPr>
+              <a:t>商品</a:t>
+            </a:r>
+            <a:r>
+              <a:rPr lang="ja-JP" altLang="en-US" sz="7200" b="1" dirty="0">
+                <a:solidFill>
+                  <a:schemeClr val="tx1"/>
+                </a:solidFill>
+              </a:rPr>
+              <a:t>に対するレビューの動向調査</a:t>
+            </a:r>
           </a:p>
         </p:txBody>
       </p:sp>
@@ -5675,14 +5129,10 @@
           <a:prstGeom prst="roundRect">
             <a:avLst/>
           </a:prstGeom>
-          <a:solidFill>
-            <a:schemeClr val="accent1">
-              <a:lumMod val="75000"/>
-            </a:schemeClr>
-          </a:solidFill>
+          <a:noFill/>
           <a:ln w="25400">
             <a:solidFill>
-              <a:schemeClr val="bg1"/>
+              <a:schemeClr val="tx2"/>
             </a:solidFill>
           </a:ln>
         </p:spPr>
@@ -5705,69 +5155,17 @@
           <a:lstStyle/>
           <a:p>
             <a:pPr algn="ctr"/>
-            <a:endParaRPr lang="ja-JP" altLang="en-US">
-              <a:solidFill>
-                <a:prstClr val="black"/>
-              </a:solidFill>
-            </a:endParaRPr>
-          </a:p>
-        </p:txBody>
-      </p:sp>
-      <p:sp>
-        <p:nvSpPr>
-          <p:cNvPr id="35" name="正方形/長方形 34"/>
-          <p:cNvSpPr/>
-          <p:nvPr/>
-        </p:nvSpPr>
-        <p:spPr>
-          <a:xfrm>
-            <a:off x="756296" y="23417668"/>
-            <a:ext cx="4069182" cy="1023695"/>
-          </a:xfrm>
-          <a:prstGeom prst="rect">
-            <a:avLst/>
-          </a:prstGeom>
-          <a:solidFill>
-            <a:schemeClr val="accent4"/>
-          </a:solidFill>
-          <a:ln>
-            <a:solidFill>
-              <a:schemeClr val="bg1"/>
-            </a:solidFill>
-          </a:ln>
-        </p:spPr>
-        <p:style>
-          <a:lnRef idx="2">
-            <a:schemeClr val="accent1">
-              <a:shade val="50000"/>
-            </a:schemeClr>
-          </a:lnRef>
-          <a:fillRef idx="1">
-            <a:schemeClr val="accent1"/>
-          </a:fillRef>
-          <a:effectRef idx="0">
-            <a:schemeClr val="accent1"/>
-          </a:effectRef>
-          <a:fontRef idx="minor">
-            <a:schemeClr val="lt1"/>
-          </a:fontRef>
-        </p:style>
-        <p:txBody>
-          <a:bodyPr rtlCol="0" anchor="ctr"/>
-          <a:lstStyle/>
-          <a:p>
-            <a:pPr algn="ctr"/>
-            <a:r>
-              <a:rPr lang="ja-JP" altLang="en-US" b="1" dirty="0" smtClean="0">
+            <a:r>
+              <a:rPr lang="ja-JP" altLang="en-US" b="1" dirty="0">
                 <a:solidFill>
-                  <a:schemeClr val="bg1"/>
+                  <a:schemeClr val="tx1"/>
                 </a:solidFill>
               </a:rPr>
               <a:t>研究結果</a:t>
             </a:r>
             <a:endParaRPr lang="ja-JP" altLang="en-US" b="1" dirty="0">
               <a:solidFill>
-                <a:schemeClr val="bg1"/>
+                <a:schemeClr val="tx1"/>
               </a:solidFill>
             </a:endParaRPr>
           </a:p>
@@ -5959,7 +5357,7 @@
         </p:blipFill>
         <p:spPr>
           <a:xfrm>
-            <a:off x="11291469" y="23417669"/>
+            <a:off x="11486409" y="23146629"/>
             <a:ext cx="8302442" cy="4272766"/>
           </a:xfrm>
           <a:prstGeom prst="rect">
@@ -5981,14 +5379,10 @@
           <a:prstGeom prst="roundRect">
             <a:avLst/>
           </a:prstGeom>
-          <a:solidFill>
-            <a:schemeClr val="accent1">
-              <a:lumMod val="75000"/>
-            </a:schemeClr>
-          </a:solidFill>
+          <a:noFill/>
           <a:ln w="25400">
             <a:solidFill>
-              <a:schemeClr val="bg1"/>
+              <a:schemeClr val="tx2"/>
             </a:solidFill>
           </a:ln>
         </p:spPr>
@@ -6011,77 +5405,17 @@
           <a:lstStyle/>
           <a:p>
             <a:pPr algn="ctr"/>
-            <a:endParaRPr lang="ja-JP" altLang="en-US">
-              <a:solidFill>
-                <a:prstClr val="black"/>
-              </a:solidFill>
-            </a:endParaRPr>
-          </a:p>
-        </p:txBody>
-      </p:sp>
-      <p:sp>
-        <p:nvSpPr>
-          <p:cNvPr id="39" name="正方形/長方形 38"/>
-          <p:cNvSpPr/>
-          <p:nvPr/>
-        </p:nvSpPr>
-        <p:spPr>
-          <a:xfrm>
-            <a:off x="756296" y="27915136"/>
-            <a:ext cx="4069182" cy="1023695"/>
-          </a:xfrm>
-          <a:prstGeom prst="rect">
-            <a:avLst/>
-          </a:prstGeom>
-          <a:solidFill>
-            <a:schemeClr val="accent4"/>
-          </a:solidFill>
-          <a:ln>
-            <a:solidFill>
-              <a:schemeClr val="bg1"/>
-            </a:solidFill>
-          </a:ln>
-        </p:spPr>
-        <p:style>
-          <a:lnRef idx="2">
-            <a:schemeClr val="accent1">
-              <a:shade val="50000"/>
-            </a:schemeClr>
-          </a:lnRef>
-          <a:fillRef idx="1">
-            <a:schemeClr val="accent1"/>
-          </a:fillRef>
-          <a:effectRef idx="0">
-            <a:schemeClr val="accent1"/>
-          </a:effectRef>
-          <a:fontRef idx="minor">
-            <a:schemeClr val="lt1"/>
-          </a:fontRef>
-        </p:style>
-        <p:txBody>
-          <a:bodyPr rtlCol="0" anchor="ctr"/>
-          <a:lstStyle/>
-          <a:p>
-            <a:pPr algn="ctr"/>
             <a:r>
               <a:rPr lang="ja-JP" altLang="en-US" b="1" dirty="0">
                 <a:solidFill>
-                  <a:schemeClr val="bg1"/>
+                  <a:schemeClr val="tx1"/>
                 </a:solidFill>
               </a:rPr>
-              <a:t>今後</a:t>
-            </a:r>
-            <a:r>
-              <a:rPr lang="ja-JP" altLang="en-US" b="1" dirty="0" smtClean="0">
-                <a:solidFill>
-                  <a:schemeClr val="bg1"/>
-                </a:solidFill>
-              </a:rPr>
-              <a:t>の予定</a:t>
+              <a:t>今後の予定</a:t>
             </a:r>
             <a:endParaRPr lang="ja-JP" altLang="en-US" b="1" dirty="0">
               <a:solidFill>
-                <a:schemeClr val="bg1"/>
+                <a:schemeClr val="tx1"/>
               </a:solidFill>
             </a:endParaRPr>
           </a:p>
@@ -6127,11 +5461,7 @@
             </a:r>
             <a:r>
               <a:rPr lang="ja-JP" altLang="en-US" sz="4400" dirty="0" smtClean="0"/>
-              <a:t>した</a:t>
-            </a:r>
-            <a:r>
-              <a:rPr lang="ja-JP" altLang="en-US" sz="4400" dirty="0" smtClean="0"/>
-              <a:t>．</a:t>
+              <a:t>した．</a:t>
             </a:r>
             <a:endParaRPr lang="en-US" altLang="ja-JP" sz="4400" dirty="0"/>
           </a:p>
@@ -6142,15 +5472,7 @@
             </a:pPr>
             <a:r>
               <a:rPr kumimoji="1" lang="ja-JP" altLang="en-US" sz="4400" dirty="0" smtClean="0"/>
-              <a:t>相関性</a:t>
-            </a:r>
-            <a:r>
-              <a:rPr kumimoji="1" lang="ja-JP" altLang="en-US" sz="4400" dirty="0" smtClean="0"/>
-              <a:t>がある</a:t>
-            </a:r>
-            <a:r>
-              <a:rPr kumimoji="1" lang="ja-JP" altLang="en-US" sz="4400" dirty="0" smtClean="0"/>
-              <a:t>結果</a:t>
+              <a:t>相関性がある結果</a:t>
             </a:r>
             <a:r>
               <a:rPr lang="ja-JP" altLang="en-US" sz="4400" dirty="0" smtClean="0"/>
@@ -6181,58 +5503,93 @@
 </file>
 
 <file path=ppt/theme/theme1.xml><?xml version="1.0" encoding="utf-8"?>
-<a:theme xmlns:a="http://schemas.openxmlformats.org/drawingml/2006/main" name="フレーム">
+<a:theme xmlns:a="http://schemas.openxmlformats.org/drawingml/2006/main" name="Office ​​テーマ">
   <a:themeElements>
-    <a:clrScheme name="フレーム">
+    <a:clrScheme name="Office">
       <a:dk1>
-        <a:srgbClr val="000000"/>
+        <a:sysClr val="windowText" lastClr="000000"/>
       </a:dk1>
       <a:lt1>
-        <a:srgbClr val="FFFFFF"/>
+        <a:sysClr val="window" lastClr="FFFFFF"/>
       </a:lt1>
       <a:dk2>
-        <a:srgbClr val="545454"/>
+        <a:srgbClr val="1F497D"/>
       </a:dk2>
       <a:lt2>
-        <a:srgbClr val="BFBFBF"/>
+        <a:srgbClr val="EEECE1"/>
       </a:lt2>
       <a:accent1>
-        <a:srgbClr val="40BAD2"/>
+        <a:srgbClr val="4F81BD"/>
       </a:accent1>
       <a:accent2>
-        <a:srgbClr val="FAB900"/>
+        <a:srgbClr val="C0504D"/>
       </a:accent2>
       <a:accent3>
-        <a:srgbClr val="90BB23"/>
+        <a:srgbClr val="9BBB59"/>
       </a:accent3>
       <a:accent4>
-        <a:srgbClr val="EE7008"/>
+        <a:srgbClr val="8064A2"/>
       </a:accent4>
       <a:accent5>
-        <a:srgbClr val="1AB39F"/>
+        <a:srgbClr val="4BACC6"/>
       </a:accent5>
       <a:accent6>
-        <a:srgbClr val="D5393D"/>
+        <a:srgbClr val="F79646"/>
       </a:accent6>
       <a:hlink>
-        <a:srgbClr val="90BB23"/>
+        <a:srgbClr val="0000FF"/>
       </a:hlink>
       <a:folHlink>
-        <a:srgbClr val="EE7008"/>
+        <a:srgbClr val="800080"/>
       </a:folHlink>
     </a:clrScheme>
-    <a:fontScheme name="フレーム">
+    <a:fontScheme name="Office">
       <a:majorFont>
-        <a:latin typeface="Corbel" panose="020B0503020204020204"/>
+        <a:latin typeface="Calibri"/>
         <a:ea typeface=""/>
         <a:cs typeface=""/>
-        <a:font script="Jpan" typeface="ＭＳ ゴシック"/>
-        <a:font script="Hang" typeface="HY중고딕"/>
-        <a:font script="Hans" typeface="幼圆"/>
-        <a:font script="Hant" typeface="微軟正黑體"/>
-        <a:font script="Arab" typeface="Tahoma"/>
-        <a:font script="Hebr" typeface="Gisha"/>
-        <a:font script="Thai" typeface="DilleniaUPC"/>
+        <a:font script="Jpan" typeface="ＭＳ Ｐゴシック"/>
+        <a:font script="Hang" typeface="맑은 고딕"/>
+        <a:font script="Hans" typeface="宋体"/>
+        <a:font script="Hant" typeface="新細明體"/>
+        <a:font script="Arab" typeface="Times New Roman"/>
+        <a:font script="Hebr" typeface="Times New Roman"/>
+        <a:font script="Thai" typeface="Angsana New"/>
+        <a:font script="Ethi" typeface="Nyala"/>
+        <a:font script="Beng" typeface="Vrinda"/>
+        <a:font script="Gujr" typeface="Shruti"/>
+        <a:font script="Khmr" typeface="MoolBoran"/>
+        <a:font script="Knda" typeface="Tunga"/>
+        <a:font script="Guru" typeface="Raavi"/>
+        <a:font script="Cans" typeface="Euphemia"/>
+        <a:font script="Cher" typeface="Plantagenet Cherokee"/>
+        <a:font script="Yiii" typeface="Microsoft Yi Baiti"/>
+        <a:font script="Tibt" typeface="Microsoft Himalaya"/>
+        <a:font script="Thaa" typeface="MV Boli"/>
+        <a:font script="Deva" typeface="Mangal"/>
+        <a:font script="Telu" typeface="Gautami"/>
+        <a:font script="Taml" typeface="Latha"/>
+        <a:font script="Syrc" typeface="Estrangelo Edessa"/>
+        <a:font script="Orya" typeface="Kalinga"/>
+        <a:font script="Mlym" typeface="Kartika"/>
+        <a:font script="Laoo" typeface="DokChampa"/>
+        <a:font script="Sinh" typeface="Iskoola Pota"/>
+        <a:font script="Mong" typeface="Mongolian Baiti"/>
+        <a:font script="Viet" typeface="Times New Roman"/>
+        <a:font script="Uigh" typeface="Microsoft Uighur"/>
+        <a:font script="Geor" typeface="Sylfaen"/>
+      </a:majorFont>
+      <a:minorFont>
+        <a:latin typeface="Calibri"/>
+        <a:ea typeface=""/>
+        <a:cs typeface=""/>
+        <a:font script="Jpan" typeface="ＭＳ Ｐゴシック"/>
+        <a:font script="Hang" typeface="맑은 고딕"/>
+        <a:font script="Hans" typeface="宋体"/>
+        <a:font script="Hant" typeface="新細明體"/>
+        <a:font script="Arab" typeface="Arial"/>
+        <a:font script="Hebr" typeface="Arial"/>
+        <a:font script="Thai" typeface="Cordia New"/>
         <a:font script="Ethi" typeface="Nyala"/>
         <a:font script="Beng" typeface="Vrinda"/>
         <a:font script="Gujr" typeface="Shruti"/>
@@ -6253,99 +5610,110 @@
         <a:font script="Laoo" typeface="DokChampa"/>
         <a:font script="Sinh" typeface="Iskoola Pota"/>
         <a:font script="Mong" typeface="Mongolian Baiti"/>
-        <a:font script="Viet" typeface="Tahoma"/>
-        <a:font script="Uigh" typeface="Microsoft Uighur"/>
-        <a:font script="Geor" typeface="Sylfaen"/>
-      </a:majorFont>
-      <a:minorFont>
-        <a:latin typeface="Corbel" panose="020B0503020204020204"/>
-        <a:ea typeface=""/>
-        <a:cs typeface=""/>
-        <a:font script="Jpan" typeface="ＭＳ ゴシック"/>
-        <a:font script="Hang" typeface="HY중고딕"/>
-        <a:font script="Hans" typeface="幼圆"/>
-        <a:font script="Hant" typeface="微軟正黑體"/>
-        <a:font script="Arab" typeface="Tahoma"/>
-        <a:font script="Hebr" typeface="Gisha"/>
-        <a:font script="Thai" typeface="DilleniaUPC"/>
-        <a:font script="Ethi" typeface="Nyala"/>
-        <a:font script="Beng" typeface="Vrinda"/>
-        <a:font script="Gujr" typeface="Shruti"/>
-        <a:font script="Khmr" typeface="DaunPenh"/>
-        <a:font script="Knda" typeface="Tunga"/>
-        <a:font script="Guru" typeface="Raavi"/>
-        <a:font script="Cans" typeface="Euphemia"/>
-        <a:font script="Cher" typeface="Plantagenet Cherokee"/>
-        <a:font script="Yiii" typeface="Microsoft Yi Baiti"/>
-        <a:font script="Tibt" typeface="Microsoft Himalaya"/>
-        <a:font script="Thaa" typeface="MV Boli"/>
-        <a:font script="Deva" typeface="Mangal"/>
-        <a:font script="Telu" typeface="Gautami"/>
-        <a:font script="Taml" typeface="Latha"/>
-        <a:font script="Syrc" typeface="Estrangelo Edessa"/>
-        <a:font script="Orya" typeface="Kalinga"/>
-        <a:font script="Mlym" typeface="Kartika"/>
-        <a:font script="Laoo" typeface="DokChampa"/>
-        <a:font script="Sinh" typeface="Iskoola Pota"/>
-        <a:font script="Mong" typeface="Mongolian Baiti"/>
-        <a:font script="Viet" typeface="Verdana"/>
+        <a:font script="Viet" typeface="Arial"/>
         <a:font script="Uigh" typeface="Microsoft Uighur"/>
         <a:font script="Geor" typeface="Sylfaen"/>
       </a:minorFont>
     </a:fontScheme>
-    <a:fmtScheme name="フレーム">
+    <a:fmtScheme name="Office">
       <a:fillStyleLst>
         <a:solidFill>
           <a:schemeClr val="phClr"/>
         </a:solidFill>
-        <a:solidFill>
-          <a:schemeClr val="phClr">
-            <a:tint val="65000"/>
-          </a:schemeClr>
-        </a:solidFill>
-        <a:solidFill>
-          <a:schemeClr val="phClr">
-            <a:shade val="80000"/>
-            <a:satMod val="150000"/>
-          </a:schemeClr>
-        </a:solidFill>
+        <a:gradFill rotWithShape="1">
+          <a:gsLst>
+            <a:gs pos="0">
+              <a:schemeClr val="phClr">
+                <a:tint val="50000"/>
+                <a:satMod val="300000"/>
+              </a:schemeClr>
+            </a:gs>
+            <a:gs pos="35000">
+              <a:schemeClr val="phClr">
+                <a:tint val="37000"/>
+                <a:satMod val="300000"/>
+              </a:schemeClr>
+            </a:gs>
+            <a:gs pos="100000">
+              <a:schemeClr val="phClr">
+                <a:tint val="15000"/>
+                <a:satMod val="350000"/>
+              </a:schemeClr>
+            </a:gs>
+          </a:gsLst>
+          <a:lin ang="16200000" scaled="1"/>
+        </a:gradFill>
+        <a:gradFill rotWithShape="1">
+          <a:gsLst>
+            <a:gs pos="0">
+              <a:schemeClr val="phClr">
+                <a:shade val="51000"/>
+                <a:satMod val="130000"/>
+              </a:schemeClr>
+            </a:gs>
+            <a:gs pos="80000">
+              <a:schemeClr val="phClr">
+                <a:shade val="93000"/>
+                <a:satMod val="130000"/>
+              </a:schemeClr>
+            </a:gs>
+            <a:gs pos="100000">
+              <a:schemeClr val="phClr">
+                <a:shade val="94000"/>
+                <a:satMod val="135000"/>
+              </a:schemeClr>
+            </a:gs>
+          </a:gsLst>
+          <a:lin ang="16200000" scaled="0"/>
+        </a:gradFill>
       </a:fillStyleLst>
       <a:lnStyleLst>
         <a:ln w="9525" cap="flat" cmpd="sng" algn="ctr">
+          <a:solidFill>
+            <a:schemeClr val="phClr">
+              <a:shade val="95000"/>
+              <a:satMod val="105000"/>
+            </a:schemeClr>
+          </a:solidFill>
+          <a:prstDash val="solid"/>
+        </a:ln>
+        <a:ln w="25400" cap="flat" cmpd="sng" algn="ctr">
           <a:solidFill>
             <a:schemeClr val="phClr"/>
           </a:solidFill>
           <a:prstDash val="solid"/>
         </a:ln>
-        <a:ln w="10795" cap="flat" cmpd="sng" algn="ctr">
+        <a:ln w="38100" cap="flat" cmpd="sng" algn="ctr">
           <a:solidFill>
             <a:schemeClr val="phClr"/>
-          </a:solidFill>
-          <a:prstDash val="solid"/>
-        </a:ln>
-        <a:ln w="17145" cap="flat" cmpd="sng" algn="ctr">
-          <a:solidFill>
-            <a:schemeClr val="phClr">
-              <a:shade val="95000"/>
-              <a:alpha val="50000"/>
-              <a:satMod val="150000"/>
-            </a:schemeClr>
           </a:solidFill>
           <a:prstDash val="solid"/>
         </a:ln>
       </a:lnStyleLst>
       <a:effectStyleLst>
         <a:effectStyle>
-          <a:effectLst/>
-        </a:effectStyle>
-        <a:effectStyle>
-          <a:effectLst/>
+          <a:effectLst>
+            <a:outerShdw blurRad="40000" dist="20000" dir="5400000" rotWithShape="0">
+              <a:srgbClr val="000000">
+                <a:alpha val="38000"/>
+              </a:srgbClr>
+            </a:outerShdw>
+          </a:effectLst>
         </a:effectStyle>
         <a:effectStyle>
           <a:effectLst>
-            <a:outerShdw blurRad="44450" dist="13970" dir="5400000" algn="ctr" rotWithShape="0">
+            <a:outerShdw blurRad="40000" dist="23000" dir="5400000" rotWithShape="0">
               <a:srgbClr val="000000">
-                <a:alpha val="45000"/>
+                <a:alpha val="35000"/>
+              </a:srgbClr>
+            </a:outerShdw>
+          </a:effectLst>
+        </a:effectStyle>
+        <a:effectStyle>
+          <a:effectLst>
+            <a:outerShdw blurRad="40000" dist="23000" dir="5400000" rotWithShape="0">
+              <a:srgbClr val="000000">
+                <a:alpha val="35000"/>
               </a:srgbClr>
             </a:outerShdw>
           </a:effectLst>
@@ -6353,10 +5721,12 @@
             <a:camera prst="orthographicFront">
               <a:rot lat="0" lon="0" rev="0"/>
             </a:camera>
-            <a:lightRig rig="twoPt" dir="tl"/>
+            <a:lightRig rig="threePt" dir="t">
+              <a:rot lat="0" lon="0" rev="1200000"/>
+            </a:lightRig>
           </a:scene3d>
-          <a:sp3d prstMaterial="flat">
-            <a:bevelT w="12700" h="25400" prst="coolSlant"/>
+          <a:sp3d>
+            <a:bevelT w="63500" h="25400"/>
           </a:sp3d>
         </a:effectStyle>
       </a:effectStyleLst>
@@ -6364,50 +5734,56 @@
         <a:solidFill>
           <a:schemeClr val="phClr"/>
         </a:solidFill>
-        <a:solidFill>
-          <a:schemeClr val="phClr">
-            <a:tint val="95000"/>
-            <a:satMod val="170000"/>
-          </a:schemeClr>
-        </a:solidFill>
         <a:gradFill rotWithShape="1">
           <a:gsLst>
             <a:gs pos="0">
               <a:schemeClr val="phClr">
-                <a:tint val="93000"/>
-                <a:shade val="98000"/>
-                <a:satMod val="120000"/>
-                <a:lumMod val="102000"/>
+                <a:tint val="40000"/>
+                <a:satMod val="350000"/>
               </a:schemeClr>
             </a:gs>
-            <a:gs pos="48000">
+            <a:gs pos="40000">
               <a:schemeClr val="phClr">
-                <a:tint val="98000"/>
-                <a:shade val="90000"/>
-                <a:satMod val="110000"/>
-                <a:lumMod val="103000"/>
+                <a:tint val="45000"/>
+                <a:shade val="99000"/>
+                <a:satMod val="350000"/>
               </a:schemeClr>
             </a:gs>
             <a:gs pos="100000">
               <a:schemeClr val="phClr">
-                <a:tint val="98000"/>
-                <a:shade val="80000"/>
-                <a:satMod val="100000"/>
+                <a:shade val="20000"/>
+                <a:satMod val="255000"/>
               </a:schemeClr>
             </a:gs>
           </a:gsLst>
-          <a:lin ang="5400000" scaled="0"/>
+          <a:path path="circle">
+            <a:fillToRect l="50000" t="-80000" r="50000" b="180000"/>
+          </a:path>
+        </a:gradFill>
+        <a:gradFill rotWithShape="1">
+          <a:gsLst>
+            <a:gs pos="0">
+              <a:schemeClr val="phClr">
+                <a:tint val="80000"/>
+                <a:satMod val="300000"/>
+              </a:schemeClr>
+            </a:gs>
+            <a:gs pos="100000">
+              <a:schemeClr val="phClr">
+                <a:shade val="30000"/>
+                <a:satMod val="200000"/>
+              </a:schemeClr>
+            </a:gs>
+          </a:gsLst>
+          <a:path path="circle">
+            <a:fillToRect l="50000" t="50000" r="50000" b="50000"/>
+          </a:path>
         </a:gradFill>
       </a:bgFillStyleLst>
     </a:fmtScheme>
   </a:themeElements>
   <a:objectDefaults/>
   <a:extraClrSchemeLst/>
-  <a:extLst>
-    <a:ext uri="{05A4C25C-085E-4340-85A3-A5531E510DB2}">
-      <thm15:themeFamily xmlns="" xmlns:thm15="http://schemas.microsoft.com/office/thememl/2012/main" name="Frame" id="{F226E7A2-7162-461C-9490-D27D9DC04E43}" vid="{629A0216-3BBD-45C0-B63F-2683BEA18F60}"/>
-    </a:ext>
-  </a:extLst>
 </a:theme>
 </file>
 
